--- a/pres/2019-chee-twofcs-pres.pptx
+++ b/pres/2019-chee-twofcs-pres.pptx
@@ -9934,8 +9934,71 @@
                 <a:ea typeface="Calibri" charset="0"/>
                 <a:cs typeface="Calibri" charset="0"/>
               </a:rPr>
-              <a:t>Gwendolyn Chee, Kathryn D. Huff</a:t>
-            </a:r>
+              <a:t>Gwendolyn Chee</a:t>
+            </a:r>
+            <a:r>
+              <a:rPr lang="en-US" sz="2400" baseline="30000" dirty="0">
+                <a:solidFill>
+                  <a:srgbClr val="13294B"/>
+                </a:solidFill>
+                <a:latin typeface="Helvetica" pitchFamily="2" charset="0"/>
+                <a:ea typeface="Calibri" charset="0"/>
+                <a:cs typeface="Calibri" charset="0"/>
+              </a:rPr>
+              <a:t>1</a:t>
+            </a:r>
+            <a:r>
+              <a:rPr lang="en-US" sz="2400" dirty="0">
+                <a:solidFill>
+                  <a:srgbClr val="13294B"/>
+                </a:solidFill>
+                <a:latin typeface="Helvetica" pitchFamily="2" charset="0"/>
+                <a:ea typeface="Calibri" charset="0"/>
+                <a:cs typeface="Calibri" charset="0"/>
+              </a:rPr>
+              <a:t>, Robert R. Flanagan</a:t>
+            </a:r>
+            <a:r>
+              <a:rPr lang="en-US" sz="2400" baseline="30000" dirty="0">
+                <a:solidFill>
+                  <a:srgbClr val="13294B"/>
+                </a:solidFill>
+                <a:latin typeface="Helvetica" pitchFamily="2" charset="0"/>
+                <a:ea typeface="Calibri" charset="0"/>
+                <a:cs typeface="Calibri" charset="0"/>
+              </a:rPr>
+              <a:t>2</a:t>
+            </a:r>
+            <a:r>
+              <a:rPr lang="en-US" sz="2400" dirty="0">
+                <a:solidFill>
+                  <a:srgbClr val="13294B"/>
+                </a:solidFill>
+                <a:latin typeface="Helvetica" pitchFamily="2" charset="0"/>
+                <a:ea typeface="Calibri" charset="0"/>
+                <a:cs typeface="Calibri" charset="0"/>
+              </a:rPr>
+              <a:t>, Kathryn D. Huff</a:t>
+            </a:r>
+            <a:r>
+              <a:rPr lang="en-US" sz="2400" baseline="30000" dirty="0">
+                <a:solidFill>
+                  <a:srgbClr val="13294B"/>
+                </a:solidFill>
+                <a:latin typeface="Helvetica" pitchFamily="2" charset="0"/>
+                <a:ea typeface="Calibri" charset="0"/>
+                <a:cs typeface="Calibri" charset="0"/>
+              </a:rPr>
+              <a:t>1</a:t>
+            </a:r>
+            <a:endParaRPr lang="en-US" sz="2400" dirty="0">
+              <a:solidFill>
+                <a:srgbClr val="13294B"/>
+              </a:solidFill>
+              <a:latin typeface="Helvetica" pitchFamily="2" charset="0"/>
+              <a:ea typeface="Calibri" charset="0"/>
+              <a:cs typeface="Calibri" charset="0"/>
+            </a:endParaRPr>
           </a:p>
         </p:txBody>
       </p:sp>
@@ -9954,7 +10017,7 @@
         <p:spPr>
           <a:xfrm>
             <a:off x="1996782" y="2777990"/>
-            <a:ext cx="5123793" cy="369332"/>
+            <a:ext cx="5123793" cy="646331"/>
           </a:xfrm>
           <a:prstGeom prst="rect">
             <a:avLst/>
@@ -9969,6 +10032,17 @@
           <a:p>
             <a:pPr algn="ctr"/>
             <a:r>
+              <a:rPr lang="en-US" baseline="30000" dirty="0">
+                <a:solidFill>
+                  <a:srgbClr val="13294B"/>
+                </a:solidFill>
+                <a:latin typeface="Helvetica" pitchFamily="2" charset="0"/>
+                <a:ea typeface="Calibri" charset="0"/>
+                <a:cs typeface="Calibri" charset="0"/>
+              </a:rPr>
+              <a:t>1</a:t>
+            </a:r>
+            <a:r>
               <a:rPr lang="en-US" dirty="0">
                 <a:solidFill>
                   <a:srgbClr val="13294B"/>
@@ -9979,6 +10053,39 @@
               </a:rPr>
               <a:t>University of Illinois at Urbana-Champaign</a:t>
             </a:r>
+          </a:p>
+          <a:p>
+            <a:pPr algn="ctr"/>
+            <a:r>
+              <a:rPr lang="en-US" baseline="30000" dirty="0">
+                <a:solidFill>
+                  <a:srgbClr val="13294B"/>
+                </a:solidFill>
+                <a:latin typeface="Helvetica" pitchFamily="2" charset="0"/>
+                <a:ea typeface="Calibri" charset="0"/>
+                <a:cs typeface="Calibri" charset="0"/>
+              </a:rPr>
+              <a:t>2</a:t>
+            </a:r>
+            <a:r>
+              <a:rPr lang="en-US" dirty="0">
+                <a:solidFill>
+                  <a:srgbClr val="13294B"/>
+                </a:solidFill>
+                <a:latin typeface="Helvetica" pitchFamily="2" charset="0"/>
+                <a:ea typeface="Calibri" charset="0"/>
+                <a:cs typeface="Calibri" charset="0"/>
+              </a:rPr>
+              <a:t>University of South Carolina</a:t>
+            </a:r>
+            <a:endParaRPr lang="en-US" baseline="30000" dirty="0">
+              <a:solidFill>
+                <a:srgbClr val="13294B"/>
+              </a:solidFill>
+              <a:latin typeface="Helvetica" pitchFamily="2" charset="0"/>
+              <a:ea typeface="Calibri" charset="0"/>
+              <a:cs typeface="Calibri" charset="0"/>
+            </a:endParaRPr>
           </a:p>
         </p:txBody>
       </p:sp>
@@ -9996,7 +10103,7 @@
         </p:nvSpPr>
         <p:spPr>
           <a:xfrm>
-            <a:off x="3216166" y="3294993"/>
+            <a:off x="3258023" y="3433680"/>
             <a:ext cx="2601310" cy="369332"/>
           </a:xfrm>
           <a:prstGeom prst="rect">

--- a/pres/2019-chee-twofcs-pres.pptx
+++ b/pres/2019-chee-twofcs-pres.pptx
@@ -6137,7 +6137,7 @@
           <a:p>
             <a:fld id="{F0562B9F-DA26-F243-9DA5-435978A7B711}" type="datetimeFigureOut">
               <a:rPr lang="en-US" smtClean="0"/>
-              <a:t>6/23/19</a:t>
+              <a:t>6/25/19</a:t>
             </a:fld>
             <a:endParaRPr lang="en-US"/>
           </a:p>
@@ -9926,7 +9926,7 @@
           <a:p>
             <a:pPr algn="ctr"/>
             <a:r>
-              <a:rPr lang="en-US" sz="2400" dirty="0">
+              <a:rPr lang="en-US" sz="2400">
                 <a:solidFill>
                   <a:srgbClr val="13294B"/>
                 </a:solidFill>
@@ -9934,10 +9934,10 @@
                 <a:ea typeface="Calibri" charset="0"/>
                 <a:cs typeface="Calibri" charset="0"/>
               </a:rPr>
-              <a:t>Gwendolyn Chee</a:t>
-            </a:r>
-            <a:r>
-              <a:rPr lang="en-US" sz="2400" baseline="30000" dirty="0">
+              <a:t>Gwendolyn J. Chee</a:t>
+            </a:r>
+            <a:r>
+              <a:rPr lang="en-US" sz="2400" baseline="30000">
                 <a:solidFill>
                   <a:srgbClr val="13294B"/>
                 </a:solidFill>
@@ -10473,7 +10473,7 @@
               <a:rPr lang="en-US" sz="1200" dirty="0">
                 <a:latin typeface="Helvetica" pitchFamily="2" charset="0"/>
               </a:rPr>
-              <a:t>Figure 6: Fuel commodity supply and demand for transition scenario of constant 10000MW power demand</a:t>
+              <a:t>Figure 6: Spent Fuel commodity supply and demand for transition scenario of constant 10000MW power demand</a:t>
             </a:r>
           </a:p>
         </p:txBody>

--- a/pres/2019-chee-twofcs-pres.pptx
+++ b/pres/2019-chee-twofcs-pres.pptx
@@ -5,28 +5,32 @@
     <p:sldMasterId id="2147483648" r:id="rId1"/>
   </p:sldMasterIdLst>
   <p:notesMasterIdLst>
-    <p:notesMasterId r:id="rId18"/>
+    <p:notesMasterId r:id="rId22"/>
   </p:notesMasterIdLst>
   <p:handoutMasterIdLst>
-    <p:handoutMasterId r:id="rId19"/>
+    <p:handoutMasterId r:id="rId23"/>
   </p:handoutMasterIdLst>
   <p:sldIdLst>
     <p:sldId id="261" r:id="rId2"/>
-    <p:sldId id="262" r:id="rId3"/>
-    <p:sldId id="265" r:id="rId4"/>
-    <p:sldId id="266" r:id="rId5"/>
+    <p:sldId id="265" r:id="rId3"/>
+    <p:sldId id="266" r:id="rId4"/>
+    <p:sldId id="262" r:id="rId5"/>
     <p:sldId id="267" r:id="rId6"/>
     <p:sldId id="263" r:id="rId7"/>
     <p:sldId id="279" r:id="rId8"/>
     <p:sldId id="280" r:id="rId9"/>
     <p:sldId id="268" r:id="rId10"/>
     <p:sldId id="278" r:id="rId11"/>
-    <p:sldId id="269" r:id="rId12"/>
-    <p:sldId id="270" r:id="rId13"/>
-    <p:sldId id="272" r:id="rId14"/>
-    <p:sldId id="277" r:id="rId15"/>
-    <p:sldId id="276" r:id="rId16"/>
-    <p:sldId id="273" r:id="rId17"/>
+    <p:sldId id="281" r:id="rId12"/>
+    <p:sldId id="269" r:id="rId13"/>
+    <p:sldId id="282" r:id="rId14"/>
+    <p:sldId id="283" r:id="rId15"/>
+    <p:sldId id="270" r:id="rId16"/>
+    <p:sldId id="284" r:id="rId17"/>
+    <p:sldId id="285" r:id="rId18"/>
+    <p:sldId id="272" r:id="rId19"/>
+    <p:sldId id="277" r:id="rId20"/>
+    <p:sldId id="273" r:id="rId21"/>
   </p:sldIdLst>
   <p:sldSz cx="9144000" cy="6858000" type="screen4x3"/>
   <p:notesSz cx="6858000" cy="9144000"/>
@@ -6633,7 +6637,10 @@
           <a:bodyPr/>
           <a:lstStyle/>
           <a:p>
-            <a:endParaRPr lang="en-US" dirty="0"/>
+            <a:r>
+              <a:rPr lang="en-US" dirty="0"/>
+              <a:t>These figures show the demand and supply for fuel and spent fuel. </a:t>
+            </a:r>
           </a:p>
         </p:txBody>
       </p:sp>
@@ -6668,7 +6675,7 @@
     </p:spTree>
     <p:extLst>
       <p:ext uri="{BB962C8B-B14F-4D97-AF65-F5344CB8AC3E}">
-        <p14:creationId xmlns:p14="http://schemas.microsoft.com/office/powerpoint/2010/main" val="3116216405"/>
+        <p14:creationId xmlns:p14="http://schemas.microsoft.com/office/powerpoint/2010/main" val="2327076944"/>
       </p:ext>
     </p:extLst>
   </p:cSld>
@@ -6757,7 +6764,7 @@
     </p:spTree>
     <p:extLst>
       <p:ext uri="{BB962C8B-B14F-4D97-AF65-F5344CB8AC3E}">
-        <p14:creationId xmlns:p14="http://schemas.microsoft.com/office/powerpoint/2010/main" val="3755289142"/>
+        <p14:creationId xmlns:p14="http://schemas.microsoft.com/office/powerpoint/2010/main" val="3116216405"/>
       </p:ext>
     </p:extLst>
   </p:cSld>
@@ -6846,7 +6853,7 @@
     </p:spTree>
     <p:extLst>
       <p:ext uri="{BB962C8B-B14F-4D97-AF65-F5344CB8AC3E}">
-        <p14:creationId xmlns:p14="http://schemas.microsoft.com/office/powerpoint/2010/main" val="2310342732"/>
+        <p14:creationId xmlns:p14="http://schemas.microsoft.com/office/powerpoint/2010/main" val="95025729"/>
       </p:ext>
     </p:extLst>
   </p:cSld>
@@ -6900,43 +6907,24 @@
           <a:bodyPr/>
           <a:lstStyle/>
           <a:p>
-            <a:pPr marL="0" marR="0" lvl="0" indent="0" algn="l" defTabSz="914400" rtl="0" eaLnBrk="1" fontAlgn="auto" latinLnBrk="0" hangingPunct="1">
-              <a:lnSpc>
-                <a:spcPct val="100000"/>
-              </a:lnSpc>
-              <a:spcBef>
-                <a:spcPts val="0"/>
-              </a:spcBef>
-              <a:spcAft>
-                <a:spcPts val="0"/>
-              </a:spcAft>
-              <a:buClrTx/>
-              <a:buSzTx/>
-              <a:buFontTx/>
-              <a:buNone/>
-              <a:tabLst/>
-              <a:defRPr/>
-            </a:pPr>
-            <a:fld id="{FC9AA1B4-7FB0-DB46-A232-FE2E061DCDB5}" type="slidenum">
-              <a:rPr lang="en-US" smtClean="0"/>
-              <a:t>14</a:t>
-            </a:fld>
-            <a:fld id="{B6121D82-D71E-D449-B527-A4A31661B8D9}" type="slidenum">
-              <a:rPr lang="en-US" smtClean="0"/>
-              <a:t>14</a:t>
-            </a:fld>
             <a:endParaRPr lang="en-US" dirty="0"/>
           </a:p>
         </p:txBody>
       </p:sp>
       <p:sp>
         <p:nvSpPr>
-          <p:cNvPr id="4" name="Slide Number Placeholder 3"/>
+          <p:cNvPr id="7" name="Footer Placeholder 6">
+            <a:extLst>
+              <a:ext uri="{FF2B5EF4-FFF2-40B4-BE49-F238E27FC236}">
+                <a16:creationId xmlns:a16="http://schemas.microsoft.com/office/drawing/2014/main" id="{3A17983E-F5B0-4943-B5E3-25EB7A67CFB7}"/>
+              </a:ext>
+            </a:extLst>
+          </p:cNvPr>
           <p:cNvSpPr>
             <a:spLocks noGrp="1"/>
           </p:cNvSpPr>
           <p:nvPr>
-            <p:ph type="sldNum" sz="quarter" idx="10"/>
+            <p:ph type="ftr" sz="quarter" idx="11"/>
           </p:nvPr>
         </p:nvSpPr>
         <p:spPr/>
@@ -6944,18 +6932,17 @@
           <a:bodyPr/>
           <a:lstStyle/>
           <a:p>
-            <a:fld id="{A4B22E26-CDFF-F444-A057-20EDEF73956C}" type="slidenum">
-              <a:rPr lang="en-US" smtClean="0"/>
-              <a:t>14</a:t>
-            </a:fld>
-            <a:endParaRPr lang="en-US"/>
+            <a:r>
+              <a:rPr lang="en-US"/>
+              <a:t>hello</a:t>
+            </a:r>
           </a:p>
         </p:txBody>
       </p:sp>
     </p:spTree>
     <p:extLst>
       <p:ext uri="{BB962C8B-B14F-4D97-AF65-F5344CB8AC3E}">
-        <p14:creationId xmlns:p14="http://schemas.microsoft.com/office/powerpoint/2010/main" val="2104317490"/>
+        <p14:creationId xmlns:p14="http://schemas.microsoft.com/office/powerpoint/2010/main" val="1115995592"/>
       </p:ext>
     </p:extLst>
   </p:cSld>
@@ -7009,35 +6996,24 @@
           <a:bodyPr/>
           <a:lstStyle/>
           <a:p>
-            <a:pPr marL="0" marR="0" lvl="0" indent="0" algn="l" defTabSz="914400" rtl="0" eaLnBrk="1" fontAlgn="auto" latinLnBrk="0" hangingPunct="1">
-              <a:lnSpc>
-                <a:spcPct val="100000"/>
-              </a:lnSpc>
-              <a:spcBef>
-                <a:spcPts val="0"/>
-              </a:spcBef>
-              <a:spcAft>
-                <a:spcPts val="0"/>
-              </a:spcAft>
-              <a:buClrTx/>
-              <a:buSzTx/>
-              <a:buFontTx/>
-              <a:buNone/>
-              <a:tabLst/>
-              <a:defRPr/>
-            </a:pPr>
             <a:endParaRPr lang="en-US" dirty="0"/>
           </a:p>
         </p:txBody>
       </p:sp>
       <p:sp>
         <p:nvSpPr>
-          <p:cNvPr id="4" name="Slide Number Placeholder 3"/>
+          <p:cNvPr id="7" name="Footer Placeholder 6">
+            <a:extLst>
+              <a:ext uri="{FF2B5EF4-FFF2-40B4-BE49-F238E27FC236}">
+                <a16:creationId xmlns:a16="http://schemas.microsoft.com/office/drawing/2014/main" id="{3A17983E-F5B0-4943-B5E3-25EB7A67CFB7}"/>
+              </a:ext>
+            </a:extLst>
+          </p:cNvPr>
           <p:cNvSpPr>
             <a:spLocks noGrp="1"/>
           </p:cNvSpPr>
           <p:nvPr>
-            <p:ph type="sldNum" sz="quarter" idx="10"/>
+            <p:ph type="ftr" sz="quarter" idx="11"/>
           </p:nvPr>
         </p:nvSpPr>
         <p:spPr/>
@@ -7045,18 +7021,17 @@
           <a:bodyPr/>
           <a:lstStyle/>
           <a:p>
-            <a:fld id="{A4B22E26-CDFF-F444-A057-20EDEF73956C}" type="slidenum">
-              <a:rPr lang="en-US" smtClean="0"/>
-              <a:t>15</a:t>
-            </a:fld>
-            <a:endParaRPr lang="en-US"/>
+            <a:r>
+              <a:rPr lang="en-US"/>
+              <a:t>hello</a:t>
+            </a:r>
           </a:p>
         </p:txBody>
       </p:sp>
     </p:spTree>
     <p:extLst>
       <p:ext uri="{BB962C8B-B14F-4D97-AF65-F5344CB8AC3E}">
-        <p14:creationId xmlns:p14="http://schemas.microsoft.com/office/powerpoint/2010/main" val="1159902886"/>
+        <p14:creationId xmlns:p14="http://schemas.microsoft.com/office/powerpoint/2010/main" val="3755289142"/>
       </p:ext>
     </p:extLst>
   </p:cSld>
@@ -7116,6 +7091,298 @@
       </p:sp>
       <p:sp>
         <p:nvSpPr>
+          <p:cNvPr id="7" name="Footer Placeholder 6">
+            <a:extLst>
+              <a:ext uri="{FF2B5EF4-FFF2-40B4-BE49-F238E27FC236}">
+                <a16:creationId xmlns:a16="http://schemas.microsoft.com/office/drawing/2014/main" id="{3A17983E-F5B0-4943-B5E3-25EB7A67CFB7}"/>
+              </a:ext>
+            </a:extLst>
+          </p:cNvPr>
+          <p:cNvSpPr>
+            <a:spLocks noGrp="1"/>
+          </p:cNvSpPr>
+          <p:nvPr>
+            <p:ph type="ftr" sz="quarter" idx="11"/>
+          </p:nvPr>
+        </p:nvSpPr>
+        <p:spPr/>
+        <p:txBody>
+          <a:bodyPr/>
+          <a:lstStyle/>
+          <a:p>
+            <a:r>
+              <a:rPr lang="en-US"/>
+              <a:t>hello</a:t>
+            </a:r>
+          </a:p>
+        </p:txBody>
+      </p:sp>
+    </p:spTree>
+    <p:extLst>
+      <p:ext uri="{BB962C8B-B14F-4D97-AF65-F5344CB8AC3E}">
+        <p14:creationId xmlns:p14="http://schemas.microsoft.com/office/powerpoint/2010/main" val="90848314"/>
+      </p:ext>
+    </p:extLst>
+  </p:cSld>
+  <p:clrMapOvr>
+    <a:masterClrMapping/>
+  </p:clrMapOvr>
+</p:notes>
+</file>
+
+<file path=ppt/notesSlides/notesSlide17.xml><?xml version="1.0" encoding="utf-8"?>
+<p:notes xmlns:a="http://schemas.openxmlformats.org/drawingml/2006/main" xmlns:r="http://schemas.openxmlformats.org/officeDocument/2006/relationships" xmlns:p="http://schemas.openxmlformats.org/presentationml/2006/main">
+  <p:cSld>
+    <p:spTree>
+      <p:nvGrpSpPr>
+        <p:cNvPr id="1" name=""/>
+        <p:cNvGrpSpPr/>
+        <p:nvPr/>
+      </p:nvGrpSpPr>
+      <p:grpSpPr>
+        <a:xfrm>
+          <a:off x="0" y="0"/>
+          <a:ext cx="0" cy="0"/>
+          <a:chOff x="0" y="0"/>
+          <a:chExt cx="0" cy="0"/>
+        </a:xfrm>
+      </p:grpSpPr>
+      <p:sp>
+        <p:nvSpPr>
+          <p:cNvPr id="2" name="Slide Image Placeholder 1"/>
+          <p:cNvSpPr>
+            <a:spLocks noGrp="1" noRot="1" noChangeAspect="1"/>
+          </p:cNvSpPr>
+          <p:nvPr>
+            <p:ph type="sldImg"/>
+          </p:nvPr>
+        </p:nvSpPr>
+        <p:spPr/>
+      </p:sp>
+      <p:sp>
+        <p:nvSpPr>
+          <p:cNvPr id="3" name="Notes Placeholder 2"/>
+          <p:cNvSpPr>
+            <a:spLocks noGrp="1"/>
+          </p:cNvSpPr>
+          <p:nvPr>
+            <p:ph type="body" idx="1"/>
+          </p:nvPr>
+        </p:nvSpPr>
+        <p:spPr/>
+        <p:txBody>
+          <a:bodyPr/>
+          <a:lstStyle/>
+          <a:p>
+            <a:endParaRPr lang="en-US" dirty="0"/>
+          </a:p>
+        </p:txBody>
+      </p:sp>
+      <p:sp>
+        <p:nvSpPr>
+          <p:cNvPr id="7" name="Footer Placeholder 6">
+            <a:extLst>
+              <a:ext uri="{FF2B5EF4-FFF2-40B4-BE49-F238E27FC236}">
+                <a16:creationId xmlns:a16="http://schemas.microsoft.com/office/drawing/2014/main" id="{3A17983E-F5B0-4943-B5E3-25EB7A67CFB7}"/>
+              </a:ext>
+            </a:extLst>
+          </p:cNvPr>
+          <p:cNvSpPr>
+            <a:spLocks noGrp="1"/>
+          </p:cNvSpPr>
+          <p:nvPr>
+            <p:ph type="ftr" sz="quarter" idx="11"/>
+          </p:nvPr>
+        </p:nvSpPr>
+        <p:spPr/>
+        <p:txBody>
+          <a:bodyPr/>
+          <a:lstStyle/>
+          <a:p>
+            <a:r>
+              <a:rPr lang="en-US"/>
+              <a:t>hello</a:t>
+            </a:r>
+          </a:p>
+        </p:txBody>
+      </p:sp>
+    </p:spTree>
+    <p:extLst>
+      <p:ext uri="{BB962C8B-B14F-4D97-AF65-F5344CB8AC3E}">
+        <p14:creationId xmlns:p14="http://schemas.microsoft.com/office/powerpoint/2010/main" val="621010011"/>
+      </p:ext>
+    </p:extLst>
+  </p:cSld>
+  <p:clrMapOvr>
+    <a:masterClrMapping/>
+  </p:clrMapOvr>
+</p:notes>
+</file>
+
+<file path=ppt/notesSlides/notesSlide18.xml><?xml version="1.0" encoding="utf-8"?>
+<p:notes xmlns:a="http://schemas.openxmlformats.org/drawingml/2006/main" xmlns:r="http://schemas.openxmlformats.org/officeDocument/2006/relationships" xmlns:p="http://schemas.openxmlformats.org/presentationml/2006/main">
+  <p:cSld>
+    <p:spTree>
+      <p:nvGrpSpPr>
+        <p:cNvPr id="1" name=""/>
+        <p:cNvGrpSpPr/>
+        <p:nvPr/>
+      </p:nvGrpSpPr>
+      <p:grpSpPr>
+        <a:xfrm>
+          <a:off x="0" y="0"/>
+          <a:ext cx="0" cy="0"/>
+          <a:chOff x="0" y="0"/>
+          <a:chExt cx="0" cy="0"/>
+        </a:xfrm>
+      </p:grpSpPr>
+      <p:sp>
+        <p:nvSpPr>
+          <p:cNvPr id="2" name="Slide Image Placeholder 1"/>
+          <p:cNvSpPr>
+            <a:spLocks noGrp="1" noRot="1" noChangeAspect="1"/>
+          </p:cNvSpPr>
+          <p:nvPr>
+            <p:ph type="sldImg"/>
+          </p:nvPr>
+        </p:nvSpPr>
+        <p:spPr/>
+      </p:sp>
+      <p:sp>
+        <p:nvSpPr>
+          <p:cNvPr id="3" name="Notes Placeholder 2"/>
+          <p:cNvSpPr>
+            <a:spLocks noGrp="1"/>
+          </p:cNvSpPr>
+          <p:nvPr>
+            <p:ph type="body" idx="1"/>
+          </p:nvPr>
+        </p:nvSpPr>
+        <p:spPr/>
+        <p:txBody>
+          <a:bodyPr/>
+          <a:lstStyle/>
+          <a:p>
+            <a:endParaRPr lang="en-US" dirty="0"/>
+          </a:p>
+        </p:txBody>
+      </p:sp>
+      <p:sp>
+        <p:nvSpPr>
+          <p:cNvPr id="7" name="Footer Placeholder 6">
+            <a:extLst>
+              <a:ext uri="{FF2B5EF4-FFF2-40B4-BE49-F238E27FC236}">
+                <a16:creationId xmlns:a16="http://schemas.microsoft.com/office/drawing/2014/main" id="{3A17983E-F5B0-4943-B5E3-25EB7A67CFB7}"/>
+              </a:ext>
+            </a:extLst>
+          </p:cNvPr>
+          <p:cNvSpPr>
+            <a:spLocks noGrp="1"/>
+          </p:cNvSpPr>
+          <p:nvPr>
+            <p:ph type="ftr" sz="quarter" idx="11"/>
+          </p:nvPr>
+        </p:nvSpPr>
+        <p:spPr/>
+        <p:txBody>
+          <a:bodyPr/>
+          <a:lstStyle/>
+          <a:p>
+            <a:r>
+              <a:rPr lang="en-US"/>
+              <a:t>hello</a:t>
+            </a:r>
+          </a:p>
+        </p:txBody>
+      </p:sp>
+    </p:spTree>
+    <p:extLst>
+      <p:ext uri="{BB962C8B-B14F-4D97-AF65-F5344CB8AC3E}">
+        <p14:creationId xmlns:p14="http://schemas.microsoft.com/office/powerpoint/2010/main" val="2310342732"/>
+      </p:ext>
+    </p:extLst>
+  </p:cSld>
+  <p:clrMapOvr>
+    <a:masterClrMapping/>
+  </p:clrMapOvr>
+</p:notes>
+</file>
+
+<file path=ppt/notesSlides/notesSlide19.xml><?xml version="1.0" encoding="utf-8"?>
+<p:notes xmlns:a="http://schemas.openxmlformats.org/drawingml/2006/main" xmlns:r="http://schemas.openxmlformats.org/officeDocument/2006/relationships" xmlns:p="http://schemas.openxmlformats.org/presentationml/2006/main">
+  <p:cSld>
+    <p:spTree>
+      <p:nvGrpSpPr>
+        <p:cNvPr id="1" name=""/>
+        <p:cNvGrpSpPr/>
+        <p:nvPr/>
+      </p:nvGrpSpPr>
+      <p:grpSpPr>
+        <a:xfrm>
+          <a:off x="0" y="0"/>
+          <a:ext cx="0" cy="0"/>
+          <a:chOff x="0" y="0"/>
+          <a:chExt cx="0" cy="0"/>
+        </a:xfrm>
+      </p:grpSpPr>
+      <p:sp>
+        <p:nvSpPr>
+          <p:cNvPr id="2" name="Slide Image Placeholder 1"/>
+          <p:cNvSpPr>
+            <a:spLocks noGrp="1" noRot="1" noChangeAspect="1"/>
+          </p:cNvSpPr>
+          <p:nvPr>
+            <p:ph type="sldImg"/>
+          </p:nvPr>
+        </p:nvSpPr>
+        <p:spPr/>
+      </p:sp>
+      <p:sp>
+        <p:nvSpPr>
+          <p:cNvPr id="3" name="Notes Placeholder 2"/>
+          <p:cNvSpPr>
+            <a:spLocks noGrp="1"/>
+          </p:cNvSpPr>
+          <p:nvPr>
+            <p:ph type="body" idx="1"/>
+          </p:nvPr>
+        </p:nvSpPr>
+        <p:spPr/>
+        <p:txBody>
+          <a:bodyPr/>
+          <a:lstStyle/>
+          <a:p>
+            <a:pPr marL="0" marR="0" lvl="0" indent="0" algn="l" defTabSz="914400" rtl="0" eaLnBrk="1" fontAlgn="auto" latinLnBrk="0" hangingPunct="1">
+              <a:lnSpc>
+                <a:spcPct val="100000"/>
+              </a:lnSpc>
+              <a:spcBef>
+                <a:spcPts val="0"/>
+              </a:spcBef>
+              <a:spcAft>
+                <a:spcPts val="0"/>
+              </a:spcAft>
+              <a:buClrTx/>
+              <a:buSzTx/>
+              <a:buFontTx/>
+              <a:buNone/>
+              <a:tabLst/>
+              <a:defRPr/>
+            </a:pPr>
+            <a:fld id="{FC9AA1B4-7FB0-DB46-A232-FE2E061DCDB5}" type="slidenum">
+              <a:rPr lang="en-US" smtClean="0"/>
+              <a:t>19</a:t>
+            </a:fld>
+            <a:fld id="{B6121D82-D71E-D449-B527-A4A31661B8D9}" type="slidenum">
+              <a:rPr lang="en-US" smtClean="0"/>
+              <a:t>19</a:t>
+            </a:fld>
+            <a:endParaRPr lang="en-US" dirty="0"/>
+          </a:p>
+        </p:txBody>
+      </p:sp>
+      <p:sp>
+        <p:nvSpPr>
           <p:cNvPr id="4" name="Slide Number Placeholder 3"/>
           <p:cNvSpPr>
             <a:spLocks noGrp="1"/>
@@ -7131,7 +7398,7 @@
           <a:p>
             <a:fld id="{A4B22E26-CDFF-F444-A057-20EDEF73956C}" type="slidenum">
               <a:rPr lang="en-US" smtClean="0"/>
-              <a:t>16</a:t>
+              <a:t>19</a:t>
             </a:fld>
             <a:endParaRPr lang="en-US"/>
           </a:p>
@@ -7140,7 +7407,7 @@
     </p:spTree>
     <p:extLst>
       <p:ext uri="{BB962C8B-B14F-4D97-AF65-F5344CB8AC3E}">
-        <p14:creationId xmlns:p14="http://schemas.microsoft.com/office/powerpoint/2010/main" val="57079214"/>
+        <p14:creationId xmlns:p14="http://schemas.microsoft.com/office/powerpoint/2010/main" val="2104317490"/>
       </p:ext>
     </p:extLst>
   </p:cSld>
@@ -7194,24 +7461,127 @@
           <a:bodyPr/>
           <a:lstStyle/>
           <a:p>
-            <a:endParaRPr lang="en-US" dirty="0"/>
+            <a:r>
+              <a:rPr lang="en-US" sz="1800" dirty="0"/>
+              <a:t>A little bit about Cyclus for the people in the audience who are not too familiar. Cyclus is an agent based nuclear fuel cycle simulator</a:t>
+            </a:r>
+          </a:p>
+          <a:p>
+            <a:endParaRPr lang="en-US" sz="1800" dirty="0"/>
+          </a:p>
+          <a:p>
+            <a:r>
+              <a:rPr lang="en-US" sz="1800" dirty="0"/>
+              <a:t>It is different from fleet based NFC simulators because every facility and isotope is individually tracked and not lumped. </a:t>
+            </a:r>
+          </a:p>
+          <a:p>
+            <a:pPr marL="0" marR="0" lvl="0" indent="0" algn="l" defTabSz="914400" rtl="0" eaLnBrk="1" fontAlgn="auto" latinLnBrk="0" hangingPunct="1">
+              <a:lnSpc>
+                <a:spcPct val="100000"/>
+              </a:lnSpc>
+              <a:spcBef>
+                <a:spcPts val="0"/>
+              </a:spcBef>
+              <a:spcAft>
+                <a:spcPts val="0"/>
+              </a:spcAft>
+              <a:buClrTx/>
+              <a:buSzTx/>
+              <a:buFontTx/>
+              <a:buNone/>
+              <a:tabLst/>
+              <a:defRPr/>
+            </a:pPr>
+            <a:r>
+              <a:rPr lang="en-US" sz="1800" dirty="0"/>
+              <a:t>As an agent based model, Cyclus has a modular architecture, </a:t>
+            </a:r>
+            <a:r>
+              <a:rPr lang="en-US" sz="1800" kern="1200" dirty="0">
+                <a:solidFill>
+                  <a:schemeClr val="tx1"/>
+                </a:solidFill>
+                <a:effectLst/>
+                <a:latin typeface="+mn-lt"/>
+                <a:ea typeface="+mn-ea"/>
+                <a:cs typeface="+mn-cs"/>
+              </a:rPr>
+              <a:t>and has plug-in libraries that are compatible with it. </a:t>
+            </a:r>
+            <a:r>
+              <a:rPr lang="en-US" sz="1800" dirty="0"/>
+              <a:t>These plug in libraries give users the ability to give the simulator custom functionality. There is ease of creating independent agents for specific use without modifying core simulation. For example, a unique reactor archetype can be constructed and added into a fuel cycle simulation. </a:t>
+            </a:r>
+          </a:p>
+          <a:p>
+            <a:pPr marL="0" marR="0" lvl="0" indent="0" algn="l" defTabSz="914400" rtl="0" eaLnBrk="1" fontAlgn="auto" latinLnBrk="0" hangingPunct="1">
+              <a:lnSpc>
+                <a:spcPct val="100000"/>
+              </a:lnSpc>
+              <a:spcBef>
+                <a:spcPts val="0"/>
+              </a:spcBef>
+              <a:spcAft>
+                <a:spcPts val="0"/>
+              </a:spcAft>
+              <a:buClrTx/>
+              <a:buSzTx/>
+              <a:buFontTx/>
+              <a:buNone/>
+              <a:tabLst/>
+              <a:defRPr/>
+            </a:pPr>
+            <a:r>
+              <a:rPr lang="en-US" sz="1800" dirty="0"/>
+              <a:t> </a:t>
+            </a:r>
+          </a:p>
+          <a:p>
+            <a:r>
+              <a:rPr lang="en-US" sz="1800" dirty="0"/>
+              <a:t>There are three kinds of agents: regions, institutions and facilities. Facilities are agents that manipulates materials EXAMPLES. An example is an enrichment facility, natural uranium enters and fresh </a:t>
+            </a:r>
+            <a:r>
+              <a:rPr lang="en-US" sz="1800" dirty="0" err="1"/>
+              <a:t>uox</a:t>
+            </a:r>
+            <a:r>
+              <a:rPr lang="en-US" sz="1800" dirty="0"/>
+              <a:t> fuel leaves the facility. Whereas Institutions control the deployment and decommissioning of facilities. And Regions represent countries or any geopolitical entities that the facilities and institutions are functioning in. </a:t>
+            </a:r>
+          </a:p>
+          <a:p>
+            <a:r>
+              <a:rPr lang="en-US" sz="1800" dirty="0"/>
+              <a:t>In this project, d3ploy is considered an institution agent since it controls the deployment of facilities in the simulation. </a:t>
+            </a:r>
+          </a:p>
+          <a:p>
+            <a:endParaRPr lang="en-US" sz="1800" dirty="0"/>
+          </a:p>
+          <a:p>
+            <a:r>
+              <a:rPr lang="en-US" sz="1800" dirty="0"/>
+              <a:t>COMMUNICATION GOAL: </a:t>
+            </a:r>
+          </a:p>
+          <a:p>
+            <a:r>
+              <a:rPr lang="en-US" sz="1800" dirty="0"/>
+              <a:t>What is Cyclus</a:t>
+            </a:r>
           </a:p>
         </p:txBody>
       </p:sp>
       <p:sp>
         <p:nvSpPr>
-          <p:cNvPr id="7" name="Footer Placeholder 6">
-            <a:extLst>
-              <a:ext uri="{FF2B5EF4-FFF2-40B4-BE49-F238E27FC236}">
-                <a16:creationId xmlns:a16="http://schemas.microsoft.com/office/drawing/2014/main" id="{3A17983E-F5B0-4943-B5E3-25EB7A67CFB7}"/>
-              </a:ext>
-            </a:extLst>
-          </p:cNvPr>
+          <p:cNvPr id="4" name="Slide Number Placeholder 3"/>
           <p:cNvSpPr>
             <a:spLocks noGrp="1"/>
           </p:cNvSpPr>
           <p:nvPr>
-            <p:ph type="ftr" sz="quarter" idx="11"/>
+            <p:ph type="sldNum" sz="quarter" idx="10"/>
           </p:nvPr>
         </p:nvSpPr>
         <p:spPr/>
@@ -7219,17 +7589,102 @@
           <a:bodyPr/>
           <a:lstStyle/>
           <a:p>
-            <a:r>
-              <a:rPr lang="en-US"/>
-              <a:t>hello</a:t>
-            </a:r>
+            <a:fld id="{A4B22E26-CDFF-F444-A057-20EDEF73956C}" type="slidenum">
+              <a:rPr lang="en-US" smtClean="0"/>
+              <a:t>2</a:t>
+            </a:fld>
+            <a:endParaRPr lang="en-US"/>
           </a:p>
         </p:txBody>
       </p:sp>
     </p:spTree>
     <p:extLst>
       <p:ext uri="{BB962C8B-B14F-4D97-AF65-F5344CB8AC3E}">
-        <p14:creationId xmlns:p14="http://schemas.microsoft.com/office/powerpoint/2010/main" val="2041492171"/>
+        <p14:creationId xmlns:p14="http://schemas.microsoft.com/office/powerpoint/2010/main" val="565142129"/>
+      </p:ext>
+    </p:extLst>
+  </p:cSld>
+  <p:clrMapOvr>
+    <a:masterClrMapping/>
+  </p:clrMapOvr>
+</p:notes>
+</file>
+
+<file path=ppt/notesSlides/notesSlide20.xml><?xml version="1.0" encoding="utf-8"?>
+<p:notes xmlns:a="http://schemas.openxmlformats.org/drawingml/2006/main" xmlns:r="http://schemas.openxmlformats.org/officeDocument/2006/relationships" xmlns:p="http://schemas.openxmlformats.org/presentationml/2006/main">
+  <p:cSld>
+    <p:spTree>
+      <p:nvGrpSpPr>
+        <p:cNvPr id="1" name=""/>
+        <p:cNvGrpSpPr/>
+        <p:nvPr/>
+      </p:nvGrpSpPr>
+      <p:grpSpPr>
+        <a:xfrm>
+          <a:off x="0" y="0"/>
+          <a:ext cx="0" cy="0"/>
+          <a:chOff x="0" y="0"/>
+          <a:chExt cx="0" cy="0"/>
+        </a:xfrm>
+      </p:grpSpPr>
+      <p:sp>
+        <p:nvSpPr>
+          <p:cNvPr id="2" name="Slide Image Placeholder 1"/>
+          <p:cNvSpPr>
+            <a:spLocks noGrp="1" noRot="1" noChangeAspect="1"/>
+          </p:cNvSpPr>
+          <p:nvPr>
+            <p:ph type="sldImg"/>
+          </p:nvPr>
+        </p:nvSpPr>
+        <p:spPr/>
+      </p:sp>
+      <p:sp>
+        <p:nvSpPr>
+          <p:cNvPr id="3" name="Notes Placeholder 2"/>
+          <p:cNvSpPr>
+            <a:spLocks noGrp="1"/>
+          </p:cNvSpPr>
+          <p:nvPr>
+            <p:ph type="body" idx="1"/>
+          </p:nvPr>
+        </p:nvSpPr>
+        <p:spPr/>
+        <p:txBody>
+          <a:bodyPr/>
+          <a:lstStyle/>
+          <a:p>
+            <a:endParaRPr lang="en-US" dirty="0"/>
+          </a:p>
+        </p:txBody>
+      </p:sp>
+      <p:sp>
+        <p:nvSpPr>
+          <p:cNvPr id="4" name="Slide Number Placeholder 3"/>
+          <p:cNvSpPr>
+            <a:spLocks noGrp="1"/>
+          </p:cNvSpPr>
+          <p:nvPr>
+            <p:ph type="sldNum" sz="quarter" idx="10"/>
+          </p:nvPr>
+        </p:nvSpPr>
+        <p:spPr/>
+        <p:txBody>
+          <a:bodyPr/>
+          <a:lstStyle/>
+          <a:p>
+            <a:fld id="{A4B22E26-CDFF-F444-A057-20EDEF73956C}" type="slidenum">
+              <a:rPr lang="en-US" smtClean="0"/>
+              <a:t>20</a:t>
+            </a:fld>
+            <a:endParaRPr lang="en-US"/>
+          </a:p>
+        </p:txBody>
+      </p:sp>
+    </p:spTree>
+    <p:extLst>
+      <p:ext uri="{BB962C8B-B14F-4D97-AF65-F5344CB8AC3E}">
+        <p14:creationId xmlns:p14="http://schemas.microsoft.com/office/powerpoint/2010/main" val="57079214"/>
       </p:ext>
     </p:extLst>
   </p:cSld>
@@ -7283,21 +7738,6 @@
           <a:bodyPr/>
           <a:lstStyle/>
           <a:p>
-            <a:r>
-              <a:rPr lang="en-US" sz="1800" dirty="0"/>
-              <a:t>A little bit about Cyclus for the people in the audience who are not too familiar. Cyclus is an agent based nuclear fuel cycle simulator</a:t>
-            </a:r>
-          </a:p>
-          <a:p>
-            <a:endParaRPr lang="en-US" sz="1800" dirty="0"/>
-          </a:p>
-          <a:p>
-            <a:r>
-              <a:rPr lang="en-US" sz="1800" dirty="0"/>
-              <a:t>It is different from fleet based NFC simulators because every facility and isotope is individually tracked and not lumped. </a:t>
-            </a:r>
-          </a:p>
-          <a:p>
             <a:pPr marL="0" marR="0" lvl="0" indent="0" algn="l" defTabSz="914400" rtl="0" eaLnBrk="1" fontAlgn="auto" latinLnBrk="0" hangingPunct="1">
               <a:lnSpc>
                 <a:spcPct val="100000"/>
@@ -7316,25 +7756,32 @@
               <a:defRPr/>
             </a:pPr>
             <a:r>
-              <a:rPr lang="en-US" sz="1800" dirty="0"/>
-              <a:t>As an agent based model, Cyclus has a modular architecture, </a:t>
-            </a:r>
-            <a:r>
-              <a:rPr lang="en-US" sz="1800" kern="1200" dirty="0">
-                <a:solidFill>
-                  <a:schemeClr val="tx1"/>
-                </a:solidFill>
-                <a:effectLst/>
-                <a:latin typeface="+mn-lt"/>
-                <a:ea typeface="+mn-ea"/>
-                <a:cs typeface="+mn-cs"/>
-              </a:rPr>
-              <a:t>and has plug-in libraries that are compatible with it. </a:t>
-            </a:r>
-            <a:r>
-              <a:rPr lang="en-US" sz="1800" dirty="0"/>
-              <a:t>These plug in libraries give users the ability to give the simulator custom functionality. There is ease of creating independent agents for specific use without modifying core simulation. For example, a unique reactor archetype can be constructed and added into a fuel cycle simulation. </a:t>
-            </a:r>
+              <a:rPr lang="en-US" dirty="0"/>
+              <a:t>Presently,</a:t>
+            </a:r>
+            <a:r>
+              <a:rPr lang="en-US" u="none" dirty="0"/>
+              <a:t> Cyclus has the capability to deploy reactors to meet a power demand. However, the user must determine when each supporting facility is deployed to meet the demand for supporting commodities.  </a:t>
+            </a:r>
+            <a:endParaRPr lang="en-US" dirty="0"/>
+          </a:p>
+          <a:p>
+            <a:r>
+              <a:rPr lang="en-US" dirty="0"/>
+              <a:t>This means that if you have one reactor in your simulation and you know it is demanding x amount of fuel, it is up to user to determine how many source, enrichment and waste storage facilities have to be deployed to meet this demand. </a:t>
+            </a:r>
+          </a:p>
+          <a:p>
+            <a:endParaRPr lang="en-US" dirty="0"/>
+          </a:p>
+          <a:p>
+            <a:r>
+              <a:rPr lang="en-US" dirty="0"/>
+              <a:t>However, having to do this is tedious and not optimal. It is simple for a scenario with only 1 reactor, however, it gets more complex if the demand changes over time, when there are many facilities are in play and during dynamic transition scenarios. </a:t>
+            </a:r>
+          </a:p>
+          <a:p>
+            <a:endParaRPr lang="en-US" dirty="0"/>
           </a:p>
           <a:p>
             <a:pPr marL="0" marR="0" lvl="0" indent="0" algn="l" defTabSz="914400" rtl="0" eaLnBrk="1" fontAlgn="auto" latinLnBrk="0" hangingPunct="1">
@@ -7355,43 +7802,114 @@
               <a:defRPr/>
             </a:pPr>
             <a:r>
-              <a:rPr lang="en-US" sz="1800" dirty="0"/>
-              <a:t> </a:t>
-            </a:r>
-          </a:p>
-          <a:p>
-            <a:r>
-              <a:rPr lang="en-US" sz="1800" dirty="0"/>
-              <a:t>There are three kinds of agents: regions, institutions and facilities. Facilities are agents that manipulates materials EXAMPLES. An example is an enrichment facility, natural uranium enters and fresh </a:t>
-            </a:r>
-            <a:r>
-              <a:rPr lang="en-US" sz="1800" dirty="0" err="1"/>
-              <a:t>uox</a:t>
-            </a:r>
-            <a:r>
-              <a:rPr lang="en-US" sz="1800" dirty="0"/>
-              <a:t> fuel leaves the facility. Whereas Institutions control the deployment and decommissioning of facilities. And Regions represent countries or any geopolitical entities that the facilities and institutions are functioning in. </a:t>
-            </a:r>
-          </a:p>
-          <a:p>
-            <a:r>
-              <a:rPr lang="en-US" sz="1800" dirty="0"/>
-              <a:t>In this project, d3ploy is considered an institution agent since it controls the deployment of facilities in the simulation. </a:t>
-            </a:r>
-          </a:p>
-          <a:p>
-            <a:endParaRPr lang="en-US" sz="1800" dirty="0"/>
-          </a:p>
-          <a:p>
-            <a:r>
-              <a:rPr lang="en-US" sz="1800" dirty="0"/>
+              <a:rPr lang="en-US" dirty="0"/>
+              <a:t>To overcome this, in this presentation we introduce the demand driven deployment capability in Cyclus, known as d3ploy.  </a:t>
+            </a:r>
+          </a:p>
+          <a:p>
+            <a:pPr marL="0" marR="0" lvl="0" indent="0" algn="l" defTabSz="914400" rtl="0" eaLnBrk="1" fontAlgn="auto" latinLnBrk="0" hangingPunct="1">
+              <a:lnSpc>
+                <a:spcPct val="100000"/>
+              </a:lnSpc>
+              <a:spcBef>
+                <a:spcPts val="0"/>
+              </a:spcBef>
+              <a:spcAft>
+                <a:spcPts val="0"/>
+              </a:spcAft>
+              <a:buClrTx/>
+              <a:buSzTx/>
+              <a:buFontTx/>
+              <a:buNone/>
+              <a:tabLst/>
+              <a:defRPr/>
+            </a:pPr>
+            <a:endParaRPr lang="en-US" dirty="0"/>
+          </a:p>
+          <a:p>
+            <a:pPr marL="0" marR="0" lvl="0" indent="0" algn="l" defTabSz="914400" rtl="0" eaLnBrk="1" fontAlgn="auto" latinLnBrk="0" hangingPunct="1">
+              <a:lnSpc>
+                <a:spcPct val="100000"/>
+              </a:lnSpc>
+              <a:spcBef>
+                <a:spcPts val="0"/>
+              </a:spcBef>
+              <a:spcAft>
+                <a:spcPts val="0"/>
+              </a:spcAft>
+              <a:buClrTx/>
+              <a:buSzTx/>
+              <a:buFontTx/>
+              <a:buNone/>
+              <a:tabLst/>
+              <a:defRPr/>
+            </a:pPr>
+            <a:r>
+              <a:rPr lang="en-US" dirty="0"/>
+              <a:t>D3ploy automatically deploys </a:t>
+            </a:r>
+            <a:r>
+              <a:rPr lang="en-US" sz="1200" kern="1200" dirty="0">
+                <a:solidFill>
+                  <a:schemeClr val="tx1"/>
+                </a:solidFill>
+                <a:effectLst/>
+                <a:latin typeface="+mn-lt"/>
+                <a:ea typeface="+mn-ea"/>
+                <a:cs typeface="+mn-cs"/>
+              </a:rPr>
+              <a:t>supporting fuel cycle facilities to meet demands of the fuel cycle. </a:t>
+            </a:r>
+            <a:r>
+              <a:rPr lang="en-US" dirty="0"/>
+              <a:t>   </a:t>
+            </a:r>
+          </a:p>
+          <a:p>
+            <a:pPr marL="0" marR="0" lvl="0" indent="0" algn="l" defTabSz="914400" rtl="0" eaLnBrk="1" fontAlgn="auto" latinLnBrk="0" hangingPunct="1">
+              <a:lnSpc>
+                <a:spcPct val="100000"/>
+              </a:lnSpc>
+              <a:spcBef>
+                <a:spcPts val="0"/>
+              </a:spcBef>
+              <a:spcAft>
+                <a:spcPts val="0"/>
+              </a:spcAft>
+              <a:buClrTx/>
+              <a:buSzTx/>
+              <a:buFontTx/>
+              <a:buNone/>
+              <a:tabLst/>
+              <a:defRPr/>
+            </a:pPr>
+            <a:r>
+              <a:rPr lang="en-US" sz="1200" kern="1200" dirty="0">
+                <a:solidFill>
+                  <a:schemeClr val="tx1"/>
+                </a:solidFill>
+                <a:effectLst/>
+                <a:latin typeface="+mn-lt"/>
+                <a:ea typeface="+mn-ea"/>
+                <a:cs typeface="+mn-cs"/>
+              </a:rPr>
+              <a:t>And so for example if a user defines an energy demand growth of 1% per year, Cyclus will predict when to deploy reactor, enrichment ,source and waste storage facilities to automatically to meet this demand. </a:t>
+            </a:r>
+            <a:endParaRPr lang="en-US" dirty="0"/>
+          </a:p>
+          <a:p>
+            <a:endParaRPr lang="en-US" dirty="0"/>
+          </a:p>
+          <a:p>
+            <a:r>
+              <a:rPr lang="en-US" dirty="0"/>
               <a:t>COMMUNICATION GOAL: </a:t>
             </a:r>
           </a:p>
           <a:p>
             <a:r>
-              <a:rPr lang="en-US" sz="1800" dirty="0"/>
-              <a:t>What is Cyclus</a:t>
+              <a:rPr lang="en-US" dirty="0"/>
+              <a:t>Fuel cycle simulators are not demand driven but require user defining the deployment.</a:t>
             </a:r>
           </a:p>
         </p:txBody>
@@ -7422,7 +7940,7 @@
     </p:spTree>
     <p:extLst>
       <p:ext uri="{BB962C8B-B14F-4D97-AF65-F5344CB8AC3E}">
-        <p14:creationId xmlns:p14="http://schemas.microsoft.com/office/powerpoint/2010/main" val="565142129"/>
+        <p14:creationId xmlns:p14="http://schemas.microsoft.com/office/powerpoint/2010/main" val="2292246799"/>
       </p:ext>
     </p:extLst>
   </p:cSld>
@@ -7476,196 +7994,24 @@
           <a:bodyPr/>
           <a:lstStyle/>
           <a:p>
-            <a:pPr marL="0" marR="0" lvl="0" indent="0" algn="l" defTabSz="914400" rtl="0" eaLnBrk="1" fontAlgn="auto" latinLnBrk="0" hangingPunct="1">
-              <a:lnSpc>
-                <a:spcPct val="100000"/>
-              </a:lnSpc>
-              <a:spcBef>
-                <a:spcPts val="0"/>
-              </a:spcBef>
-              <a:spcAft>
-                <a:spcPts val="0"/>
-              </a:spcAft>
-              <a:buClrTx/>
-              <a:buSzTx/>
-              <a:buFontTx/>
-              <a:buNone/>
-              <a:tabLst/>
-              <a:defRPr/>
-            </a:pPr>
-            <a:r>
-              <a:rPr lang="en-US" dirty="0"/>
-              <a:t>Presently, in Cyclus it is up to the user to determine when each reactor and supporting facilities are </a:t>
-            </a:r>
-            <a:r>
-              <a:rPr lang="en-US" u="sng" dirty="0"/>
-              <a:t>deployed </a:t>
-            </a:r>
-            <a:r>
-              <a:rPr lang="en-US" u="none" dirty="0"/>
-              <a:t> to meet current fuel cycle demand. </a:t>
-            </a:r>
-          </a:p>
-          <a:p>
             <a:endParaRPr lang="en-US" dirty="0"/>
-          </a:p>
-          <a:p>
-            <a:r>
-              <a:rPr lang="en-US" dirty="0"/>
-              <a:t>This means that if you have one reactor in your simulation and you know it is demanding x amount of fuel, it is up to user to determine how many source, enrichment and waste storage facilities have to be deployed to meet this demand. </a:t>
-            </a:r>
-          </a:p>
-          <a:p>
-            <a:endParaRPr lang="en-US" dirty="0"/>
-          </a:p>
-          <a:p>
-            <a:r>
-              <a:rPr lang="en-US" dirty="0"/>
-              <a:t>However, having to do this is tedious and not optimal. It is simple for a scenario with only 1 reactor, however, it gets more complex if the demand changes over time and when there are many facilities are in play. </a:t>
-            </a:r>
-          </a:p>
-          <a:p>
-            <a:endParaRPr lang="en-US" dirty="0"/>
-          </a:p>
-          <a:p>
-            <a:pPr marL="0" marR="0" lvl="0" indent="0" algn="l" defTabSz="914400" rtl="0" eaLnBrk="1" fontAlgn="auto" latinLnBrk="0" hangingPunct="1">
-              <a:lnSpc>
-                <a:spcPct val="100000"/>
-              </a:lnSpc>
-              <a:spcBef>
-                <a:spcPts val="0"/>
-              </a:spcBef>
-              <a:spcAft>
-                <a:spcPts val="0"/>
-              </a:spcAft>
-              <a:buClrTx/>
-              <a:buSzTx/>
-              <a:buFontTx/>
-              <a:buNone/>
-              <a:tabLst/>
-              <a:defRPr/>
-            </a:pPr>
-            <a:r>
-              <a:rPr lang="en-US" dirty="0"/>
-              <a:t>To overcome this, in this presentation we introduce the demand driven deployment capability in Cyclus, known as d3ploy.  </a:t>
-            </a:r>
-          </a:p>
-          <a:p>
-            <a:pPr marL="0" marR="0" lvl="0" indent="0" algn="l" defTabSz="914400" rtl="0" eaLnBrk="1" fontAlgn="auto" latinLnBrk="0" hangingPunct="1">
-              <a:lnSpc>
-                <a:spcPct val="100000"/>
-              </a:lnSpc>
-              <a:spcBef>
-                <a:spcPts val="0"/>
-              </a:spcBef>
-              <a:spcAft>
-                <a:spcPts val="0"/>
-              </a:spcAft>
-              <a:buClrTx/>
-              <a:buSzTx/>
-              <a:buFontTx/>
-              <a:buNone/>
-              <a:tabLst/>
-              <a:defRPr/>
-            </a:pPr>
-            <a:endParaRPr lang="en-US" dirty="0"/>
-          </a:p>
-          <a:p>
-            <a:pPr marL="0" marR="0" lvl="0" indent="0" algn="l" defTabSz="914400" rtl="0" eaLnBrk="1" fontAlgn="auto" latinLnBrk="0" hangingPunct="1">
-              <a:lnSpc>
-                <a:spcPct val="100000"/>
-              </a:lnSpc>
-              <a:spcBef>
-                <a:spcPts val="0"/>
-              </a:spcBef>
-              <a:spcAft>
-                <a:spcPts val="0"/>
-              </a:spcAft>
-              <a:buClrTx/>
-              <a:buSzTx/>
-              <a:buFontTx/>
-              <a:buNone/>
-              <a:tabLst/>
-              <a:defRPr/>
-            </a:pPr>
-            <a:r>
-              <a:rPr lang="en-US" dirty="0"/>
-              <a:t>D3ploy automatically deploys </a:t>
-            </a:r>
-            <a:r>
-              <a:rPr lang="en-US" sz="1200" kern="1200" dirty="0">
-                <a:solidFill>
-                  <a:schemeClr val="tx1"/>
-                </a:solidFill>
-                <a:effectLst/>
-                <a:latin typeface="+mn-lt"/>
-                <a:ea typeface="+mn-ea"/>
-                <a:cs typeface="+mn-cs"/>
-              </a:rPr>
-              <a:t>supporting fuel cycle facilities to meet demands of the fuel cycle. </a:t>
-            </a:r>
-            <a:r>
-              <a:rPr lang="en-US" dirty="0"/>
-              <a:t>   </a:t>
-            </a:r>
-          </a:p>
-          <a:p>
-            <a:pPr marL="0" marR="0" lvl="0" indent="0" algn="l" defTabSz="914400" rtl="0" eaLnBrk="1" fontAlgn="auto" latinLnBrk="0" hangingPunct="1">
-              <a:lnSpc>
-                <a:spcPct val="100000"/>
-              </a:lnSpc>
-              <a:spcBef>
-                <a:spcPts val="0"/>
-              </a:spcBef>
-              <a:spcAft>
-                <a:spcPts val="0"/>
-              </a:spcAft>
-              <a:buClrTx/>
-              <a:buSzTx/>
-              <a:buFontTx/>
-              <a:buNone/>
-              <a:tabLst/>
-              <a:defRPr/>
-            </a:pPr>
-            <a:r>
-              <a:rPr lang="en-US" sz="1200" kern="1200" dirty="0">
-                <a:solidFill>
-                  <a:schemeClr val="tx1"/>
-                </a:solidFill>
-                <a:effectLst/>
-                <a:latin typeface="+mn-lt"/>
-                <a:ea typeface="+mn-ea"/>
-                <a:cs typeface="+mn-cs"/>
-              </a:rPr>
-              <a:t>And so for example if a user defines an energy demand growth of 1% per year, Cyclus will predict when to deploy reactor, enrichment ,source and waste storage facilities to automatically to meet this demand. </a:t>
-            </a:r>
-            <a:endParaRPr lang="en-US" dirty="0"/>
-          </a:p>
-          <a:p>
-            <a:endParaRPr lang="en-US" dirty="0"/>
-          </a:p>
-          <a:p>
-            <a:r>
-              <a:rPr lang="en-US" dirty="0"/>
-              <a:t>COMMUNICATION GOAL: </a:t>
-            </a:r>
-          </a:p>
-          <a:p>
-            <a:r>
-              <a:rPr lang="en-US" dirty="0"/>
-              <a:t>Fuel cycle simulators are not demand driven but require user defining the deployment.</a:t>
-            </a:r>
           </a:p>
         </p:txBody>
       </p:sp>
       <p:sp>
         <p:nvSpPr>
-          <p:cNvPr id="4" name="Slide Number Placeholder 3"/>
+          <p:cNvPr id="7" name="Footer Placeholder 6">
+            <a:extLst>
+              <a:ext uri="{FF2B5EF4-FFF2-40B4-BE49-F238E27FC236}">
+                <a16:creationId xmlns:a16="http://schemas.microsoft.com/office/drawing/2014/main" id="{3A17983E-F5B0-4943-B5E3-25EB7A67CFB7}"/>
+              </a:ext>
+            </a:extLst>
+          </p:cNvPr>
           <p:cNvSpPr>
             <a:spLocks noGrp="1"/>
           </p:cNvSpPr>
           <p:nvPr>
-            <p:ph type="sldNum" sz="quarter" idx="10"/>
+            <p:ph type="ftr" sz="quarter" idx="11"/>
           </p:nvPr>
         </p:nvSpPr>
         <p:spPr/>
@@ -7673,18 +8019,17 @@
           <a:bodyPr/>
           <a:lstStyle/>
           <a:p>
-            <a:fld id="{A4B22E26-CDFF-F444-A057-20EDEF73956C}" type="slidenum">
-              <a:rPr lang="en-US" smtClean="0"/>
-              <a:t>4</a:t>
-            </a:fld>
-            <a:endParaRPr lang="en-US"/>
+            <a:r>
+              <a:rPr lang="en-US"/>
+              <a:t>hello</a:t>
+            </a:r>
           </a:p>
         </p:txBody>
       </p:sp>
     </p:spTree>
     <p:extLst>
       <p:ext uri="{BB962C8B-B14F-4D97-AF65-F5344CB8AC3E}">
-        <p14:creationId xmlns:p14="http://schemas.microsoft.com/office/powerpoint/2010/main" val="2292246799"/>
+        <p14:creationId xmlns:p14="http://schemas.microsoft.com/office/powerpoint/2010/main" val="2041492171"/>
       </p:ext>
     </p:extLst>
   </p:cSld>
@@ -7750,6 +8095,15 @@
             <a:r>
               <a:rPr lang="en-US" dirty="0"/>
               <a:t>I will give an example scenario and the resulting plots are on the next slide. </a:t>
+            </a:r>
+          </a:p>
+          <a:p>
+            <a:endParaRPr lang="en-US" dirty="0"/>
+          </a:p>
+          <a:p>
+            <a:r>
+              <a:rPr lang="en-US" dirty="0"/>
+              <a:t>Supply buffer</a:t>
             </a:r>
           </a:p>
         </p:txBody>
@@ -8214,6 +8568,31 @@
                 <a:cs typeface="+mn-cs"/>
               </a:rPr>
               <a:t> transform method for predicting demand and setting the supply buffer to 3000MW (the capacity of 3 reactors), the simulation does not under supply power. The red T’s refer to demand and the blue crosses supply. </a:t>
+            </a:r>
+          </a:p>
+          <a:p>
+            <a:endParaRPr lang="en-US" sz="1200" kern="1200" dirty="0">
+              <a:solidFill>
+                <a:schemeClr val="tx1"/>
+              </a:solidFill>
+              <a:effectLst/>
+              <a:latin typeface="+mn-lt"/>
+              <a:ea typeface="+mn-ea"/>
+              <a:cs typeface="+mn-cs"/>
+            </a:endParaRPr>
+          </a:p>
+          <a:p>
+            <a:r>
+              <a:rPr lang="en-US" sz="1200" kern="1200" dirty="0">
+                <a:solidFill>
+                  <a:schemeClr val="tx1"/>
+                </a:solidFill>
+                <a:effectLst/>
+                <a:latin typeface="+mn-lt"/>
+                <a:ea typeface="+mn-ea"/>
+                <a:cs typeface="+mn-cs"/>
+              </a:rPr>
+              <a:t>Precisely meeting demand during a transition is difficult, that’s why you need a buffer to provide surplus capacity. </a:t>
             </a:r>
             <a:endParaRPr lang="en-US" dirty="0"/>
           </a:p>
@@ -9543,7 +9922,7 @@
               <a:rPr lang="en-US" sz="1600" dirty="0">
                 <a:latin typeface="Helvetica" pitchFamily="2" charset="0"/>
               </a:rPr>
-              <a:t>/16</a:t>
+              <a:t>/20</a:t>
             </a:r>
           </a:p>
         </p:txBody>
@@ -9926,7 +10305,7 @@
           <a:p>
             <a:pPr algn="ctr"/>
             <a:r>
-              <a:rPr lang="en-US" sz="2400">
+              <a:rPr lang="en-US" sz="2400" dirty="0">
                 <a:solidFill>
                   <a:srgbClr val="13294B"/>
                 </a:solidFill>
@@ -9937,7 +10316,7 @@
               <a:t>Gwendolyn J. Chee</a:t>
             </a:r>
             <a:r>
-              <a:rPr lang="en-US" sz="2400" baseline="30000">
+              <a:rPr lang="en-US" sz="2400" baseline="30000" dirty="0">
                 <a:solidFill>
                   <a:srgbClr val="13294B"/>
                 </a:solidFill>
@@ -10234,7 +10613,7 @@
           <a:p>
             <a:pPr algn="l"/>
             <a:r>
-              <a:rPr lang="en-US" sz="3200" b="1" dirty="0">
+              <a:rPr lang="en-US" sz="2400" b="1" dirty="0">
                 <a:solidFill>
                   <a:srgbClr val="13294B"/>
                 </a:solidFill>
@@ -10242,9 +10621,9 @@
                 <a:ea typeface="Georgia" charset="0"/>
                 <a:cs typeface="Georgia" charset="0"/>
               </a:rPr>
-              <a:t>Constant Power Demand</a:t>
-            </a:r>
-            <a:endParaRPr lang="en-US" sz="3200" dirty="0">
+              <a:t>Constant Power Demand: Supporting Facility Deployment</a:t>
+            </a:r>
+            <a:endParaRPr lang="en-US" sz="2400" dirty="0">
               <a:solidFill>
                 <a:srgbClr val="13294B"/>
               </a:solidFill>
@@ -10366,38 +10745,8 @@
         </p:blipFill>
         <p:spPr>
           <a:xfrm>
-            <a:off x="0" y="2369014"/>
-            <a:ext cx="4303008" cy="2537880"/>
-          </a:xfrm>
-          <a:prstGeom prst="rect">
-            <a:avLst/>
-          </a:prstGeom>
-        </p:spPr>
-      </p:pic>
-      <p:pic>
-        <p:nvPicPr>
-          <p:cNvPr id="3" name="Picture 2">
-            <a:extLst>
-              <a:ext uri="{FF2B5EF4-FFF2-40B4-BE49-F238E27FC236}">
-                <a16:creationId xmlns:a16="http://schemas.microsoft.com/office/drawing/2014/main" id="{AF400364-EE77-7244-8549-1B5A73BBD4EE}"/>
-              </a:ext>
-            </a:extLst>
-          </p:cNvPr>
-          <p:cNvPicPr>
-            <a:picLocks noChangeAspect="1"/>
-          </p:cNvPicPr>
-          <p:nvPr/>
-        </p:nvPicPr>
-        <p:blipFill>
-          <a:blip r:embed="rId4"/>
-          <a:stretch>
-            <a:fillRect/>
-          </a:stretch>
-        </p:blipFill>
-        <p:spPr>
-          <a:xfrm>
-            <a:off x="4596085" y="2369014"/>
-            <a:ext cx="4478215" cy="2646218"/>
+            <a:off x="926377" y="1545141"/>
+            <a:ext cx="6388212" cy="3767717"/>
           </a:xfrm>
           <a:prstGeom prst="rect">
             <a:avLst/>
@@ -10418,8 +10767,8 @@
         </p:nvSpPr>
         <p:spPr>
           <a:xfrm>
-            <a:off x="381000" y="4954422"/>
-            <a:ext cx="3211931" cy="646331"/>
+            <a:off x="1308881" y="5550496"/>
+            <a:ext cx="5545491" cy="461665"/>
           </a:xfrm>
           <a:prstGeom prst="rect">
             <a:avLst/>
@@ -10437,43 +10786,6 @@
                 <a:latin typeface="Helvetica" pitchFamily="2" charset="0"/>
               </a:rPr>
               <a:t>Figure 5: Fuel commodity supply and demand for transition scenario of constant 10000MW power demand</a:t>
-            </a:r>
-          </a:p>
-        </p:txBody>
-      </p:sp>
-      <p:sp>
-        <p:nvSpPr>
-          <p:cNvPr id="11" name="TextBox 10">
-            <a:extLst>
-              <a:ext uri="{FF2B5EF4-FFF2-40B4-BE49-F238E27FC236}">
-                <a16:creationId xmlns:a16="http://schemas.microsoft.com/office/drawing/2014/main" id="{449247EA-2050-B944-B33F-D2030E4316EE}"/>
-              </a:ext>
-            </a:extLst>
-          </p:cNvPr>
-          <p:cNvSpPr txBox="1"/>
-          <p:nvPr/>
-        </p:nvSpPr>
-        <p:spPr>
-          <a:xfrm>
-            <a:off x="4834466" y="5015232"/>
-            <a:ext cx="3462867" cy="646331"/>
-          </a:xfrm>
-          <a:prstGeom prst="rect">
-            <a:avLst/>
-          </a:prstGeom>
-          <a:noFill/>
-        </p:spPr>
-        <p:txBody>
-          <a:bodyPr wrap="square" rtlCol="0">
-            <a:spAutoFit/>
-          </a:bodyPr>
-          <a:lstStyle/>
-          <a:p>
-            <a:r>
-              <a:rPr lang="en-US" sz="1200" dirty="0">
-                <a:latin typeface="Helvetica" pitchFamily="2" charset="0"/>
-              </a:rPr>
-              <a:t>Figure 6: Spent Fuel commodity supply and demand for transition scenario of constant 10000MW power demand</a:t>
             </a:r>
           </a:p>
         </p:txBody>
@@ -10530,7 +10842,7 @@
           <a:p>
             <a:pPr algn="l"/>
             <a:r>
-              <a:rPr lang="en-US" sz="3200" b="1" dirty="0">
+              <a:rPr lang="en-US" sz="2400" b="1" dirty="0">
                 <a:solidFill>
                   <a:srgbClr val="13294B"/>
                 </a:solidFill>
@@ -10538,9 +10850,9 @@
                 <a:ea typeface="Georgia" charset="0"/>
                 <a:cs typeface="Georgia" charset="0"/>
               </a:rPr>
-              <a:t>Linear Power Demand</a:t>
-            </a:r>
-            <a:endParaRPr lang="en-US" sz="3200" dirty="0">
+              <a:t>Constant Power Demand: Supporting Facility Deployment</a:t>
+            </a:r>
+            <a:endParaRPr lang="en-US" sz="2400" dirty="0">
               <a:solidFill>
                 <a:srgbClr val="13294B"/>
               </a:solidFill>
@@ -10645,7 +10957,7 @@
           <p:cNvPr id="3" name="Picture 2">
             <a:extLst>
               <a:ext uri="{FF2B5EF4-FFF2-40B4-BE49-F238E27FC236}">
-                <a16:creationId xmlns:a16="http://schemas.microsoft.com/office/drawing/2014/main" id="{DE02C11B-0CDA-7D41-988D-A2C6F0B82F60}"/>
+                <a16:creationId xmlns:a16="http://schemas.microsoft.com/office/drawing/2014/main" id="{AF400364-EE77-7244-8549-1B5A73BBD4EE}"/>
               </a:ext>
             </a:extLst>
           </p:cNvPr>
@@ -10662,8 +10974,8 @@
         </p:blipFill>
         <p:spPr>
           <a:xfrm>
-            <a:off x="381000" y="1477406"/>
-            <a:ext cx="7045036" cy="4170875"/>
+            <a:off x="885163" y="1546359"/>
+            <a:ext cx="6540873" cy="3865061"/>
           </a:xfrm>
           <a:prstGeom prst="rect">
             <a:avLst/>
@@ -10672,10 +10984,10 @@
       </p:pic>
       <p:sp>
         <p:nvSpPr>
-          <p:cNvPr id="7" name="TextBox 6">
+          <p:cNvPr id="11" name="TextBox 10">
             <a:extLst>
               <a:ext uri="{FF2B5EF4-FFF2-40B4-BE49-F238E27FC236}">
-                <a16:creationId xmlns:a16="http://schemas.microsoft.com/office/drawing/2014/main" id="{71173A46-3DB6-C545-81AA-170E98753724}"/>
+                <a16:creationId xmlns:a16="http://schemas.microsoft.com/office/drawing/2014/main" id="{449247EA-2050-B944-B33F-D2030E4316EE}"/>
               </a:ext>
             </a:extLst>
           </p:cNvPr>
@@ -10684,8 +10996,8 @@
         </p:nvSpPr>
         <p:spPr>
           <a:xfrm>
-            <a:off x="1308881" y="5708049"/>
-            <a:ext cx="5322335" cy="461665"/>
+            <a:off x="1309330" y="5497456"/>
+            <a:ext cx="5188373" cy="461665"/>
           </a:xfrm>
           <a:prstGeom prst="rect">
             <a:avLst/>
@@ -10702,7 +11014,7 @@
               <a:rPr lang="en-US" sz="1200" dirty="0">
                 <a:latin typeface="Helvetica" pitchFamily="2" charset="0"/>
               </a:rPr>
-              <a:t>Figure 7: Power commodity supply and demand for transition scenario of linearly increasing power demand</a:t>
+              <a:t>Figure 6: Spent Fuel commodity supply and demand for transition scenario of constant 10000MW power demand</a:t>
             </a:r>
           </a:p>
         </p:txBody>
@@ -10710,7 +11022,7 @@
     </p:spTree>
     <p:extLst>
       <p:ext uri="{BB962C8B-B14F-4D97-AF65-F5344CB8AC3E}">
-        <p14:creationId xmlns:p14="http://schemas.microsoft.com/office/powerpoint/2010/main" val="2441093685"/>
+        <p14:creationId xmlns:p14="http://schemas.microsoft.com/office/powerpoint/2010/main" val="3844407065"/>
       </p:ext>
     </p:extLst>
   </p:cSld>
@@ -10749,7 +11061,7 @@
         </p:nvSpPr>
         <p:spPr>
           <a:xfrm>
-            <a:off x="381000" y="685800"/>
+            <a:off x="381000" y="775675"/>
             <a:ext cx="7045036" cy="731838"/>
           </a:xfrm>
         </p:spPr>
@@ -10759,7 +11071,7 @@
           <a:p>
             <a:pPr algn="l"/>
             <a:r>
-              <a:rPr lang="en-US" sz="3200" b="1" dirty="0">
+              <a:rPr lang="en-US" sz="2400" b="1" dirty="0">
                 <a:solidFill>
                   <a:srgbClr val="13294B"/>
                 </a:solidFill>
@@ -10767,9 +11079,9 @@
                 <a:ea typeface="Georgia" charset="0"/>
                 <a:cs typeface="Georgia" charset="0"/>
               </a:rPr>
-              <a:t>Sinusoidal Power Demand</a:t>
-            </a:r>
-            <a:endParaRPr lang="en-US" sz="3200" dirty="0">
+              <a:t>Linear Power Demand: Reactor Deployment</a:t>
+            </a:r>
+            <a:endParaRPr lang="en-US" sz="2400" dirty="0">
               <a:solidFill>
                 <a:srgbClr val="13294B"/>
               </a:solidFill>
@@ -10874,7 +11186,7 @@
           <p:cNvPr id="3" name="Picture 2">
             <a:extLst>
               <a:ext uri="{FF2B5EF4-FFF2-40B4-BE49-F238E27FC236}">
-                <a16:creationId xmlns:a16="http://schemas.microsoft.com/office/drawing/2014/main" id="{15216827-0539-254E-A2FD-1AAA8FC883FE}"/>
+                <a16:creationId xmlns:a16="http://schemas.microsoft.com/office/drawing/2014/main" id="{DE02C11B-0CDA-7D41-988D-A2C6F0B82F60}"/>
               </a:ext>
             </a:extLst>
           </p:cNvPr>
@@ -10891,8 +11203,8 @@
         </p:blipFill>
         <p:spPr>
           <a:xfrm>
-            <a:off x="381000" y="1359098"/>
-            <a:ext cx="7537450" cy="4462399"/>
+            <a:off x="381000" y="1309500"/>
+            <a:ext cx="7045036" cy="4170875"/>
           </a:xfrm>
           <a:prstGeom prst="rect">
             <a:avLst/>
@@ -10904,7 +11216,7 @@
           <p:cNvPr id="7" name="TextBox 6">
             <a:extLst>
               <a:ext uri="{FF2B5EF4-FFF2-40B4-BE49-F238E27FC236}">
-                <a16:creationId xmlns:a16="http://schemas.microsoft.com/office/drawing/2014/main" id="{787E78E7-1133-A54C-AA92-E9014066A1CB}"/>
+                <a16:creationId xmlns:a16="http://schemas.microsoft.com/office/drawing/2014/main" id="{71173A46-3DB6-C545-81AA-170E98753724}"/>
               </a:ext>
             </a:extLst>
           </p:cNvPr>
@@ -10913,7 +11225,7 @@
         </p:nvSpPr>
         <p:spPr>
           <a:xfrm>
-            <a:off x="1308881" y="5791575"/>
+            <a:off x="1308881" y="5708049"/>
             <a:ext cx="5322335" cy="461665"/>
           </a:xfrm>
           <a:prstGeom prst="rect">
@@ -10931,7 +11243,7 @@
               <a:rPr lang="en-US" sz="1200" dirty="0">
                 <a:latin typeface="Helvetica" pitchFamily="2" charset="0"/>
               </a:rPr>
-              <a:t>Figure 8: Power commodity supply and demand for transition scenario of sinusoidal power demand</a:t>
+              <a:t>Figure 7: Power commodity supply and demand for transition scenario of linearly increasing power demand</a:t>
             </a:r>
           </a:p>
         </p:txBody>
@@ -10939,7 +11251,7 @@
     </p:spTree>
     <p:extLst>
       <p:ext uri="{BB962C8B-B14F-4D97-AF65-F5344CB8AC3E}">
-        <p14:creationId xmlns:p14="http://schemas.microsoft.com/office/powerpoint/2010/main" val="232569964"/>
+        <p14:creationId xmlns:p14="http://schemas.microsoft.com/office/powerpoint/2010/main" val="2441093685"/>
       </p:ext>
     </p:extLst>
   </p:cSld>
@@ -10978,7 +11290,7 @@
         </p:nvSpPr>
         <p:spPr>
           <a:xfrm>
-            <a:off x="381000" y="685800"/>
+            <a:off x="381000" y="775675"/>
             <a:ext cx="7045036" cy="731838"/>
           </a:xfrm>
         </p:spPr>
@@ -10988,7 +11300,7 @@
           <a:p>
             <a:pPr algn="l"/>
             <a:r>
-              <a:rPr lang="en-US" sz="3200" b="1" dirty="0">
+              <a:rPr lang="en-US" sz="2400" b="1" dirty="0">
                 <a:solidFill>
                   <a:srgbClr val="13294B"/>
                 </a:solidFill>
@@ -10996,9 +11308,9 @@
                 <a:ea typeface="Georgia" charset="0"/>
                 <a:cs typeface="Georgia" charset="0"/>
               </a:rPr>
-              <a:t>Conclusions</a:t>
-            </a:r>
-            <a:endParaRPr lang="en-US" sz="3200" dirty="0">
+              <a:t>Linear Power Demand: Supporting Facility Deployment</a:t>
+            </a:r>
+            <a:endParaRPr lang="en-US" sz="2400" dirty="0">
               <a:solidFill>
                 <a:srgbClr val="13294B"/>
               </a:solidFill>
@@ -11039,7 +11351,7 @@
               <a:rPr lang="en-US" sz="1600" dirty="0">
                 <a:latin typeface="Helvetica" pitchFamily="2" charset="0"/>
               </a:rPr>
-              <a:t>Conclusions</a:t>
+              <a:t>Demonstrations</a:t>
             </a:r>
           </a:p>
         </p:txBody>
@@ -11062,8 +11374,8 @@
         </p:nvSpPr>
         <p:spPr>
           <a:xfrm>
-            <a:off x="380999" y="1309500"/>
-            <a:ext cx="7679267" cy="4338781"/>
+            <a:off x="381000" y="1309500"/>
+            <a:ext cx="7045036" cy="4338781"/>
           </a:xfrm>
         </p:spPr>
         <p:txBody>
@@ -11100,81 +11412,75 @@
       </p:sp>
       <p:sp>
         <p:nvSpPr>
-          <p:cNvPr id="2" name="Rectangle 1">
+          <p:cNvPr id="7" name="TextBox 6">
             <a:extLst>
               <a:ext uri="{FF2B5EF4-FFF2-40B4-BE49-F238E27FC236}">
-                <a16:creationId xmlns:a16="http://schemas.microsoft.com/office/drawing/2014/main" id="{2F59F0D5-B012-A545-BE13-6428268C19DD}"/>
+                <a16:creationId xmlns:a16="http://schemas.microsoft.com/office/drawing/2014/main" id="{71173A46-3DB6-C545-81AA-170E98753724}"/>
               </a:ext>
             </a:extLst>
           </p:cNvPr>
-          <p:cNvSpPr/>
+          <p:cNvSpPr txBox="1"/>
           <p:nvPr/>
         </p:nvSpPr>
         <p:spPr>
           <a:xfrm>
-            <a:off x="381000" y="1397675"/>
-            <a:ext cx="7871178" cy="1938992"/>
+            <a:off x="1308881" y="5708049"/>
+            <a:ext cx="5322335" cy="461665"/>
+          </a:xfrm>
+          <a:prstGeom prst="rect">
+            <a:avLst/>
+          </a:prstGeom>
+          <a:noFill/>
+        </p:spPr>
+        <p:txBody>
+          <a:bodyPr wrap="square" rtlCol="0">
+            <a:spAutoFit/>
+          </a:bodyPr>
+          <a:lstStyle/>
+          <a:p>
+            <a:r>
+              <a:rPr lang="en-US" sz="1200" dirty="0">
+                <a:latin typeface="Helvetica" pitchFamily="2" charset="0"/>
+              </a:rPr>
+              <a:t>Figure 8: Fuel commodity supply and demand for transition scenario of linearly increasing power demand</a:t>
+            </a:r>
+          </a:p>
+        </p:txBody>
+      </p:sp>
+      <p:pic>
+        <p:nvPicPr>
+          <p:cNvPr id="4" name="Picture 3">
+            <a:extLst>
+              <a:ext uri="{FF2B5EF4-FFF2-40B4-BE49-F238E27FC236}">
+                <a16:creationId xmlns:a16="http://schemas.microsoft.com/office/drawing/2014/main" id="{1D516D67-CB7B-904D-88F9-243AD1B03035}"/>
+              </a:ext>
+            </a:extLst>
+          </p:cNvPr>
+          <p:cNvPicPr>
+            <a:picLocks noChangeAspect="1"/>
+          </p:cNvPicPr>
+          <p:nvPr/>
+        </p:nvPicPr>
+        <p:blipFill>
+          <a:blip r:embed="rId3"/>
+          <a:stretch>
+            <a:fillRect/>
+          </a:stretch>
+        </p:blipFill>
+        <p:spPr>
+          <a:xfrm>
+            <a:off x="737712" y="1671491"/>
+            <a:ext cx="6464672" cy="3812812"/>
           </a:xfrm>
           <a:prstGeom prst="rect">
             <a:avLst/>
           </a:prstGeom>
         </p:spPr>
-        <p:txBody>
-          <a:bodyPr wrap="square">
-            <a:spAutoFit/>
-          </a:bodyPr>
-          <a:lstStyle/>
-          <a:p>
-            <a:pPr>
-              <a:buFont typeface="Wingdings" pitchFamily="2" charset="2"/>
-              <a:buChar char="v"/>
-            </a:pPr>
-            <a:r>
-              <a:rPr lang="en-US" sz="2000" b="1" dirty="0">
-                <a:latin typeface="Helvetica" pitchFamily="2" charset="0"/>
-              </a:rPr>
-              <a:t>Demand driven deployment capabilities in Cyclus </a:t>
-            </a:r>
-            <a:r>
-              <a:rPr lang="en-US" sz="2000" dirty="0">
-                <a:latin typeface="Helvetica" pitchFamily="2" charset="0"/>
-              </a:rPr>
-              <a:t>are important to automate setting up of transition scenarios.</a:t>
-            </a:r>
-          </a:p>
-          <a:p>
-            <a:pPr>
-              <a:buFont typeface="Wingdings" pitchFamily="2" charset="2"/>
-              <a:buChar char="v"/>
-            </a:pPr>
-            <a:endParaRPr lang="en-US" sz="2000" b="1" dirty="0">
-              <a:latin typeface="Helvetica" pitchFamily="2" charset="0"/>
-            </a:endParaRPr>
-          </a:p>
-          <a:p>
-            <a:pPr>
-              <a:buFont typeface="Wingdings" pitchFamily="2" charset="2"/>
-              <a:buChar char="v"/>
-            </a:pPr>
-            <a:r>
-              <a:rPr lang="en-US" sz="2000" b="1" dirty="0">
-                <a:latin typeface="Helvetica" pitchFamily="2" charset="0"/>
-              </a:rPr>
-              <a:t>Future Work:</a:t>
-            </a:r>
-            <a:r>
-              <a:rPr lang="en-US" sz="2000" dirty="0">
-                <a:latin typeface="Helvetica" pitchFamily="2" charset="0"/>
-              </a:rPr>
-              <a:t> Similar power demand transition scenarios extended to include more nuclear fuel cycle facilities such as reprocessing facilities etc. </a:t>
-            </a:r>
-          </a:p>
-        </p:txBody>
-      </p:sp>
+      </p:pic>
     </p:spTree>
     <p:extLst>
       <p:ext uri="{BB962C8B-B14F-4D97-AF65-F5344CB8AC3E}">
-        <p14:creationId xmlns:p14="http://schemas.microsoft.com/office/powerpoint/2010/main" val="4115818028"/>
+        <p14:creationId xmlns:p14="http://schemas.microsoft.com/office/powerpoint/2010/main" val="1489698046"/>
       </p:ext>
     </p:extLst>
   </p:cSld>
@@ -11213,8 +11519,8 @@
         </p:nvSpPr>
         <p:spPr>
           <a:xfrm>
-            <a:off x="381000" y="604157"/>
-            <a:ext cx="7045036" cy="813480"/>
+            <a:off x="381000" y="775675"/>
+            <a:ext cx="7045036" cy="731838"/>
           </a:xfrm>
         </p:spPr>
         <p:txBody>
@@ -11223,23 +11529,68 @@
           <a:p>
             <a:pPr algn="l"/>
             <a:r>
-              <a:rPr lang="en-US" sz="3200" b="1" dirty="0">
+              <a:rPr lang="en-US" sz="2400" b="1" dirty="0">
                 <a:solidFill>
                   <a:srgbClr val="13294B"/>
                 </a:solidFill>
                 <a:latin typeface="Helvetica" pitchFamily="2" charset="0"/>
-              </a:rPr>
-              <a:t>References</a:t>
-            </a:r>
+                <a:ea typeface="Georgia" charset="0"/>
+                <a:cs typeface="Georgia" charset="0"/>
+              </a:rPr>
+              <a:t>Linear Power Demand: Supporting Facility Deployment</a:t>
+            </a:r>
+            <a:endParaRPr lang="en-US" sz="2400" dirty="0">
+              <a:solidFill>
+                <a:srgbClr val="13294B"/>
+              </a:solidFill>
+              <a:latin typeface="Helvetica" pitchFamily="2" charset="0"/>
+            </a:endParaRPr>
           </a:p>
         </p:txBody>
       </p:sp>
       <p:sp>
         <p:nvSpPr>
-          <p:cNvPr id="8" name="Content Placeholder 2">
+          <p:cNvPr id="8" name="TextBox 7">
             <a:extLst>
               <a:ext uri="{FF2B5EF4-FFF2-40B4-BE49-F238E27FC236}">
-                <a16:creationId xmlns:a16="http://schemas.microsoft.com/office/drawing/2014/main" id="{35F3430D-298C-1444-B514-51C1D4EDAF39}"/>
+                <a16:creationId xmlns:a16="http://schemas.microsoft.com/office/drawing/2014/main" id="{BB61DE4D-D6A8-354B-85CE-40952730020D}"/>
+              </a:ext>
+            </a:extLst>
+          </p:cNvPr>
+          <p:cNvSpPr txBox="1"/>
+          <p:nvPr/>
+        </p:nvSpPr>
+        <p:spPr>
+          <a:xfrm>
+            <a:off x="381000" y="347246"/>
+            <a:ext cx="1855763" cy="338554"/>
+          </a:xfrm>
+          <a:prstGeom prst="rect">
+            <a:avLst/>
+          </a:prstGeom>
+          <a:noFill/>
+        </p:spPr>
+        <p:txBody>
+          <a:bodyPr wrap="square" rtlCol="0">
+            <a:spAutoFit/>
+          </a:bodyPr>
+          <a:lstStyle/>
+          <a:p>
+            <a:r>
+              <a:rPr lang="en-US" sz="1600" dirty="0">
+                <a:latin typeface="Helvetica" pitchFamily="2" charset="0"/>
+              </a:rPr>
+              <a:t>Demonstrations</a:t>
+            </a:r>
+          </a:p>
+        </p:txBody>
+      </p:sp>
+      <p:sp>
+        <p:nvSpPr>
+          <p:cNvPr id="9" name="Content Placeholder 2">
+            <a:extLst>
+              <a:ext uri="{FF2B5EF4-FFF2-40B4-BE49-F238E27FC236}">
+                <a16:creationId xmlns:a16="http://schemas.microsoft.com/office/drawing/2014/main" id="{4D125D08-68CA-FA48-98C2-E14CCDFFF197}"/>
               </a:ext>
             </a:extLst>
           </p:cNvPr>
@@ -11252,74 +11603,113 @@
         </p:nvSpPr>
         <p:spPr>
           <a:xfrm>
-            <a:off x="381000" y="1316717"/>
-            <a:ext cx="7538357" cy="5329012"/>
+            <a:off x="381000" y="1309500"/>
+            <a:ext cx="7045036" cy="4338781"/>
           </a:xfrm>
         </p:spPr>
         <p:txBody>
           <a:bodyPr/>
           <a:lstStyle/>
           <a:p>
-            <a:pPr marL="0" indent="0">
-              <a:buNone/>
+            <a:pPr>
+              <a:buFont typeface="Wingdings" pitchFamily="2" charset="2"/>
+              <a:buChar char="v"/>
             </a:pPr>
-            <a:r>
-              <a:rPr lang="en-US" sz="1500" dirty="0">
-                <a:latin typeface="Helvetica" pitchFamily="2" charset="0"/>
-              </a:rPr>
-              <a:t>[1]: K. D. HUFF, M. J. GIDDEN, R. W. CARLSEN, R. R. FLANAGAN, M. B. </a:t>
-            </a:r>
-          </a:p>
-          <a:p>
-            <a:pPr marL="0" indent="0">
-              <a:buNone/>
+            <a:endParaRPr lang="en-US" sz="2000" dirty="0">
+              <a:latin typeface="Helvetica" pitchFamily="2" charset="0"/>
+            </a:endParaRPr>
+          </a:p>
+          <a:p>
+            <a:pPr>
+              <a:buFont typeface="Wingdings" pitchFamily="2" charset="2"/>
+              <a:buChar char="v"/>
             </a:pPr>
-            <a:r>
-              <a:rPr lang="en-US" sz="1500" dirty="0">
-                <a:latin typeface="Helvetica" pitchFamily="2" charset="0"/>
-              </a:rPr>
-              <a:t>       MCGARRY, A. C. OPOTOWSKY, E. A. SCHNEIDER, A. M. SCOPATZ, and </a:t>
-            </a:r>
-          </a:p>
-          <a:p>
-            <a:pPr marL="0" indent="0">
-              <a:buNone/>
+            <a:endParaRPr lang="en-US" sz="2000" dirty="0">
+              <a:latin typeface="Helvetica" pitchFamily="2" charset="0"/>
+            </a:endParaRPr>
+          </a:p>
+          <a:p>
+            <a:pPr>
+              <a:buFont typeface="Wingdings" pitchFamily="2" charset="2"/>
+              <a:buChar char="v"/>
             </a:pPr>
-            <a:r>
-              <a:rPr lang="en-US" sz="1500" dirty="0">
-                <a:latin typeface="Helvetica" pitchFamily="2" charset="0"/>
-              </a:rPr>
-              <a:t>       P. P. H. WILSON, “Fundamental concepts in the Cyclus nuclear fuel cycle </a:t>
-            </a:r>
-          </a:p>
-          <a:p>
-            <a:pPr marL="0" indent="0">
-              <a:buNone/>
-            </a:pPr>
-            <a:r>
-              <a:rPr lang="en-US" sz="1500" dirty="0">
-                <a:latin typeface="Helvetica" pitchFamily="2" charset="0"/>
-              </a:rPr>
-              <a:t>       simulation framework,” Advances in Engineering Software, 94, 46–59 (Apr. </a:t>
-            </a:r>
-          </a:p>
-          <a:p>
-            <a:pPr marL="0" indent="0">
-              <a:buNone/>
-            </a:pPr>
-            <a:r>
-              <a:rPr lang="en-US" sz="1500" dirty="0">
-                <a:latin typeface="Helvetica" pitchFamily="2" charset="0"/>
-              </a:rPr>
-              <a:t>       2016).</a:t>
-            </a:r>
+            <a:endParaRPr lang="en-US" sz="2000" dirty="0">
+              <a:latin typeface="Helvetica" pitchFamily="2" charset="0"/>
+            </a:endParaRPr>
           </a:p>
         </p:txBody>
       </p:sp>
+      <p:sp>
+        <p:nvSpPr>
+          <p:cNvPr id="7" name="TextBox 6">
+            <a:extLst>
+              <a:ext uri="{FF2B5EF4-FFF2-40B4-BE49-F238E27FC236}">
+                <a16:creationId xmlns:a16="http://schemas.microsoft.com/office/drawing/2014/main" id="{71173A46-3DB6-C545-81AA-170E98753724}"/>
+              </a:ext>
+            </a:extLst>
+          </p:cNvPr>
+          <p:cNvSpPr txBox="1"/>
+          <p:nvPr/>
+        </p:nvSpPr>
+        <p:spPr>
+          <a:xfrm>
+            <a:off x="1308881" y="5708049"/>
+            <a:ext cx="5322335" cy="461665"/>
+          </a:xfrm>
+          <a:prstGeom prst="rect">
+            <a:avLst/>
+          </a:prstGeom>
+          <a:noFill/>
+        </p:spPr>
+        <p:txBody>
+          <a:bodyPr wrap="square" rtlCol="0">
+            <a:spAutoFit/>
+          </a:bodyPr>
+          <a:lstStyle/>
+          <a:p>
+            <a:r>
+              <a:rPr lang="en-US" sz="1200" dirty="0">
+                <a:latin typeface="Helvetica" pitchFamily="2" charset="0"/>
+              </a:rPr>
+              <a:t>Figure 9: Spent fuel commodity supply and demand for transition scenario of linearly increasing power demand</a:t>
+            </a:r>
+          </a:p>
+        </p:txBody>
+      </p:sp>
+      <p:pic>
+        <p:nvPicPr>
+          <p:cNvPr id="3" name="Picture 2">
+            <a:extLst>
+              <a:ext uri="{FF2B5EF4-FFF2-40B4-BE49-F238E27FC236}">
+                <a16:creationId xmlns:a16="http://schemas.microsoft.com/office/drawing/2014/main" id="{57DA671C-6F5F-DD43-BD1B-9BFC0398DF62}"/>
+              </a:ext>
+            </a:extLst>
+          </p:cNvPr>
+          <p:cNvPicPr>
+            <a:picLocks noChangeAspect="1"/>
+          </p:cNvPicPr>
+          <p:nvPr/>
+        </p:nvPicPr>
+        <p:blipFill>
+          <a:blip r:embed="rId3"/>
+          <a:stretch>
+            <a:fillRect/>
+          </a:stretch>
+        </p:blipFill>
+        <p:spPr>
+          <a:xfrm>
+            <a:off x="758536" y="1663469"/>
+            <a:ext cx="6667500" cy="3962400"/>
+          </a:xfrm>
+          <a:prstGeom prst="rect">
+            <a:avLst/>
+          </a:prstGeom>
+        </p:spPr>
+      </p:pic>
     </p:spTree>
     <p:extLst>
       <p:ext uri="{BB962C8B-B14F-4D97-AF65-F5344CB8AC3E}">
-        <p14:creationId xmlns:p14="http://schemas.microsoft.com/office/powerpoint/2010/main" val="2362967592"/>
+        <p14:creationId xmlns:p14="http://schemas.microsoft.com/office/powerpoint/2010/main" val="2638770214"/>
       </p:ext>
     </p:extLst>
   </p:cSld>
@@ -11358,6 +11748,928 @@
         </p:nvSpPr>
         <p:spPr>
           <a:xfrm>
+            <a:off x="380999" y="685800"/>
+            <a:ext cx="7332233" cy="731838"/>
+          </a:xfrm>
+        </p:spPr>
+        <p:txBody>
+          <a:bodyPr/>
+          <a:lstStyle/>
+          <a:p>
+            <a:pPr algn="l"/>
+            <a:r>
+              <a:rPr lang="en-US" sz="2400" b="1" dirty="0">
+                <a:solidFill>
+                  <a:srgbClr val="13294B"/>
+                </a:solidFill>
+                <a:latin typeface="Helvetica" pitchFamily="2" charset="0"/>
+                <a:ea typeface="Georgia" charset="0"/>
+                <a:cs typeface="Georgia" charset="0"/>
+              </a:rPr>
+              <a:t>Sinusoidal Power Demand: Reactor Deployment</a:t>
+            </a:r>
+            <a:endParaRPr lang="en-US" sz="2400" dirty="0">
+              <a:solidFill>
+                <a:srgbClr val="13294B"/>
+              </a:solidFill>
+              <a:latin typeface="Helvetica" pitchFamily="2" charset="0"/>
+            </a:endParaRPr>
+          </a:p>
+        </p:txBody>
+      </p:sp>
+      <p:sp>
+        <p:nvSpPr>
+          <p:cNvPr id="8" name="TextBox 7">
+            <a:extLst>
+              <a:ext uri="{FF2B5EF4-FFF2-40B4-BE49-F238E27FC236}">
+                <a16:creationId xmlns:a16="http://schemas.microsoft.com/office/drawing/2014/main" id="{BB61DE4D-D6A8-354B-85CE-40952730020D}"/>
+              </a:ext>
+            </a:extLst>
+          </p:cNvPr>
+          <p:cNvSpPr txBox="1"/>
+          <p:nvPr/>
+        </p:nvSpPr>
+        <p:spPr>
+          <a:xfrm>
+            <a:off x="381000" y="347246"/>
+            <a:ext cx="1855763" cy="338554"/>
+          </a:xfrm>
+          <a:prstGeom prst="rect">
+            <a:avLst/>
+          </a:prstGeom>
+          <a:noFill/>
+        </p:spPr>
+        <p:txBody>
+          <a:bodyPr wrap="square" rtlCol="0">
+            <a:spAutoFit/>
+          </a:bodyPr>
+          <a:lstStyle/>
+          <a:p>
+            <a:r>
+              <a:rPr lang="en-US" sz="1600" dirty="0">
+                <a:latin typeface="Helvetica" pitchFamily="2" charset="0"/>
+              </a:rPr>
+              <a:t>Demonstrations</a:t>
+            </a:r>
+          </a:p>
+        </p:txBody>
+      </p:sp>
+      <p:sp>
+        <p:nvSpPr>
+          <p:cNvPr id="9" name="Content Placeholder 2">
+            <a:extLst>
+              <a:ext uri="{FF2B5EF4-FFF2-40B4-BE49-F238E27FC236}">
+                <a16:creationId xmlns:a16="http://schemas.microsoft.com/office/drawing/2014/main" id="{4D125D08-68CA-FA48-98C2-E14CCDFFF197}"/>
+              </a:ext>
+            </a:extLst>
+          </p:cNvPr>
+          <p:cNvSpPr>
+            <a:spLocks noGrp="1"/>
+          </p:cNvSpPr>
+          <p:nvPr>
+            <p:ph idx="1"/>
+          </p:nvPr>
+        </p:nvSpPr>
+        <p:spPr>
+          <a:xfrm>
+            <a:off x="381000" y="1309500"/>
+            <a:ext cx="7045036" cy="4338781"/>
+          </a:xfrm>
+        </p:spPr>
+        <p:txBody>
+          <a:bodyPr/>
+          <a:lstStyle/>
+          <a:p>
+            <a:pPr>
+              <a:buFont typeface="Wingdings" pitchFamily="2" charset="2"/>
+              <a:buChar char="v"/>
+            </a:pPr>
+            <a:endParaRPr lang="en-US" sz="2000" dirty="0">
+              <a:latin typeface="Helvetica" pitchFamily="2" charset="0"/>
+            </a:endParaRPr>
+          </a:p>
+          <a:p>
+            <a:pPr>
+              <a:buFont typeface="Wingdings" pitchFamily="2" charset="2"/>
+              <a:buChar char="v"/>
+            </a:pPr>
+            <a:endParaRPr lang="en-US" sz="2000" dirty="0">
+              <a:latin typeface="Helvetica" pitchFamily="2" charset="0"/>
+            </a:endParaRPr>
+          </a:p>
+          <a:p>
+            <a:pPr>
+              <a:buFont typeface="Wingdings" pitchFamily="2" charset="2"/>
+              <a:buChar char="v"/>
+            </a:pPr>
+            <a:endParaRPr lang="en-US" sz="2000" dirty="0">
+              <a:latin typeface="Helvetica" pitchFamily="2" charset="0"/>
+            </a:endParaRPr>
+          </a:p>
+        </p:txBody>
+      </p:sp>
+      <p:sp>
+        <p:nvSpPr>
+          <p:cNvPr id="7" name="TextBox 6">
+            <a:extLst>
+              <a:ext uri="{FF2B5EF4-FFF2-40B4-BE49-F238E27FC236}">
+                <a16:creationId xmlns:a16="http://schemas.microsoft.com/office/drawing/2014/main" id="{787E78E7-1133-A54C-AA92-E9014066A1CB}"/>
+              </a:ext>
+            </a:extLst>
+          </p:cNvPr>
+          <p:cNvSpPr txBox="1"/>
+          <p:nvPr/>
+        </p:nvSpPr>
+        <p:spPr>
+          <a:xfrm>
+            <a:off x="1308881" y="5791575"/>
+            <a:ext cx="5322335" cy="461665"/>
+          </a:xfrm>
+          <a:prstGeom prst="rect">
+            <a:avLst/>
+          </a:prstGeom>
+          <a:noFill/>
+        </p:spPr>
+        <p:txBody>
+          <a:bodyPr wrap="square" rtlCol="0">
+            <a:spAutoFit/>
+          </a:bodyPr>
+          <a:lstStyle/>
+          <a:p>
+            <a:r>
+              <a:rPr lang="en-US" sz="1200" dirty="0">
+                <a:latin typeface="Helvetica" pitchFamily="2" charset="0"/>
+              </a:rPr>
+              <a:t>Figure 10: Power commodity supply and demand for transition scenario of sinusoidal power demand</a:t>
+            </a:r>
+          </a:p>
+        </p:txBody>
+      </p:sp>
+      <p:pic>
+        <p:nvPicPr>
+          <p:cNvPr id="4" name="Picture 3">
+            <a:extLst>
+              <a:ext uri="{FF2B5EF4-FFF2-40B4-BE49-F238E27FC236}">
+                <a16:creationId xmlns:a16="http://schemas.microsoft.com/office/drawing/2014/main" id="{0A0345FC-83F5-D542-8D61-F7088948781B}"/>
+              </a:ext>
+            </a:extLst>
+          </p:cNvPr>
+          <p:cNvPicPr>
+            <a:picLocks noChangeAspect="1"/>
+          </p:cNvPicPr>
+          <p:nvPr/>
+        </p:nvPicPr>
+        <p:blipFill>
+          <a:blip r:embed="rId3"/>
+          <a:stretch>
+            <a:fillRect/>
+          </a:stretch>
+        </p:blipFill>
+        <p:spPr>
+          <a:xfrm>
+            <a:off x="829764" y="1356893"/>
+            <a:ext cx="7168541" cy="4243994"/>
+          </a:xfrm>
+          <a:prstGeom prst="rect">
+            <a:avLst/>
+          </a:prstGeom>
+        </p:spPr>
+      </p:pic>
+    </p:spTree>
+    <p:extLst>
+      <p:ext uri="{BB962C8B-B14F-4D97-AF65-F5344CB8AC3E}">
+        <p14:creationId xmlns:p14="http://schemas.microsoft.com/office/powerpoint/2010/main" val="232569964"/>
+      </p:ext>
+    </p:extLst>
+  </p:cSld>
+  <p:clrMapOvr>
+    <a:masterClrMapping/>
+  </p:clrMapOvr>
+</p:sld>
+</file>
+
+<file path=ppt/slides/slide16.xml><?xml version="1.0" encoding="utf-8"?>
+<p:sld xmlns:a="http://schemas.openxmlformats.org/drawingml/2006/main" xmlns:r="http://schemas.openxmlformats.org/officeDocument/2006/relationships" xmlns:p="http://schemas.openxmlformats.org/presentationml/2006/main">
+  <p:cSld>
+    <p:spTree>
+      <p:nvGrpSpPr>
+        <p:cNvPr id="1" name=""/>
+        <p:cNvGrpSpPr/>
+        <p:nvPr/>
+      </p:nvGrpSpPr>
+      <p:grpSpPr>
+        <a:xfrm>
+          <a:off x="0" y="0"/>
+          <a:ext cx="0" cy="0"/>
+          <a:chOff x="0" y="0"/>
+          <a:chExt cx="0" cy="0"/>
+        </a:xfrm>
+      </p:grpSpPr>
+      <p:sp>
+        <p:nvSpPr>
+          <p:cNvPr id="6" name="Title 1"/>
+          <p:cNvSpPr>
+            <a:spLocks noGrp="1"/>
+          </p:cNvSpPr>
+          <p:nvPr>
+            <p:ph type="title"/>
+          </p:nvPr>
+        </p:nvSpPr>
+        <p:spPr>
+          <a:xfrm>
+            <a:off x="380999" y="685800"/>
+            <a:ext cx="7332233" cy="731838"/>
+          </a:xfrm>
+        </p:spPr>
+        <p:txBody>
+          <a:bodyPr/>
+          <a:lstStyle/>
+          <a:p>
+            <a:pPr algn="l"/>
+            <a:r>
+              <a:rPr lang="en-US" sz="2400" b="1" dirty="0">
+                <a:solidFill>
+                  <a:srgbClr val="13294B"/>
+                </a:solidFill>
+                <a:latin typeface="Helvetica" pitchFamily="2" charset="0"/>
+                <a:ea typeface="Georgia" charset="0"/>
+                <a:cs typeface="Georgia" charset="0"/>
+              </a:rPr>
+              <a:t>Sinusoidal Power Demand: Supporting Facility  Deployment</a:t>
+            </a:r>
+            <a:endParaRPr lang="en-US" sz="2400" dirty="0">
+              <a:solidFill>
+                <a:srgbClr val="13294B"/>
+              </a:solidFill>
+              <a:latin typeface="Helvetica" pitchFamily="2" charset="0"/>
+            </a:endParaRPr>
+          </a:p>
+        </p:txBody>
+      </p:sp>
+      <p:sp>
+        <p:nvSpPr>
+          <p:cNvPr id="8" name="TextBox 7">
+            <a:extLst>
+              <a:ext uri="{FF2B5EF4-FFF2-40B4-BE49-F238E27FC236}">
+                <a16:creationId xmlns:a16="http://schemas.microsoft.com/office/drawing/2014/main" id="{BB61DE4D-D6A8-354B-85CE-40952730020D}"/>
+              </a:ext>
+            </a:extLst>
+          </p:cNvPr>
+          <p:cNvSpPr txBox="1"/>
+          <p:nvPr/>
+        </p:nvSpPr>
+        <p:spPr>
+          <a:xfrm>
+            <a:off x="381000" y="347246"/>
+            <a:ext cx="1855763" cy="338554"/>
+          </a:xfrm>
+          <a:prstGeom prst="rect">
+            <a:avLst/>
+          </a:prstGeom>
+          <a:noFill/>
+        </p:spPr>
+        <p:txBody>
+          <a:bodyPr wrap="square" rtlCol="0">
+            <a:spAutoFit/>
+          </a:bodyPr>
+          <a:lstStyle/>
+          <a:p>
+            <a:r>
+              <a:rPr lang="en-US" sz="1600" dirty="0">
+                <a:latin typeface="Helvetica" pitchFamily="2" charset="0"/>
+              </a:rPr>
+              <a:t>Demonstrations</a:t>
+            </a:r>
+          </a:p>
+        </p:txBody>
+      </p:sp>
+      <p:sp>
+        <p:nvSpPr>
+          <p:cNvPr id="9" name="Content Placeholder 2">
+            <a:extLst>
+              <a:ext uri="{FF2B5EF4-FFF2-40B4-BE49-F238E27FC236}">
+                <a16:creationId xmlns:a16="http://schemas.microsoft.com/office/drawing/2014/main" id="{4D125D08-68CA-FA48-98C2-E14CCDFFF197}"/>
+              </a:ext>
+            </a:extLst>
+          </p:cNvPr>
+          <p:cNvSpPr>
+            <a:spLocks noGrp="1"/>
+          </p:cNvSpPr>
+          <p:nvPr>
+            <p:ph idx="1"/>
+          </p:nvPr>
+        </p:nvSpPr>
+        <p:spPr>
+          <a:xfrm>
+            <a:off x="381000" y="1309500"/>
+            <a:ext cx="7045036" cy="4338781"/>
+          </a:xfrm>
+        </p:spPr>
+        <p:txBody>
+          <a:bodyPr/>
+          <a:lstStyle/>
+          <a:p>
+            <a:pPr>
+              <a:buFont typeface="Wingdings" pitchFamily="2" charset="2"/>
+              <a:buChar char="v"/>
+            </a:pPr>
+            <a:endParaRPr lang="en-US" sz="2000" dirty="0">
+              <a:latin typeface="Helvetica" pitchFamily="2" charset="0"/>
+            </a:endParaRPr>
+          </a:p>
+          <a:p>
+            <a:pPr>
+              <a:buFont typeface="Wingdings" pitchFamily="2" charset="2"/>
+              <a:buChar char="v"/>
+            </a:pPr>
+            <a:endParaRPr lang="en-US" sz="2000" dirty="0">
+              <a:latin typeface="Helvetica" pitchFamily="2" charset="0"/>
+            </a:endParaRPr>
+          </a:p>
+          <a:p>
+            <a:pPr>
+              <a:buFont typeface="Wingdings" pitchFamily="2" charset="2"/>
+              <a:buChar char="v"/>
+            </a:pPr>
+            <a:endParaRPr lang="en-US" sz="2000" dirty="0">
+              <a:latin typeface="Helvetica" pitchFamily="2" charset="0"/>
+            </a:endParaRPr>
+          </a:p>
+        </p:txBody>
+      </p:sp>
+      <p:sp>
+        <p:nvSpPr>
+          <p:cNvPr id="7" name="TextBox 6">
+            <a:extLst>
+              <a:ext uri="{FF2B5EF4-FFF2-40B4-BE49-F238E27FC236}">
+                <a16:creationId xmlns:a16="http://schemas.microsoft.com/office/drawing/2014/main" id="{787E78E7-1133-A54C-AA92-E9014066A1CB}"/>
+              </a:ext>
+            </a:extLst>
+          </p:cNvPr>
+          <p:cNvSpPr txBox="1"/>
+          <p:nvPr/>
+        </p:nvSpPr>
+        <p:spPr>
+          <a:xfrm>
+            <a:off x="1308881" y="5819417"/>
+            <a:ext cx="5322335" cy="461665"/>
+          </a:xfrm>
+          <a:prstGeom prst="rect">
+            <a:avLst/>
+          </a:prstGeom>
+          <a:noFill/>
+        </p:spPr>
+        <p:txBody>
+          <a:bodyPr wrap="square" rtlCol="0">
+            <a:spAutoFit/>
+          </a:bodyPr>
+          <a:lstStyle/>
+          <a:p>
+            <a:r>
+              <a:rPr lang="en-US" sz="1200" dirty="0">
+                <a:latin typeface="Helvetica" pitchFamily="2" charset="0"/>
+              </a:rPr>
+              <a:t>Figure 11: Fuel commodity supply and demand for transition scenario of sinusoidal power demand</a:t>
+            </a:r>
+          </a:p>
+        </p:txBody>
+      </p:sp>
+      <p:pic>
+        <p:nvPicPr>
+          <p:cNvPr id="4" name="Picture 3">
+            <a:extLst>
+              <a:ext uri="{FF2B5EF4-FFF2-40B4-BE49-F238E27FC236}">
+                <a16:creationId xmlns:a16="http://schemas.microsoft.com/office/drawing/2014/main" id="{187A944B-8207-2648-98C4-BEC634902F88}"/>
+              </a:ext>
+            </a:extLst>
+          </p:cNvPr>
+          <p:cNvPicPr>
+            <a:picLocks noChangeAspect="1"/>
+          </p:cNvPicPr>
+          <p:nvPr/>
+        </p:nvPicPr>
+        <p:blipFill>
+          <a:blip r:embed="rId3"/>
+          <a:stretch>
+            <a:fillRect/>
+          </a:stretch>
+        </p:blipFill>
+        <p:spPr>
+          <a:xfrm>
+            <a:off x="574099" y="1516137"/>
+            <a:ext cx="7151185" cy="4217712"/>
+          </a:xfrm>
+          <a:prstGeom prst="rect">
+            <a:avLst/>
+          </a:prstGeom>
+        </p:spPr>
+      </p:pic>
+    </p:spTree>
+    <p:extLst>
+      <p:ext uri="{BB962C8B-B14F-4D97-AF65-F5344CB8AC3E}">
+        <p14:creationId xmlns:p14="http://schemas.microsoft.com/office/powerpoint/2010/main" val="941371974"/>
+      </p:ext>
+    </p:extLst>
+  </p:cSld>
+  <p:clrMapOvr>
+    <a:masterClrMapping/>
+  </p:clrMapOvr>
+</p:sld>
+</file>
+
+<file path=ppt/slides/slide17.xml><?xml version="1.0" encoding="utf-8"?>
+<p:sld xmlns:a="http://schemas.openxmlformats.org/drawingml/2006/main" xmlns:r="http://schemas.openxmlformats.org/officeDocument/2006/relationships" xmlns:p="http://schemas.openxmlformats.org/presentationml/2006/main">
+  <p:cSld>
+    <p:spTree>
+      <p:nvGrpSpPr>
+        <p:cNvPr id="1" name=""/>
+        <p:cNvGrpSpPr/>
+        <p:nvPr/>
+      </p:nvGrpSpPr>
+      <p:grpSpPr>
+        <a:xfrm>
+          <a:off x="0" y="0"/>
+          <a:ext cx="0" cy="0"/>
+          <a:chOff x="0" y="0"/>
+          <a:chExt cx="0" cy="0"/>
+        </a:xfrm>
+      </p:grpSpPr>
+      <p:sp>
+        <p:nvSpPr>
+          <p:cNvPr id="6" name="Title 1"/>
+          <p:cNvSpPr>
+            <a:spLocks noGrp="1"/>
+          </p:cNvSpPr>
+          <p:nvPr>
+            <p:ph type="title"/>
+          </p:nvPr>
+        </p:nvSpPr>
+        <p:spPr>
+          <a:xfrm>
+            <a:off x="380999" y="685800"/>
+            <a:ext cx="7332233" cy="731838"/>
+          </a:xfrm>
+        </p:spPr>
+        <p:txBody>
+          <a:bodyPr/>
+          <a:lstStyle/>
+          <a:p>
+            <a:pPr algn="l"/>
+            <a:r>
+              <a:rPr lang="en-US" sz="2400" b="1" dirty="0">
+                <a:solidFill>
+                  <a:srgbClr val="13294B"/>
+                </a:solidFill>
+                <a:latin typeface="Helvetica" pitchFamily="2" charset="0"/>
+                <a:ea typeface="Georgia" charset="0"/>
+                <a:cs typeface="Georgia" charset="0"/>
+              </a:rPr>
+              <a:t>Sinusoidal Power Demand: Supporting Facility Deployment</a:t>
+            </a:r>
+            <a:endParaRPr lang="en-US" sz="2400" dirty="0">
+              <a:solidFill>
+                <a:srgbClr val="13294B"/>
+              </a:solidFill>
+              <a:latin typeface="Helvetica" pitchFamily="2" charset="0"/>
+            </a:endParaRPr>
+          </a:p>
+        </p:txBody>
+      </p:sp>
+      <p:sp>
+        <p:nvSpPr>
+          <p:cNvPr id="8" name="TextBox 7">
+            <a:extLst>
+              <a:ext uri="{FF2B5EF4-FFF2-40B4-BE49-F238E27FC236}">
+                <a16:creationId xmlns:a16="http://schemas.microsoft.com/office/drawing/2014/main" id="{BB61DE4D-D6A8-354B-85CE-40952730020D}"/>
+              </a:ext>
+            </a:extLst>
+          </p:cNvPr>
+          <p:cNvSpPr txBox="1"/>
+          <p:nvPr/>
+        </p:nvSpPr>
+        <p:spPr>
+          <a:xfrm>
+            <a:off x="381000" y="347246"/>
+            <a:ext cx="1855763" cy="338554"/>
+          </a:xfrm>
+          <a:prstGeom prst="rect">
+            <a:avLst/>
+          </a:prstGeom>
+          <a:noFill/>
+        </p:spPr>
+        <p:txBody>
+          <a:bodyPr wrap="square" rtlCol="0">
+            <a:spAutoFit/>
+          </a:bodyPr>
+          <a:lstStyle/>
+          <a:p>
+            <a:r>
+              <a:rPr lang="en-US" sz="1600" dirty="0">
+                <a:latin typeface="Helvetica" pitchFamily="2" charset="0"/>
+              </a:rPr>
+              <a:t>Demonstrations</a:t>
+            </a:r>
+          </a:p>
+        </p:txBody>
+      </p:sp>
+      <p:sp>
+        <p:nvSpPr>
+          <p:cNvPr id="9" name="Content Placeholder 2">
+            <a:extLst>
+              <a:ext uri="{FF2B5EF4-FFF2-40B4-BE49-F238E27FC236}">
+                <a16:creationId xmlns:a16="http://schemas.microsoft.com/office/drawing/2014/main" id="{4D125D08-68CA-FA48-98C2-E14CCDFFF197}"/>
+              </a:ext>
+            </a:extLst>
+          </p:cNvPr>
+          <p:cNvSpPr>
+            <a:spLocks noGrp="1"/>
+          </p:cNvSpPr>
+          <p:nvPr>
+            <p:ph idx="1"/>
+          </p:nvPr>
+        </p:nvSpPr>
+        <p:spPr>
+          <a:xfrm>
+            <a:off x="381000" y="1309500"/>
+            <a:ext cx="7045036" cy="4338781"/>
+          </a:xfrm>
+        </p:spPr>
+        <p:txBody>
+          <a:bodyPr/>
+          <a:lstStyle/>
+          <a:p>
+            <a:pPr>
+              <a:buFont typeface="Wingdings" pitchFamily="2" charset="2"/>
+              <a:buChar char="v"/>
+            </a:pPr>
+            <a:endParaRPr lang="en-US" sz="2000" dirty="0">
+              <a:latin typeface="Helvetica" pitchFamily="2" charset="0"/>
+            </a:endParaRPr>
+          </a:p>
+          <a:p>
+            <a:pPr>
+              <a:buFont typeface="Wingdings" pitchFamily="2" charset="2"/>
+              <a:buChar char="v"/>
+            </a:pPr>
+            <a:endParaRPr lang="en-US" sz="2000" dirty="0">
+              <a:latin typeface="Helvetica" pitchFamily="2" charset="0"/>
+            </a:endParaRPr>
+          </a:p>
+          <a:p>
+            <a:pPr>
+              <a:buFont typeface="Wingdings" pitchFamily="2" charset="2"/>
+              <a:buChar char="v"/>
+            </a:pPr>
+            <a:endParaRPr lang="en-US" sz="2000" dirty="0">
+              <a:latin typeface="Helvetica" pitchFamily="2" charset="0"/>
+            </a:endParaRPr>
+          </a:p>
+        </p:txBody>
+      </p:sp>
+      <p:sp>
+        <p:nvSpPr>
+          <p:cNvPr id="7" name="TextBox 6">
+            <a:extLst>
+              <a:ext uri="{FF2B5EF4-FFF2-40B4-BE49-F238E27FC236}">
+                <a16:creationId xmlns:a16="http://schemas.microsoft.com/office/drawing/2014/main" id="{787E78E7-1133-A54C-AA92-E9014066A1CB}"/>
+              </a:ext>
+            </a:extLst>
+          </p:cNvPr>
+          <p:cNvSpPr txBox="1"/>
+          <p:nvPr/>
+        </p:nvSpPr>
+        <p:spPr>
+          <a:xfrm>
+            <a:off x="1308881" y="5786355"/>
+            <a:ext cx="5322335" cy="461665"/>
+          </a:xfrm>
+          <a:prstGeom prst="rect">
+            <a:avLst/>
+          </a:prstGeom>
+          <a:noFill/>
+        </p:spPr>
+        <p:txBody>
+          <a:bodyPr wrap="square" rtlCol="0">
+            <a:spAutoFit/>
+          </a:bodyPr>
+          <a:lstStyle/>
+          <a:p>
+            <a:r>
+              <a:rPr lang="en-US" sz="1200" dirty="0">
+                <a:latin typeface="Helvetica" pitchFamily="2" charset="0"/>
+              </a:rPr>
+              <a:t>Figure 12: Spent fuel commodity supply and demand for transition scenario of sinusoidal power demand</a:t>
+            </a:r>
+          </a:p>
+        </p:txBody>
+      </p:sp>
+      <p:pic>
+        <p:nvPicPr>
+          <p:cNvPr id="4" name="Picture 3">
+            <a:extLst>
+              <a:ext uri="{FF2B5EF4-FFF2-40B4-BE49-F238E27FC236}">
+                <a16:creationId xmlns:a16="http://schemas.microsoft.com/office/drawing/2014/main" id="{7623E227-E1C5-884A-B10C-77964B1D5101}"/>
+              </a:ext>
+            </a:extLst>
+          </p:cNvPr>
+          <p:cNvPicPr>
+            <a:picLocks noChangeAspect="1"/>
+          </p:cNvPicPr>
+          <p:nvPr/>
+        </p:nvPicPr>
+        <p:blipFill>
+          <a:blip r:embed="rId3"/>
+          <a:stretch>
+            <a:fillRect/>
+          </a:stretch>
+        </p:blipFill>
+        <p:spPr>
+          <a:xfrm>
+            <a:off x="447530" y="1501015"/>
+            <a:ext cx="7045036" cy="4147266"/>
+          </a:xfrm>
+          <a:prstGeom prst="rect">
+            <a:avLst/>
+          </a:prstGeom>
+        </p:spPr>
+      </p:pic>
+    </p:spTree>
+    <p:extLst>
+      <p:ext uri="{BB962C8B-B14F-4D97-AF65-F5344CB8AC3E}">
+        <p14:creationId xmlns:p14="http://schemas.microsoft.com/office/powerpoint/2010/main" val="2328229129"/>
+      </p:ext>
+    </p:extLst>
+  </p:cSld>
+  <p:clrMapOvr>
+    <a:masterClrMapping/>
+  </p:clrMapOvr>
+</p:sld>
+</file>
+
+<file path=ppt/slides/slide18.xml><?xml version="1.0" encoding="utf-8"?>
+<p:sld xmlns:a="http://schemas.openxmlformats.org/drawingml/2006/main" xmlns:r="http://schemas.openxmlformats.org/officeDocument/2006/relationships" xmlns:p="http://schemas.openxmlformats.org/presentationml/2006/main">
+  <p:cSld>
+    <p:spTree>
+      <p:nvGrpSpPr>
+        <p:cNvPr id="1" name=""/>
+        <p:cNvGrpSpPr/>
+        <p:nvPr/>
+      </p:nvGrpSpPr>
+      <p:grpSpPr>
+        <a:xfrm>
+          <a:off x="0" y="0"/>
+          <a:ext cx="0" cy="0"/>
+          <a:chOff x="0" y="0"/>
+          <a:chExt cx="0" cy="0"/>
+        </a:xfrm>
+      </p:grpSpPr>
+      <p:sp>
+        <p:nvSpPr>
+          <p:cNvPr id="6" name="Title 1"/>
+          <p:cNvSpPr>
+            <a:spLocks noGrp="1"/>
+          </p:cNvSpPr>
+          <p:nvPr>
+            <p:ph type="title"/>
+          </p:nvPr>
+        </p:nvSpPr>
+        <p:spPr>
+          <a:xfrm>
+            <a:off x="381000" y="685800"/>
+            <a:ext cx="7045036" cy="731838"/>
+          </a:xfrm>
+        </p:spPr>
+        <p:txBody>
+          <a:bodyPr/>
+          <a:lstStyle/>
+          <a:p>
+            <a:pPr algn="l"/>
+            <a:r>
+              <a:rPr lang="en-US" sz="3200" b="1" dirty="0">
+                <a:solidFill>
+                  <a:srgbClr val="13294B"/>
+                </a:solidFill>
+                <a:latin typeface="Helvetica" pitchFamily="2" charset="0"/>
+                <a:ea typeface="Georgia" charset="0"/>
+                <a:cs typeface="Georgia" charset="0"/>
+              </a:rPr>
+              <a:t>Conclusions</a:t>
+            </a:r>
+            <a:endParaRPr lang="en-US" sz="3200" dirty="0">
+              <a:solidFill>
+                <a:srgbClr val="13294B"/>
+              </a:solidFill>
+              <a:latin typeface="Helvetica" pitchFamily="2" charset="0"/>
+            </a:endParaRPr>
+          </a:p>
+        </p:txBody>
+      </p:sp>
+      <p:sp>
+        <p:nvSpPr>
+          <p:cNvPr id="8" name="TextBox 7">
+            <a:extLst>
+              <a:ext uri="{FF2B5EF4-FFF2-40B4-BE49-F238E27FC236}">
+                <a16:creationId xmlns:a16="http://schemas.microsoft.com/office/drawing/2014/main" id="{BB61DE4D-D6A8-354B-85CE-40952730020D}"/>
+              </a:ext>
+            </a:extLst>
+          </p:cNvPr>
+          <p:cNvSpPr txBox="1"/>
+          <p:nvPr/>
+        </p:nvSpPr>
+        <p:spPr>
+          <a:xfrm>
+            <a:off x="381000" y="347246"/>
+            <a:ext cx="1855763" cy="338554"/>
+          </a:xfrm>
+          <a:prstGeom prst="rect">
+            <a:avLst/>
+          </a:prstGeom>
+          <a:noFill/>
+        </p:spPr>
+        <p:txBody>
+          <a:bodyPr wrap="square" rtlCol="0">
+            <a:spAutoFit/>
+          </a:bodyPr>
+          <a:lstStyle/>
+          <a:p>
+            <a:r>
+              <a:rPr lang="en-US" sz="1600" dirty="0">
+                <a:latin typeface="Helvetica" pitchFamily="2" charset="0"/>
+              </a:rPr>
+              <a:t>Conclusions</a:t>
+            </a:r>
+          </a:p>
+        </p:txBody>
+      </p:sp>
+      <p:sp>
+        <p:nvSpPr>
+          <p:cNvPr id="9" name="Content Placeholder 2">
+            <a:extLst>
+              <a:ext uri="{FF2B5EF4-FFF2-40B4-BE49-F238E27FC236}">
+                <a16:creationId xmlns:a16="http://schemas.microsoft.com/office/drawing/2014/main" id="{4D125D08-68CA-FA48-98C2-E14CCDFFF197}"/>
+              </a:ext>
+            </a:extLst>
+          </p:cNvPr>
+          <p:cNvSpPr>
+            <a:spLocks noGrp="1"/>
+          </p:cNvSpPr>
+          <p:nvPr>
+            <p:ph idx="1"/>
+          </p:nvPr>
+        </p:nvSpPr>
+        <p:spPr>
+          <a:xfrm>
+            <a:off x="380999" y="1309500"/>
+            <a:ext cx="7679267" cy="4338781"/>
+          </a:xfrm>
+        </p:spPr>
+        <p:txBody>
+          <a:bodyPr/>
+          <a:lstStyle/>
+          <a:p>
+            <a:pPr>
+              <a:buFont typeface="Wingdings" pitchFamily="2" charset="2"/>
+              <a:buChar char="v"/>
+            </a:pPr>
+            <a:endParaRPr lang="en-US" sz="2000" dirty="0">
+              <a:latin typeface="Helvetica" pitchFamily="2" charset="0"/>
+            </a:endParaRPr>
+          </a:p>
+          <a:p>
+            <a:pPr>
+              <a:buFont typeface="Wingdings" pitchFamily="2" charset="2"/>
+              <a:buChar char="v"/>
+            </a:pPr>
+            <a:endParaRPr lang="en-US" sz="2000" dirty="0">
+              <a:latin typeface="Helvetica" pitchFamily="2" charset="0"/>
+            </a:endParaRPr>
+          </a:p>
+          <a:p>
+            <a:pPr>
+              <a:buFont typeface="Wingdings" pitchFamily="2" charset="2"/>
+              <a:buChar char="v"/>
+            </a:pPr>
+            <a:endParaRPr lang="en-US" sz="2000" dirty="0">
+              <a:latin typeface="Helvetica" pitchFamily="2" charset="0"/>
+            </a:endParaRPr>
+          </a:p>
+        </p:txBody>
+      </p:sp>
+      <p:sp>
+        <p:nvSpPr>
+          <p:cNvPr id="2" name="Rectangle 1">
+            <a:extLst>
+              <a:ext uri="{FF2B5EF4-FFF2-40B4-BE49-F238E27FC236}">
+                <a16:creationId xmlns:a16="http://schemas.microsoft.com/office/drawing/2014/main" id="{2F59F0D5-B012-A545-BE13-6428268C19DD}"/>
+              </a:ext>
+            </a:extLst>
+          </p:cNvPr>
+          <p:cNvSpPr/>
+          <p:nvPr/>
+        </p:nvSpPr>
+        <p:spPr>
+          <a:xfrm>
+            <a:off x="381000" y="1397675"/>
+            <a:ext cx="7871178" cy="1938992"/>
+          </a:xfrm>
+          <a:prstGeom prst="rect">
+            <a:avLst/>
+          </a:prstGeom>
+        </p:spPr>
+        <p:txBody>
+          <a:bodyPr wrap="square">
+            <a:spAutoFit/>
+          </a:bodyPr>
+          <a:lstStyle/>
+          <a:p>
+            <a:pPr>
+              <a:buFont typeface="Wingdings" pitchFamily="2" charset="2"/>
+              <a:buChar char="v"/>
+            </a:pPr>
+            <a:r>
+              <a:rPr lang="en-US" sz="2000" b="1" dirty="0">
+                <a:latin typeface="Helvetica" pitchFamily="2" charset="0"/>
+              </a:rPr>
+              <a:t>Demand driven deployment capabilities in Cyclus </a:t>
+            </a:r>
+            <a:r>
+              <a:rPr lang="en-US" sz="2000" dirty="0">
+                <a:latin typeface="Helvetica" pitchFamily="2" charset="0"/>
+              </a:rPr>
+              <a:t>are important to automate setting up of transition scenarios.</a:t>
+            </a:r>
+          </a:p>
+          <a:p>
+            <a:pPr>
+              <a:buFont typeface="Wingdings" pitchFamily="2" charset="2"/>
+              <a:buChar char="v"/>
+            </a:pPr>
+            <a:endParaRPr lang="en-US" sz="2000" b="1" dirty="0">
+              <a:latin typeface="Helvetica" pitchFamily="2" charset="0"/>
+            </a:endParaRPr>
+          </a:p>
+          <a:p>
+            <a:pPr>
+              <a:buFont typeface="Wingdings" pitchFamily="2" charset="2"/>
+              <a:buChar char="v"/>
+            </a:pPr>
+            <a:r>
+              <a:rPr lang="en-US" sz="2000" b="1" dirty="0">
+                <a:latin typeface="Helvetica" pitchFamily="2" charset="0"/>
+              </a:rPr>
+              <a:t>Future Work:</a:t>
+            </a:r>
+            <a:r>
+              <a:rPr lang="en-US" sz="2000" dirty="0">
+                <a:latin typeface="Helvetica" pitchFamily="2" charset="0"/>
+              </a:rPr>
+              <a:t> Similar power demand transition scenarios extended to include more nuclear fuel cycle facilities such as reprocessing facilities etc. </a:t>
+            </a:r>
+          </a:p>
+        </p:txBody>
+      </p:sp>
+    </p:spTree>
+    <p:extLst>
+      <p:ext uri="{BB962C8B-B14F-4D97-AF65-F5344CB8AC3E}">
+        <p14:creationId xmlns:p14="http://schemas.microsoft.com/office/powerpoint/2010/main" val="4115818028"/>
+      </p:ext>
+    </p:extLst>
+  </p:cSld>
+  <p:clrMapOvr>
+    <a:masterClrMapping/>
+  </p:clrMapOvr>
+</p:sld>
+</file>
+
+<file path=ppt/slides/slide19.xml><?xml version="1.0" encoding="utf-8"?>
+<p:sld xmlns:a="http://schemas.openxmlformats.org/drawingml/2006/main" xmlns:r="http://schemas.openxmlformats.org/officeDocument/2006/relationships" xmlns:p="http://schemas.openxmlformats.org/presentationml/2006/main">
+  <p:cSld>
+    <p:spTree>
+      <p:nvGrpSpPr>
+        <p:cNvPr id="1" name=""/>
+        <p:cNvGrpSpPr/>
+        <p:nvPr/>
+      </p:nvGrpSpPr>
+      <p:grpSpPr>
+        <a:xfrm>
+          <a:off x="0" y="0"/>
+          <a:ext cx="0" cy="0"/>
+          <a:chOff x="0" y="0"/>
+          <a:chExt cx="0" cy="0"/>
+        </a:xfrm>
+      </p:grpSpPr>
+      <p:sp>
+        <p:nvSpPr>
+          <p:cNvPr id="6" name="Title 1"/>
+          <p:cNvSpPr>
+            <a:spLocks noGrp="1"/>
+          </p:cNvSpPr>
+          <p:nvPr>
+            <p:ph type="title"/>
+          </p:nvPr>
+        </p:nvSpPr>
+        <p:spPr>
+          <a:xfrm>
             <a:off x="381000" y="604157"/>
             <a:ext cx="7045036" cy="813480"/>
           </a:xfrm>
@@ -11374,7 +12686,1038 @@
                 </a:solidFill>
                 <a:latin typeface="Helvetica" pitchFamily="2" charset="0"/>
               </a:rPr>
-              <a:t>Acknowledgements</a:t>
+              <a:t>References</a:t>
+            </a:r>
+          </a:p>
+        </p:txBody>
+      </p:sp>
+      <p:sp>
+        <p:nvSpPr>
+          <p:cNvPr id="8" name="Content Placeholder 2">
+            <a:extLst>
+              <a:ext uri="{FF2B5EF4-FFF2-40B4-BE49-F238E27FC236}">
+                <a16:creationId xmlns:a16="http://schemas.microsoft.com/office/drawing/2014/main" id="{35F3430D-298C-1444-B514-51C1D4EDAF39}"/>
+              </a:ext>
+            </a:extLst>
+          </p:cNvPr>
+          <p:cNvSpPr>
+            <a:spLocks noGrp="1"/>
+          </p:cNvSpPr>
+          <p:nvPr>
+            <p:ph idx="1"/>
+          </p:nvPr>
+        </p:nvSpPr>
+        <p:spPr>
+          <a:xfrm>
+            <a:off x="381000" y="1316717"/>
+            <a:ext cx="7538357" cy="5329012"/>
+          </a:xfrm>
+        </p:spPr>
+        <p:txBody>
+          <a:bodyPr/>
+          <a:lstStyle/>
+          <a:p>
+            <a:pPr marL="0" indent="0">
+              <a:buNone/>
+            </a:pPr>
+            <a:r>
+              <a:rPr lang="en-US" sz="1500" dirty="0">
+                <a:latin typeface="Helvetica" pitchFamily="2" charset="0"/>
+              </a:rPr>
+              <a:t>[1]: K. D. HUFF, M. J. GIDDEN, R. W. CARLSEN, R. R. FLANAGAN, M. B. </a:t>
+            </a:r>
+          </a:p>
+          <a:p>
+            <a:pPr marL="0" indent="0">
+              <a:buNone/>
+            </a:pPr>
+            <a:r>
+              <a:rPr lang="en-US" sz="1500" dirty="0">
+                <a:latin typeface="Helvetica" pitchFamily="2" charset="0"/>
+              </a:rPr>
+              <a:t>       MCGARRY, A. C. OPOTOWSKY, E. A. SCHNEIDER, A. M. SCOPATZ, and </a:t>
+            </a:r>
+          </a:p>
+          <a:p>
+            <a:pPr marL="0" indent="0">
+              <a:buNone/>
+            </a:pPr>
+            <a:r>
+              <a:rPr lang="en-US" sz="1500" dirty="0">
+                <a:latin typeface="Helvetica" pitchFamily="2" charset="0"/>
+              </a:rPr>
+              <a:t>       P. P. H. WILSON, “Fundamental concepts in the Cyclus nuclear fuel cycle </a:t>
+            </a:r>
+          </a:p>
+          <a:p>
+            <a:pPr marL="0" indent="0">
+              <a:buNone/>
+            </a:pPr>
+            <a:r>
+              <a:rPr lang="en-US" sz="1500" dirty="0">
+                <a:latin typeface="Helvetica" pitchFamily="2" charset="0"/>
+              </a:rPr>
+              <a:t>       simulation framework,” Advances in Engineering Software, 94, 46–59 (Apr. </a:t>
+            </a:r>
+          </a:p>
+          <a:p>
+            <a:pPr marL="0" indent="0">
+              <a:buNone/>
+            </a:pPr>
+            <a:r>
+              <a:rPr lang="en-US" sz="1500" dirty="0">
+                <a:latin typeface="Helvetica" pitchFamily="2" charset="0"/>
+              </a:rPr>
+              <a:t>       2016).</a:t>
+            </a:r>
+          </a:p>
+        </p:txBody>
+      </p:sp>
+    </p:spTree>
+    <p:extLst>
+      <p:ext uri="{BB962C8B-B14F-4D97-AF65-F5344CB8AC3E}">
+        <p14:creationId xmlns:p14="http://schemas.microsoft.com/office/powerpoint/2010/main" val="2362967592"/>
+      </p:ext>
+    </p:extLst>
+  </p:cSld>
+  <p:clrMapOvr>
+    <a:masterClrMapping/>
+  </p:clrMapOvr>
+</p:sld>
+</file>
+
+<file path=ppt/slides/slide2.xml><?xml version="1.0" encoding="utf-8"?>
+<p:sld xmlns:a="http://schemas.openxmlformats.org/drawingml/2006/main" xmlns:r="http://schemas.openxmlformats.org/officeDocument/2006/relationships" xmlns:p="http://schemas.openxmlformats.org/presentationml/2006/main">
+  <p:cSld>
+    <p:spTree>
+      <p:nvGrpSpPr>
+        <p:cNvPr id="1" name=""/>
+        <p:cNvGrpSpPr/>
+        <p:nvPr/>
+      </p:nvGrpSpPr>
+      <p:grpSpPr>
+        <a:xfrm>
+          <a:off x="0" y="0"/>
+          <a:ext cx="0" cy="0"/>
+          <a:chOff x="0" y="0"/>
+          <a:chExt cx="0" cy="0"/>
+        </a:xfrm>
+      </p:grpSpPr>
+      <p:sp>
+        <p:nvSpPr>
+          <p:cNvPr id="6" name="Title 1"/>
+          <p:cNvSpPr>
+            <a:spLocks noGrp="1"/>
+          </p:cNvSpPr>
+          <p:nvPr>
+            <p:ph type="title"/>
+          </p:nvPr>
+        </p:nvSpPr>
+        <p:spPr>
+          <a:xfrm>
+            <a:off x="381000" y="604157"/>
+            <a:ext cx="7045036" cy="813480"/>
+          </a:xfrm>
+        </p:spPr>
+        <p:txBody>
+          <a:bodyPr/>
+          <a:lstStyle/>
+          <a:p>
+            <a:pPr algn="l"/>
+            <a:r>
+              <a:rPr lang="en-US" sz="3300" b="1" dirty="0">
+                <a:solidFill>
+                  <a:srgbClr val="13294B"/>
+                </a:solidFill>
+                <a:latin typeface="Helvetica" pitchFamily="2" charset="0"/>
+              </a:rPr>
+              <a:t>C</a:t>
+            </a:r>
+            <a:r>
+              <a:rPr lang="en-US" sz="2800" b="1" dirty="0">
+                <a:solidFill>
+                  <a:srgbClr val="13294B"/>
+                </a:solidFill>
+                <a:latin typeface="Helvetica" pitchFamily="2" charset="0"/>
+              </a:rPr>
+              <a:t>YCLUS</a:t>
+            </a:r>
+            <a:endParaRPr lang="en-US" sz="3200" b="1" dirty="0">
+              <a:solidFill>
+                <a:srgbClr val="13294B"/>
+              </a:solidFill>
+              <a:latin typeface="Helvetica" pitchFamily="2" charset="0"/>
+            </a:endParaRPr>
+          </a:p>
+        </p:txBody>
+      </p:sp>
+      <p:sp>
+        <p:nvSpPr>
+          <p:cNvPr id="7" name="Content Placeholder 2"/>
+          <p:cNvSpPr>
+            <a:spLocks noGrp="1"/>
+          </p:cNvSpPr>
+          <p:nvPr>
+            <p:ph idx="1"/>
+          </p:nvPr>
+        </p:nvSpPr>
+        <p:spPr>
+          <a:xfrm>
+            <a:off x="381000" y="1309500"/>
+            <a:ext cx="7045036" cy="4338781"/>
+          </a:xfrm>
+        </p:spPr>
+        <p:txBody>
+          <a:bodyPr/>
+          <a:lstStyle/>
+          <a:p>
+            <a:pPr>
+              <a:buFont typeface="Wingdings" pitchFamily="2" charset="2"/>
+              <a:buChar char="v"/>
+            </a:pPr>
+            <a:r>
+              <a:rPr lang="en-US" sz="2000" dirty="0">
+                <a:latin typeface="Helvetica" pitchFamily="2" charset="0"/>
+              </a:rPr>
+              <a:t>Agent-based framework [1]</a:t>
+            </a:r>
+          </a:p>
+          <a:p>
+            <a:pPr>
+              <a:buFont typeface="Wingdings" pitchFamily="2" charset="2"/>
+              <a:buChar char="v"/>
+            </a:pPr>
+            <a:r>
+              <a:rPr lang="en-US" sz="2000" dirty="0">
+                <a:latin typeface="Helvetica" pitchFamily="2" charset="0"/>
+              </a:rPr>
+              <a:t>Agent types: facilities, institutions, and regions </a:t>
+            </a:r>
+          </a:p>
+          <a:p>
+            <a:pPr>
+              <a:buFont typeface="Wingdings" pitchFamily="2" charset="2"/>
+              <a:buChar char="v"/>
+            </a:pPr>
+            <a:r>
+              <a:rPr lang="en-US" sz="2000" dirty="0">
+                <a:latin typeface="Helvetica" pitchFamily="2" charset="0"/>
+              </a:rPr>
+              <a:t>Compatible with plug-in libraries </a:t>
+            </a:r>
+          </a:p>
+          <a:p>
+            <a:pPr>
+              <a:buFont typeface="Wingdings" pitchFamily="2" charset="2"/>
+              <a:buChar char="v"/>
+            </a:pPr>
+            <a:r>
+              <a:rPr lang="en-US" sz="2000" dirty="0">
+                <a:latin typeface="Helvetica" pitchFamily="2" charset="0"/>
+              </a:rPr>
+              <a:t>Gives users ability to customize agents</a:t>
+            </a:r>
+          </a:p>
+          <a:p>
+            <a:pPr>
+              <a:buFont typeface="Wingdings" pitchFamily="2" charset="2"/>
+              <a:buChar char="v"/>
+            </a:pPr>
+            <a:endParaRPr lang="en-US" sz="2000" dirty="0">
+              <a:latin typeface="Helvetica" pitchFamily="2" charset="0"/>
+            </a:endParaRPr>
+          </a:p>
+          <a:p>
+            <a:pPr>
+              <a:buFont typeface="Wingdings" pitchFamily="2" charset="2"/>
+              <a:buChar char="v"/>
+            </a:pPr>
+            <a:endParaRPr lang="en-US" sz="2000" dirty="0">
+              <a:latin typeface="Helvetica" pitchFamily="2" charset="0"/>
+            </a:endParaRPr>
+          </a:p>
+        </p:txBody>
+      </p:sp>
+      <p:sp>
+        <p:nvSpPr>
+          <p:cNvPr id="4" name="TextBox 3">
+            <a:extLst>
+              <a:ext uri="{FF2B5EF4-FFF2-40B4-BE49-F238E27FC236}">
+                <a16:creationId xmlns:a16="http://schemas.microsoft.com/office/drawing/2014/main" id="{FAFD1F58-23B3-4649-B923-7A8C29C68D54}"/>
+              </a:ext>
+            </a:extLst>
+          </p:cNvPr>
+          <p:cNvSpPr txBox="1"/>
+          <p:nvPr/>
+        </p:nvSpPr>
+        <p:spPr>
+          <a:xfrm>
+            <a:off x="341861" y="265603"/>
+            <a:ext cx="1337441" cy="338554"/>
+          </a:xfrm>
+          <a:prstGeom prst="rect">
+            <a:avLst/>
+          </a:prstGeom>
+          <a:noFill/>
+        </p:spPr>
+        <p:txBody>
+          <a:bodyPr wrap="square" rtlCol="0">
+            <a:spAutoFit/>
+          </a:bodyPr>
+          <a:lstStyle/>
+          <a:p>
+            <a:pPr algn="ctr"/>
+            <a:r>
+              <a:rPr lang="en-US" sz="1600" dirty="0">
+                <a:latin typeface="Helvetica" pitchFamily="2" charset="0"/>
+              </a:rPr>
+              <a:t>Background</a:t>
+            </a:r>
+          </a:p>
+        </p:txBody>
+      </p:sp>
+      <p:pic>
+        <p:nvPicPr>
+          <p:cNvPr id="8" name="Picture 7">
+            <a:extLst>
+              <a:ext uri="{FF2B5EF4-FFF2-40B4-BE49-F238E27FC236}">
+                <a16:creationId xmlns:a16="http://schemas.microsoft.com/office/drawing/2014/main" id="{C6C4E3EF-4F24-464C-80FF-2878C8C462EF}"/>
+              </a:ext>
+            </a:extLst>
+          </p:cNvPr>
+          <p:cNvPicPr>
+            <a:picLocks noChangeAspect="1"/>
+          </p:cNvPicPr>
+          <p:nvPr/>
+        </p:nvPicPr>
+        <p:blipFill>
+          <a:blip r:embed="rId3"/>
+          <a:stretch>
+            <a:fillRect/>
+          </a:stretch>
+        </p:blipFill>
+        <p:spPr>
+          <a:xfrm>
+            <a:off x="4673320" y="444135"/>
+            <a:ext cx="2752716" cy="942711"/>
+          </a:xfrm>
+          <a:prstGeom prst="rect">
+            <a:avLst/>
+          </a:prstGeom>
+        </p:spPr>
+      </p:pic>
+      <p:pic>
+        <p:nvPicPr>
+          <p:cNvPr id="3" name="Picture 2">
+            <a:extLst>
+              <a:ext uri="{FF2B5EF4-FFF2-40B4-BE49-F238E27FC236}">
+                <a16:creationId xmlns:a16="http://schemas.microsoft.com/office/drawing/2014/main" id="{68306AFE-7EE9-5249-B435-4B0EAB60E375}"/>
+              </a:ext>
+            </a:extLst>
+          </p:cNvPr>
+          <p:cNvPicPr>
+            <a:picLocks noChangeAspect="1"/>
+          </p:cNvPicPr>
+          <p:nvPr/>
+        </p:nvPicPr>
+        <p:blipFill>
+          <a:blip r:embed="rId4"/>
+          <a:stretch>
+            <a:fillRect/>
+          </a:stretch>
+        </p:blipFill>
+        <p:spPr>
+          <a:xfrm>
+            <a:off x="2080871" y="3174594"/>
+            <a:ext cx="3907223" cy="3040530"/>
+          </a:xfrm>
+          <a:prstGeom prst="rect">
+            <a:avLst/>
+          </a:prstGeom>
+        </p:spPr>
+      </p:pic>
+      <p:sp>
+        <p:nvSpPr>
+          <p:cNvPr id="9" name="TextBox 8">
+            <a:extLst>
+              <a:ext uri="{FF2B5EF4-FFF2-40B4-BE49-F238E27FC236}">
+                <a16:creationId xmlns:a16="http://schemas.microsoft.com/office/drawing/2014/main" id="{4BC6E76E-E64E-7E4A-A277-E21BCABD4B11}"/>
+              </a:ext>
+            </a:extLst>
+          </p:cNvPr>
+          <p:cNvSpPr txBox="1"/>
+          <p:nvPr/>
+        </p:nvSpPr>
+        <p:spPr>
+          <a:xfrm>
+            <a:off x="2334885" y="6215124"/>
+            <a:ext cx="3399196" cy="276999"/>
+          </a:xfrm>
+          <a:prstGeom prst="rect">
+            <a:avLst/>
+          </a:prstGeom>
+          <a:noFill/>
+        </p:spPr>
+        <p:txBody>
+          <a:bodyPr wrap="square" rtlCol="0">
+            <a:spAutoFit/>
+          </a:bodyPr>
+          <a:lstStyle/>
+          <a:p>
+            <a:r>
+              <a:rPr lang="en-US" sz="1200" dirty="0">
+                <a:latin typeface="Helvetica" pitchFamily="2" charset="0"/>
+              </a:rPr>
+              <a:t>Figure 1: Cyclus has a modular architecture [1]</a:t>
+            </a:r>
+          </a:p>
+        </p:txBody>
+      </p:sp>
+    </p:spTree>
+    <p:extLst>
+      <p:ext uri="{BB962C8B-B14F-4D97-AF65-F5344CB8AC3E}">
+        <p14:creationId xmlns:p14="http://schemas.microsoft.com/office/powerpoint/2010/main" val="4119992080"/>
+      </p:ext>
+    </p:extLst>
+  </p:cSld>
+  <p:clrMapOvr>
+    <a:masterClrMapping/>
+  </p:clrMapOvr>
+</p:sld>
+</file>
+
+<file path=ppt/slides/slide20.xml><?xml version="1.0" encoding="utf-8"?>
+<p:sld xmlns:a="http://schemas.openxmlformats.org/drawingml/2006/main" xmlns:r="http://schemas.openxmlformats.org/officeDocument/2006/relationships" xmlns:p="http://schemas.openxmlformats.org/presentationml/2006/main">
+  <p:cSld>
+    <p:spTree>
+      <p:nvGrpSpPr>
+        <p:cNvPr id="1" name=""/>
+        <p:cNvGrpSpPr/>
+        <p:nvPr/>
+      </p:nvGrpSpPr>
+      <p:grpSpPr>
+        <a:xfrm>
+          <a:off x="0" y="0"/>
+          <a:ext cx="0" cy="0"/>
+          <a:chOff x="0" y="0"/>
+          <a:chExt cx="0" cy="0"/>
+        </a:xfrm>
+      </p:grpSpPr>
+      <p:sp>
+        <p:nvSpPr>
+          <p:cNvPr id="8" name="Title 1"/>
+          <p:cNvSpPr>
+            <a:spLocks noGrp="1"/>
+          </p:cNvSpPr>
+          <p:nvPr>
+            <p:ph type="title" idx="4294967295"/>
+          </p:nvPr>
+        </p:nvSpPr>
+        <p:spPr>
+          <a:xfrm>
+            <a:off x="1379868" y="1086450"/>
+            <a:ext cx="6490504" cy="2260907"/>
+          </a:xfrm>
+          <a:prstGeom prst="rect">
+            <a:avLst/>
+          </a:prstGeom>
+        </p:spPr>
+        <p:txBody>
+          <a:bodyPr/>
+          <a:lstStyle/>
+          <a:p>
+            <a:r>
+              <a:rPr lang="en-US" sz="4500" b="1" dirty="0">
+                <a:solidFill>
+                  <a:srgbClr val="13294B"/>
+                </a:solidFill>
+                <a:latin typeface="Helvetica" pitchFamily="2" charset="0"/>
+                <a:ea typeface="Georgia" charset="0"/>
+                <a:cs typeface="Georgia" charset="0"/>
+              </a:rPr>
+              <a:t>Thank You </a:t>
+            </a:r>
+            <a:br>
+              <a:rPr lang="en-US" sz="4500" b="1" dirty="0">
+                <a:solidFill>
+                  <a:srgbClr val="13294B"/>
+                </a:solidFill>
+                <a:latin typeface="Helvetica" pitchFamily="2" charset="0"/>
+                <a:ea typeface="Georgia" charset="0"/>
+                <a:cs typeface="Georgia" charset="0"/>
+              </a:rPr>
+            </a:br>
+            <a:br>
+              <a:rPr lang="en-US" sz="4500" b="1" dirty="0">
+                <a:solidFill>
+                  <a:srgbClr val="13294B"/>
+                </a:solidFill>
+                <a:latin typeface="Helvetica" pitchFamily="2" charset="0"/>
+                <a:ea typeface="Georgia" charset="0"/>
+                <a:cs typeface="Georgia" charset="0"/>
+              </a:rPr>
+            </a:br>
+            <a:r>
+              <a:rPr lang="en-US" sz="4500" b="1" dirty="0">
+                <a:solidFill>
+                  <a:srgbClr val="13294B"/>
+                </a:solidFill>
+                <a:latin typeface="Helvetica" pitchFamily="2" charset="0"/>
+                <a:ea typeface="Georgia" charset="0"/>
+                <a:cs typeface="Georgia" charset="0"/>
+              </a:rPr>
+              <a:t>Any Questions?</a:t>
+            </a:r>
+          </a:p>
+        </p:txBody>
+      </p:sp>
+    </p:spTree>
+    <p:extLst>
+      <p:ext uri="{BB962C8B-B14F-4D97-AF65-F5344CB8AC3E}">
+        <p14:creationId xmlns:p14="http://schemas.microsoft.com/office/powerpoint/2010/main" val="1665831182"/>
+      </p:ext>
+    </p:extLst>
+  </p:cSld>
+  <p:clrMapOvr>
+    <a:masterClrMapping/>
+  </p:clrMapOvr>
+</p:sld>
+</file>
+
+<file path=ppt/slides/slide3.xml><?xml version="1.0" encoding="utf-8"?>
+<p:sld xmlns:a="http://schemas.openxmlformats.org/drawingml/2006/main" xmlns:r="http://schemas.openxmlformats.org/officeDocument/2006/relationships" xmlns:p="http://schemas.openxmlformats.org/presentationml/2006/main">
+  <p:cSld>
+    <p:spTree>
+      <p:nvGrpSpPr>
+        <p:cNvPr id="1" name=""/>
+        <p:cNvGrpSpPr/>
+        <p:nvPr/>
+      </p:nvGrpSpPr>
+      <p:grpSpPr>
+        <a:xfrm>
+          <a:off x="0" y="0"/>
+          <a:ext cx="0" cy="0"/>
+          <a:chOff x="0" y="0"/>
+          <a:chExt cx="0" cy="0"/>
+        </a:xfrm>
+      </p:grpSpPr>
+      <p:sp>
+        <p:nvSpPr>
+          <p:cNvPr id="6" name="Title 1"/>
+          <p:cNvSpPr>
+            <a:spLocks noGrp="1"/>
+          </p:cNvSpPr>
+          <p:nvPr>
+            <p:ph type="title"/>
+          </p:nvPr>
+        </p:nvSpPr>
+        <p:spPr>
+          <a:xfrm>
+            <a:off x="381000" y="604157"/>
+            <a:ext cx="7045036" cy="813480"/>
+          </a:xfrm>
+        </p:spPr>
+        <p:txBody>
+          <a:bodyPr/>
+          <a:lstStyle/>
+          <a:p>
+            <a:pPr algn="l"/>
+            <a:r>
+              <a:rPr lang="en-US" sz="4000" b="1" dirty="0">
+                <a:solidFill>
+                  <a:srgbClr val="13294B"/>
+                </a:solidFill>
+                <a:latin typeface="Helvetica" pitchFamily="2" charset="0"/>
+              </a:rPr>
+              <a:t>C</a:t>
+            </a:r>
+            <a:r>
+              <a:rPr lang="en-US" sz="3200" b="1" dirty="0">
+                <a:solidFill>
+                  <a:srgbClr val="13294B"/>
+                </a:solidFill>
+                <a:latin typeface="Helvetica" pitchFamily="2" charset="0"/>
+              </a:rPr>
+              <a:t>YCLUS</a:t>
+            </a:r>
+          </a:p>
+        </p:txBody>
+      </p:sp>
+      <p:graphicFrame>
+        <p:nvGraphicFramePr>
+          <p:cNvPr id="3" name="Diagram 2">
+            <a:extLst>
+              <a:ext uri="{FF2B5EF4-FFF2-40B4-BE49-F238E27FC236}">
+                <a16:creationId xmlns:a16="http://schemas.microsoft.com/office/drawing/2014/main" id="{6E315507-0F2D-D443-BB5C-7ACB723A81FB}"/>
+              </a:ext>
+            </a:extLst>
+          </p:cNvPr>
+          <p:cNvGraphicFramePr/>
+          <p:nvPr>
+            <p:extLst/>
+          </p:nvPr>
+        </p:nvGraphicFramePr>
+        <p:xfrm>
+          <a:off x="1174603" y="4816657"/>
+          <a:ext cx="6096000" cy="1166586"/>
+        </p:xfrm>
+        <a:graphic>
+          <a:graphicData uri="http://schemas.openxmlformats.org/drawingml/2006/diagram">
+            <dgm:relIds xmlns:dgm="http://schemas.openxmlformats.org/drawingml/2006/diagram" xmlns:r="http://schemas.openxmlformats.org/officeDocument/2006/relationships" r:dm="rId3" r:lo="rId4" r:qs="rId5" r:cs="rId6"/>
+          </a:graphicData>
+        </a:graphic>
+      </p:graphicFrame>
+      <p:cxnSp>
+        <p:nvCxnSpPr>
+          <p:cNvPr id="5" name="Straight Arrow Connector 4">
+            <a:extLst>
+              <a:ext uri="{FF2B5EF4-FFF2-40B4-BE49-F238E27FC236}">
+                <a16:creationId xmlns:a16="http://schemas.microsoft.com/office/drawing/2014/main" id="{2013996F-559D-B442-9A09-762390378854}"/>
+              </a:ext>
+            </a:extLst>
+          </p:cNvPr>
+          <p:cNvCxnSpPr>
+            <a:cxnSpLocks/>
+          </p:cNvCxnSpPr>
+          <p:nvPr/>
+        </p:nvCxnSpPr>
+        <p:spPr>
+          <a:xfrm>
+            <a:off x="5089552" y="4684187"/>
+            <a:ext cx="0" cy="198120"/>
+          </a:xfrm>
+          <a:prstGeom prst="straightConnector1">
+            <a:avLst/>
+          </a:prstGeom>
+          <a:ln>
+            <a:tailEnd type="triangle"/>
+          </a:ln>
+        </p:spPr>
+        <p:style>
+          <a:lnRef idx="2">
+            <a:schemeClr val="accent1"/>
+          </a:lnRef>
+          <a:fillRef idx="0">
+            <a:schemeClr val="accent1"/>
+          </a:fillRef>
+          <a:effectRef idx="1">
+            <a:schemeClr val="accent1"/>
+          </a:effectRef>
+          <a:fontRef idx="minor">
+            <a:schemeClr val="tx1"/>
+          </a:fontRef>
+        </p:style>
+      </p:cxnSp>
+      <p:sp>
+        <p:nvSpPr>
+          <p:cNvPr id="33" name="TextBox 32">
+            <a:extLst>
+              <a:ext uri="{FF2B5EF4-FFF2-40B4-BE49-F238E27FC236}">
+                <a16:creationId xmlns:a16="http://schemas.microsoft.com/office/drawing/2014/main" id="{FF008981-60F5-264D-9B58-456D3B2A76C0}"/>
+              </a:ext>
+            </a:extLst>
+          </p:cNvPr>
+          <p:cNvSpPr txBox="1"/>
+          <p:nvPr/>
+        </p:nvSpPr>
+        <p:spPr>
+          <a:xfrm>
+            <a:off x="4089086" y="4160967"/>
+            <a:ext cx="1949891" cy="523220"/>
+          </a:xfrm>
+          <a:prstGeom prst="rect">
+            <a:avLst/>
+          </a:prstGeom>
+          <a:noFill/>
+        </p:spPr>
+        <p:txBody>
+          <a:bodyPr wrap="square" rtlCol="0">
+            <a:spAutoFit/>
+          </a:bodyPr>
+          <a:lstStyle/>
+          <a:p>
+            <a:pPr algn="ctr"/>
+            <a:r>
+              <a:rPr lang="en-US" sz="1400" dirty="0">
+                <a:latin typeface="Helvetica" pitchFamily="2" charset="0"/>
+              </a:rPr>
+              <a:t>Energy demand growth: 1% / year</a:t>
+            </a:r>
+          </a:p>
+        </p:txBody>
+      </p:sp>
+      <p:sp>
+        <p:nvSpPr>
+          <p:cNvPr id="34" name="TextBox 33">
+            <a:extLst>
+              <a:ext uri="{FF2B5EF4-FFF2-40B4-BE49-F238E27FC236}">
+                <a16:creationId xmlns:a16="http://schemas.microsoft.com/office/drawing/2014/main" id="{73BBB69D-5E5A-DC42-9780-2E2AA2E2A209}"/>
+              </a:ext>
+            </a:extLst>
+          </p:cNvPr>
+          <p:cNvSpPr txBox="1"/>
+          <p:nvPr/>
+        </p:nvSpPr>
+        <p:spPr>
+          <a:xfrm>
+            <a:off x="381000" y="294684"/>
+            <a:ext cx="1337441" cy="338554"/>
+          </a:xfrm>
+          <a:prstGeom prst="rect">
+            <a:avLst/>
+          </a:prstGeom>
+          <a:noFill/>
+        </p:spPr>
+        <p:txBody>
+          <a:bodyPr wrap="square" rtlCol="0">
+            <a:spAutoFit/>
+          </a:bodyPr>
+          <a:lstStyle/>
+          <a:p>
+            <a:pPr algn="ctr"/>
+            <a:r>
+              <a:rPr lang="en-US" sz="1600" dirty="0">
+                <a:latin typeface="Helvetica" pitchFamily="2" charset="0"/>
+              </a:rPr>
+              <a:t>Background</a:t>
+            </a:r>
+          </a:p>
+        </p:txBody>
+      </p:sp>
+      <p:graphicFrame>
+        <p:nvGraphicFramePr>
+          <p:cNvPr id="28" name="Diagram 27">
+            <a:extLst>
+              <a:ext uri="{FF2B5EF4-FFF2-40B4-BE49-F238E27FC236}">
+                <a16:creationId xmlns:a16="http://schemas.microsoft.com/office/drawing/2014/main" id="{E54FC53C-D0DE-5946-B92B-AF4F0287F571}"/>
+              </a:ext>
+            </a:extLst>
+          </p:cNvPr>
+          <p:cNvGraphicFramePr/>
+          <p:nvPr>
+            <p:extLst/>
+          </p:nvPr>
+        </p:nvGraphicFramePr>
+        <p:xfrm>
+          <a:off x="1174603" y="1839846"/>
+          <a:ext cx="6096000" cy="1166586"/>
+        </p:xfrm>
+        <a:graphic>
+          <a:graphicData uri="http://schemas.openxmlformats.org/drawingml/2006/diagram">
+            <dgm:relIds xmlns:dgm="http://schemas.openxmlformats.org/drawingml/2006/diagram" xmlns:r="http://schemas.openxmlformats.org/officeDocument/2006/relationships" r:dm="rId8" r:lo="rId9" r:qs="rId10" r:cs="rId11"/>
+          </a:graphicData>
+        </a:graphic>
+      </p:graphicFrame>
+      <p:sp>
+        <p:nvSpPr>
+          <p:cNvPr id="32" name="Rectangle 31">
+            <a:extLst>
+              <a:ext uri="{FF2B5EF4-FFF2-40B4-BE49-F238E27FC236}">
+                <a16:creationId xmlns:a16="http://schemas.microsoft.com/office/drawing/2014/main" id="{674BE9D7-1F7A-7345-90B9-168FD44BC065}"/>
+              </a:ext>
+            </a:extLst>
+          </p:cNvPr>
+          <p:cNvSpPr/>
+          <p:nvPr/>
+        </p:nvSpPr>
+        <p:spPr>
+          <a:xfrm>
+            <a:off x="3976246" y="1808760"/>
+            <a:ext cx="591829" cy="523220"/>
+          </a:xfrm>
+          <a:prstGeom prst="rect">
+            <a:avLst/>
+          </a:prstGeom>
+        </p:spPr>
+        <p:txBody>
+          <a:bodyPr wrap="none">
+            <a:spAutoFit/>
+          </a:bodyPr>
+          <a:lstStyle/>
+          <a:p>
+            <a:r>
+              <a:rPr lang="en-US" sz="1400" b="1" dirty="0">
+                <a:latin typeface="Helvetica" pitchFamily="2" charset="0"/>
+              </a:rPr>
+              <a:t>x kg </a:t>
+            </a:r>
+          </a:p>
+          <a:p>
+            <a:r>
+              <a:rPr lang="en-US" sz="1400" b="1" dirty="0">
+                <a:latin typeface="Helvetica" pitchFamily="2" charset="0"/>
+              </a:rPr>
+              <a:t>fuel</a:t>
+            </a:r>
+          </a:p>
+        </p:txBody>
+      </p:sp>
+      <p:sp>
+        <p:nvSpPr>
+          <p:cNvPr id="2" name="TextBox 1">
+            <a:extLst>
+              <a:ext uri="{FF2B5EF4-FFF2-40B4-BE49-F238E27FC236}">
+                <a16:creationId xmlns:a16="http://schemas.microsoft.com/office/drawing/2014/main" id="{32C619DF-A9E5-D143-95C4-616BA2668A3A}"/>
+              </a:ext>
+            </a:extLst>
+          </p:cNvPr>
+          <p:cNvSpPr txBox="1"/>
+          <p:nvPr/>
+        </p:nvSpPr>
+        <p:spPr>
+          <a:xfrm>
+            <a:off x="2633630" y="3057493"/>
+            <a:ext cx="3194963" cy="276999"/>
+          </a:xfrm>
+          <a:prstGeom prst="rect">
+            <a:avLst/>
+          </a:prstGeom>
+          <a:noFill/>
+        </p:spPr>
+        <p:txBody>
+          <a:bodyPr wrap="square" rtlCol="0">
+            <a:spAutoFit/>
+          </a:bodyPr>
+          <a:lstStyle/>
+          <a:p>
+            <a:r>
+              <a:rPr lang="en-US" sz="1200" dirty="0">
+                <a:latin typeface="Helvetica" pitchFamily="2" charset="0"/>
+              </a:rPr>
+              <a:t>Figure 1: User defined Deployment Scheme </a:t>
+            </a:r>
+          </a:p>
+        </p:txBody>
+      </p:sp>
+      <p:sp>
+        <p:nvSpPr>
+          <p:cNvPr id="35" name="TextBox 34">
+            <a:extLst>
+              <a:ext uri="{FF2B5EF4-FFF2-40B4-BE49-F238E27FC236}">
+                <a16:creationId xmlns:a16="http://schemas.microsoft.com/office/drawing/2014/main" id="{8B89FBCF-D2AD-3C4F-A580-28EC41967257}"/>
+              </a:ext>
+            </a:extLst>
+          </p:cNvPr>
+          <p:cNvSpPr txBox="1"/>
+          <p:nvPr/>
+        </p:nvSpPr>
+        <p:spPr>
+          <a:xfrm>
+            <a:off x="2523005" y="6041774"/>
+            <a:ext cx="3399196" cy="276999"/>
+          </a:xfrm>
+          <a:prstGeom prst="rect">
+            <a:avLst/>
+          </a:prstGeom>
+          <a:noFill/>
+        </p:spPr>
+        <p:txBody>
+          <a:bodyPr wrap="square" rtlCol="0">
+            <a:spAutoFit/>
+          </a:bodyPr>
+          <a:lstStyle/>
+          <a:p>
+            <a:r>
+              <a:rPr lang="en-US" sz="1200" dirty="0">
+                <a:latin typeface="Helvetica" pitchFamily="2" charset="0"/>
+              </a:rPr>
+              <a:t>Figure 2: Demand Driven Deployment Scheme </a:t>
+            </a:r>
+          </a:p>
+        </p:txBody>
+      </p:sp>
+      <p:sp>
+        <p:nvSpPr>
+          <p:cNvPr id="4" name="TextBox 3">
+            <a:extLst>
+              <a:ext uri="{FF2B5EF4-FFF2-40B4-BE49-F238E27FC236}">
+                <a16:creationId xmlns:a16="http://schemas.microsoft.com/office/drawing/2014/main" id="{328513E3-3AE4-B542-889F-A6015C81BF45}"/>
+              </a:ext>
+            </a:extLst>
+          </p:cNvPr>
+          <p:cNvSpPr txBox="1"/>
+          <p:nvPr/>
+        </p:nvSpPr>
+        <p:spPr>
+          <a:xfrm>
+            <a:off x="659795" y="1390790"/>
+            <a:ext cx="6744146" cy="646331"/>
+          </a:xfrm>
+          <a:prstGeom prst="rect">
+            <a:avLst/>
+          </a:prstGeom>
+          <a:noFill/>
+        </p:spPr>
+        <p:txBody>
+          <a:bodyPr wrap="square" rtlCol="0">
+            <a:spAutoFit/>
+          </a:bodyPr>
+          <a:lstStyle/>
+          <a:p>
+            <a:r>
+              <a:rPr lang="en-US" dirty="0">
+                <a:latin typeface="Helvetica" pitchFamily="2" charset="0"/>
+              </a:rPr>
+              <a:t>Gap in capability: User must define when support facilities are deployed</a:t>
+            </a:r>
+          </a:p>
+        </p:txBody>
+      </p:sp>
+      <p:sp>
+        <p:nvSpPr>
+          <p:cNvPr id="7" name="TextBox 6">
+            <a:extLst>
+              <a:ext uri="{FF2B5EF4-FFF2-40B4-BE49-F238E27FC236}">
+                <a16:creationId xmlns:a16="http://schemas.microsoft.com/office/drawing/2014/main" id="{886095D3-3A49-974A-92FC-100AA8F108F2}"/>
+              </a:ext>
+            </a:extLst>
+          </p:cNvPr>
+          <p:cNvSpPr txBox="1"/>
+          <p:nvPr/>
+        </p:nvSpPr>
+        <p:spPr>
+          <a:xfrm>
+            <a:off x="681890" y="3659165"/>
+            <a:ext cx="6744146" cy="646331"/>
+          </a:xfrm>
+          <a:prstGeom prst="rect">
+            <a:avLst/>
+          </a:prstGeom>
+          <a:noFill/>
+        </p:spPr>
+        <p:txBody>
+          <a:bodyPr wrap="square" rtlCol="0">
+            <a:spAutoFit/>
+          </a:bodyPr>
+          <a:lstStyle/>
+          <a:p>
+            <a:r>
+              <a:rPr lang="en-US" dirty="0">
+                <a:latin typeface="Helvetica" pitchFamily="2" charset="0"/>
+              </a:rPr>
+              <a:t>Bridging the gap: Developed demand-driven deployment capability in Cyclus, d3ploy. </a:t>
+            </a:r>
+          </a:p>
+        </p:txBody>
+      </p:sp>
+    </p:spTree>
+    <p:extLst>
+      <p:ext uri="{BB962C8B-B14F-4D97-AF65-F5344CB8AC3E}">
+        <p14:creationId xmlns:p14="http://schemas.microsoft.com/office/powerpoint/2010/main" val="3488073337"/>
+      </p:ext>
+    </p:extLst>
+  </p:cSld>
+  <p:clrMapOvr>
+    <a:masterClrMapping/>
+  </p:clrMapOvr>
+</p:sld>
+</file>
+
+<file path=ppt/slides/slide4.xml><?xml version="1.0" encoding="utf-8"?>
+<p:sld xmlns:a="http://schemas.openxmlformats.org/drawingml/2006/main" xmlns:r="http://schemas.openxmlformats.org/officeDocument/2006/relationships" xmlns:p="http://schemas.openxmlformats.org/presentationml/2006/main">
+  <p:cSld>
+    <p:spTree>
+      <p:nvGrpSpPr>
+        <p:cNvPr id="1" name=""/>
+        <p:cNvGrpSpPr/>
+        <p:nvPr/>
+      </p:nvGrpSpPr>
+      <p:grpSpPr>
+        <a:xfrm>
+          <a:off x="0" y="0"/>
+          <a:ext cx="0" cy="0"/>
+          <a:chOff x="0" y="0"/>
+          <a:chExt cx="0" cy="0"/>
+        </a:xfrm>
+      </p:grpSpPr>
+      <p:sp>
+        <p:nvSpPr>
+          <p:cNvPr id="6" name="Title 1"/>
+          <p:cNvSpPr>
+            <a:spLocks noGrp="1"/>
+          </p:cNvSpPr>
+          <p:nvPr>
+            <p:ph type="title"/>
+          </p:nvPr>
+        </p:nvSpPr>
+        <p:spPr>
+          <a:xfrm>
+            <a:off x="381000" y="685800"/>
+            <a:ext cx="7045036" cy="731838"/>
+          </a:xfrm>
+        </p:spPr>
+        <p:txBody>
+          <a:bodyPr/>
+          <a:lstStyle/>
+          <a:p>
+            <a:pPr algn="l"/>
+            <a:r>
+              <a:rPr lang="en-US" sz="3200" b="1" dirty="0">
+                <a:solidFill>
+                  <a:srgbClr val="13294B"/>
+                </a:solidFill>
+                <a:latin typeface="Helvetica" pitchFamily="2" charset="0"/>
+                <a:ea typeface="Georgia" charset="0"/>
+                <a:cs typeface="Georgia" charset="0"/>
+              </a:rPr>
+              <a:t>Goal</a:t>
+            </a:r>
+            <a:endParaRPr lang="en-US" sz="3200" dirty="0">
+              <a:solidFill>
+                <a:srgbClr val="13294B"/>
+              </a:solidFill>
+              <a:latin typeface="Helvetica" pitchFamily="2" charset="0"/>
+            </a:endParaRPr>
+          </a:p>
+        </p:txBody>
+      </p:sp>
+      <p:sp>
+        <p:nvSpPr>
+          <p:cNvPr id="8" name="Content Placeholder 2">
+            <a:extLst>
+              <a:ext uri="{FF2B5EF4-FFF2-40B4-BE49-F238E27FC236}">
+                <a16:creationId xmlns:a16="http://schemas.microsoft.com/office/drawing/2014/main" id="{5087E71A-6E25-3C46-8CA1-E6E664F744BA}"/>
+              </a:ext>
+            </a:extLst>
+          </p:cNvPr>
+          <p:cNvSpPr>
+            <a:spLocks noGrp="1"/>
+          </p:cNvSpPr>
+          <p:nvPr>
+            <p:ph idx="1"/>
+          </p:nvPr>
+        </p:nvSpPr>
+        <p:spPr>
+          <a:xfrm>
+            <a:off x="606083" y="1745700"/>
+            <a:ext cx="7045036" cy="1403900"/>
+          </a:xfrm>
+        </p:spPr>
+        <p:txBody>
+          <a:bodyPr/>
+          <a:lstStyle/>
+          <a:p>
+            <a:pPr>
+              <a:buFont typeface="Wingdings" pitchFamily="2" charset="2"/>
+              <a:buChar char="v"/>
+            </a:pPr>
+            <a:r>
+              <a:rPr lang="en-US" sz="2000" b="1" dirty="0">
+                <a:latin typeface="Helvetica" pitchFamily="2" charset="0"/>
+              </a:rPr>
+              <a:t>Automatic deployment of supporting fuel cycle facilities in Cyclus</a:t>
+            </a:r>
+          </a:p>
+          <a:p>
+            <a:pPr>
+              <a:buFont typeface="Wingdings" pitchFamily="2" charset="2"/>
+              <a:buChar char="v"/>
+            </a:pPr>
+            <a:r>
+              <a:rPr lang="en-US" sz="2000" b="1" dirty="0">
+                <a:latin typeface="Helvetica" pitchFamily="2" charset="0"/>
+              </a:rPr>
+              <a:t>Demonstrate transition scenarios with no power undersupply</a:t>
             </a:r>
           </a:p>
         </p:txBody>
@@ -11384,7 +13727,7 @@
           <p:cNvPr id="4" name="Content Placeholder 2">
             <a:extLst>
               <a:ext uri="{FF2B5EF4-FFF2-40B4-BE49-F238E27FC236}">
-                <a16:creationId xmlns:a16="http://schemas.microsoft.com/office/drawing/2014/main" id="{EE0C2572-853C-B143-8FD8-28415BA5D72D}"/>
+                <a16:creationId xmlns:a16="http://schemas.microsoft.com/office/drawing/2014/main" id="{3AC24F6D-4D1B-D746-8F29-08855A274E07}"/>
               </a:ext>
             </a:extLst>
           </p:cNvPr>
@@ -11395,7 +13738,7 @@
         </p:nvSpPr>
         <p:spPr>
           <a:xfrm>
-            <a:off x="487018" y="1573696"/>
+            <a:off x="606083" y="3852966"/>
             <a:ext cx="7045036" cy="785191"/>
           </a:xfrm>
           <a:prstGeom prst="rect">
@@ -11555,50 +13898,24 @@
           </a:p>
         </p:txBody>
       </p:sp>
-    </p:spTree>
-    <p:extLst>
-      <p:ext uri="{BB962C8B-B14F-4D97-AF65-F5344CB8AC3E}">
-        <p14:creationId xmlns:p14="http://schemas.microsoft.com/office/powerpoint/2010/main" val="995158587"/>
-      </p:ext>
-    </p:extLst>
-  </p:cSld>
-  <p:clrMapOvr>
-    <a:masterClrMapping/>
-  </p:clrMapOvr>
-</p:sld>
-</file>
-
-<file path=ppt/slides/slide16.xml><?xml version="1.0" encoding="utf-8"?>
-<p:sld xmlns:a="http://schemas.openxmlformats.org/drawingml/2006/main" xmlns:r="http://schemas.openxmlformats.org/officeDocument/2006/relationships" xmlns:p="http://schemas.openxmlformats.org/presentationml/2006/main">
-  <p:cSld>
-    <p:spTree>
-      <p:nvGrpSpPr>
-        <p:cNvPr id="1" name=""/>
-        <p:cNvGrpSpPr/>
-        <p:nvPr/>
-      </p:nvGrpSpPr>
-      <p:grpSpPr>
-        <a:xfrm>
-          <a:off x="0" y="0"/>
-          <a:ext cx="0" cy="0"/>
-          <a:chOff x="0" y="0"/>
-          <a:chExt cx="0" cy="0"/>
-        </a:xfrm>
-      </p:grpSpPr>
       <p:sp>
         <p:nvSpPr>
-          <p:cNvPr id="8" name="Title 1"/>
-          <p:cNvSpPr>
-            <a:spLocks noGrp="1"/>
+          <p:cNvPr id="7" name="Title 1">
+            <a:extLst>
+              <a:ext uri="{FF2B5EF4-FFF2-40B4-BE49-F238E27FC236}">
+                <a16:creationId xmlns:a16="http://schemas.microsoft.com/office/drawing/2014/main" id="{01AEC2B9-CEA5-5E4E-BE26-3C2343C22DAA}"/>
+              </a:ext>
+            </a:extLst>
+          </p:cNvPr>
+          <p:cNvSpPr txBox="1">
+            <a:spLocks/>
           </p:cNvSpPr>
-          <p:nvPr>
-            <p:ph type="title" idx="4294967295"/>
-          </p:nvPr>
+          <p:nvPr/>
         </p:nvSpPr>
         <p:spPr>
           <a:xfrm>
-            <a:off x="1379868" y="1086450"/>
-            <a:ext cx="6490504" cy="2260907"/>
+            <a:off x="606083" y="3429000"/>
+            <a:ext cx="3124199" cy="519106"/>
           </a:xfrm>
           <a:prstGeom prst="rect">
             <a:avLst/>
@@ -11606,10 +13923,26 @@
         </p:spPr>
         <p:txBody>
           <a:bodyPr/>
-          <a:lstStyle/>
-          <a:p>
-            <a:r>
-              <a:rPr lang="en-US" sz="4500" b="1" dirty="0">
+          <a:lstStyle>
+            <a:lvl1pPr algn="ctr" defTabSz="457200" rtl="0" eaLnBrk="1" latinLnBrk="0" hangingPunct="1">
+              <a:spcBef>
+                <a:spcPct val="0"/>
+              </a:spcBef>
+              <a:buNone/>
+              <a:defRPr sz="4400" kern="1200">
+                <a:solidFill>
+                  <a:schemeClr val="tx1"/>
+                </a:solidFill>
+                <a:latin typeface="+mj-lt"/>
+                <a:ea typeface="+mj-ea"/>
+                <a:cs typeface="+mj-cs"/>
+              </a:defRPr>
+            </a:lvl1pPr>
+          </a:lstStyle>
+          <a:p>
+            <a:pPr algn="l"/>
+            <a:r>
+              <a:rPr lang="en-US" sz="2400" b="1" dirty="0">
                 <a:solidFill>
                   <a:srgbClr val="13294B"/>
                 </a:solidFill>
@@ -11617,105 +13950,9 @@
                 <a:ea typeface="Georgia" charset="0"/>
                 <a:cs typeface="Georgia" charset="0"/>
               </a:rPr>
-              <a:t>Thank You </a:t>
-            </a:r>
-            <a:br>
-              <a:rPr lang="en-US" sz="4500" b="1" dirty="0">
-                <a:solidFill>
-                  <a:srgbClr val="13294B"/>
-                </a:solidFill>
-                <a:latin typeface="Helvetica" pitchFamily="2" charset="0"/>
-                <a:ea typeface="Georgia" charset="0"/>
-                <a:cs typeface="Georgia" charset="0"/>
-              </a:rPr>
-            </a:br>
-            <a:br>
-              <a:rPr lang="en-US" sz="4500" b="1" dirty="0">
-                <a:solidFill>
-                  <a:srgbClr val="13294B"/>
-                </a:solidFill>
-                <a:latin typeface="Helvetica" pitchFamily="2" charset="0"/>
-                <a:ea typeface="Georgia" charset="0"/>
-                <a:cs typeface="Georgia" charset="0"/>
-              </a:rPr>
-            </a:br>
-            <a:r>
-              <a:rPr lang="en-US" sz="4500" b="1" dirty="0">
-                <a:solidFill>
-                  <a:srgbClr val="13294B"/>
-                </a:solidFill>
-                <a:latin typeface="Helvetica" pitchFamily="2" charset="0"/>
-                <a:ea typeface="Georgia" charset="0"/>
-                <a:cs typeface="Georgia" charset="0"/>
-              </a:rPr>
-              <a:t>Any Questions?</a:t>
-            </a:r>
-          </a:p>
-        </p:txBody>
-      </p:sp>
-    </p:spTree>
-    <p:extLst>
-      <p:ext uri="{BB962C8B-B14F-4D97-AF65-F5344CB8AC3E}">
-        <p14:creationId xmlns:p14="http://schemas.microsoft.com/office/powerpoint/2010/main" val="1665831182"/>
-      </p:ext>
-    </p:extLst>
-  </p:cSld>
-  <p:clrMapOvr>
-    <a:masterClrMapping/>
-  </p:clrMapOvr>
-</p:sld>
-</file>
-
-<file path=ppt/slides/slide2.xml><?xml version="1.0" encoding="utf-8"?>
-<p:sld xmlns:a="http://schemas.openxmlformats.org/drawingml/2006/main" xmlns:r="http://schemas.openxmlformats.org/officeDocument/2006/relationships" xmlns:p="http://schemas.openxmlformats.org/presentationml/2006/main">
-  <p:cSld>
-    <p:spTree>
-      <p:nvGrpSpPr>
-        <p:cNvPr id="1" name=""/>
-        <p:cNvGrpSpPr/>
-        <p:nvPr/>
-      </p:nvGrpSpPr>
-      <p:grpSpPr>
-        <a:xfrm>
-          <a:off x="0" y="0"/>
-          <a:ext cx="0" cy="0"/>
-          <a:chOff x="0" y="0"/>
-          <a:chExt cx="0" cy="0"/>
-        </a:xfrm>
-      </p:grpSpPr>
-      <p:sp>
-        <p:nvSpPr>
-          <p:cNvPr id="6" name="Title 1"/>
-          <p:cNvSpPr>
-            <a:spLocks noGrp="1"/>
-          </p:cNvSpPr>
-          <p:nvPr>
-            <p:ph type="title"/>
-          </p:nvPr>
-        </p:nvSpPr>
-        <p:spPr>
-          <a:xfrm>
-            <a:off x="381000" y="685800"/>
-            <a:ext cx="7045036" cy="731838"/>
-          </a:xfrm>
-        </p:spPr>
-        <p:txBody>
-          <a:bodyPr/>
-          <a:lstStyle/>
-          <a:p>
-            <a:pPr algn="l"/>
-            <a:r>
-              <a:rPr lang="en-US" sz="3200" b="1" dirty="0">
-                <a:solidFill>
-                  <a:srgbClr val="13294B"/>
-                </a:solidFill>
-                <a:latin typeface="Helvetica" pitchFamily="2" charset="0"/>
-                <a:ea typeface="Georgia" charset="0"/>
-                <a:cs typeface="Georgia" charset="0"/>
-              </a:rPr>
-              <a:t>Outline</a:t>
-            </a:r>
-            <a:endParaRPr lang="en-US" sz="3200" dirty="0">
+              <a:t>Acknowledgements</a:t>
+            </a:r>
+            <a:endParaRPr lang="en-US" sz="2400" dirty="0">
               <a:solidFill>
                 <a:srgbClr val="13294B"/>
               </a:solidFill>
@@ -11726,283 +13963,10 @@
       </p:sp>
       <p:sp>
         <p:nvSpPr>
-          <p:cNvPr id="8" name="Content Placeholder 2">
+          <p:cNvPr id="10" name="TextBox 9">
             <a:extLst>
               <a:ext uri="{FF2B5EF4-FFF2-40B4-BE49-F238E27FC236}">
-                <a16:creationId xmlns:a16="http://schemas.microsoft.com/office/drawing/2014/main" id="{5087E71A-6E25-3C46-8CA1-E6E664F744BA}"/>
-              </a:ext>
-            </a:extLst>
-          </p:cNvPr>
-          <p:cNvSpPr>
-            <a:spLocks noGrp="1"/>
-          </p:cNvSpPr>
-          <p:nvPr>
-            <p:ph idx="1"/>
-          </p:nvPr>
-        </p:nvSpPr>
-        <p:spPr>
-          <a:xfrm>
-            <a:off x="381000" y="1417638"/>
-            <a:ext cx="7045036" cy="4338781"/>
-          </a:xfrm>
-        </p:spPr>
-        <p:txBody>
-          <a:bodyPr/>
-          <a:lstStyle/>
-          <a:p>
-            <a:pPr marL="514350" indent="-514350">
-              <a:buFont typeface="+mj-lt"/>
-              <a:buAutoNum type="arabicParenR"/>
-            </a:pPr>
-            <a:r>
-              <a:rPr lang="en-US" sz="2000" dirty="0">
-                <a:latin typeface="Helvetica" pitchFamily="2" charset="0"/>
-              </a:rPr>
-              <a:t>Background</a:t>
-            </a:r>
-          </a:p>
-          <a:p>
-            <a:pPr marL="514350" indent="-514350">
-              <a:buFont typeface="+mj-lt"/>
-              <a:buAutoNum type="arabicParenR"/>
-            </a:pPr>
-            <a:r>
-              <a:rPr lang="en-US" sz="2000" dirty="0">
-                <a:latin typeface="Helvetica" pitchFamily="2" charset="0"/>
-              </a:rPr>
-              <a:t>Motivation</a:t>
-            </a:r>
-          </a:p>
-          <a:p>
-            <a:pPr marL="514350" indent="-514350">
-              <a:buFont typeface="+mj-lt"/>
-              <a:buAutoNum type="arabicParenR"/>
-            </a:pPr>
-            <a:r>
-              <a:rPr lang="en-US" sz="2000" dirty="0">
-                <a:latin typeface="Helvetica" pitchFamily="2" charset="0"/>
-              </a:rPr>
-              <a:t>D3ploy </a:t>
-            </a:r>
-          </a:p>
-          <a:p>
-            <a:pPr marL="514350" indent="-514350">
-              <a:buFont typeface="+mj-lt"/>
-              <a:buAutoNum type="arabicParenR"/>
-            </a:pPr>
-            <a:r>
-              <a:rPr lang="en-US" sz="2000" dirty="0">
-                <a:latin typeface="Helvetica" pitchFamily="2" charset="0"/>
-              </a:rPr>
-              <a:t>Demonstrations</a:t>
-            </a:r>
-          </a:p>
-          <a:p>
-            <a:pPr marL="514350" indent="-514350">
-              <a:buFont typeface="+mj-lt"/>
-              <a:buAutoNum type="arabicParenR"/>
-            </a:pPr>
-            <a:r>
-              <a:rPr lang="en-US" sz="2000" dirty="0">
-                <a:latin typeface="Helvetica" pitchFamily="2" charset="0"/>
-              </a:rPr>
-              <a:t>Conclusions</a:t>
-            </a:r>
-          </a:p>
-        </p:txBody>
-      </p:sp>
-    </p:spTree>
-    <p:extLst>
-      <p:ext uri="{BB962C8B-B14F-4D97-AF65-F5344CB8AC3E}">
-        <p14:creationId xmlns:p14="http://schemas.microsoft.com/office/powerpoint/2010/main" val="3432085303"/>
-      </p:ext>
-    </p:extLst>
-  </p:cSld>
-  <p:clrMapOvr>
-    <a:masterClrMapping/>
-  </p:clrMapOvr>
-</p:sld>
-</file>
-
-<file path=ppt/slides/slide3.xml><?xml version="1.0" encoding="utf-8"?>
-<p:sld xmlns:a="http://schemas.openxmlformats.org/drawingml/2006/main" xmlns:r="http://schemas.openxmlformats.org/officeDocument/2006/relationships" xmlns:p="http://schemas.openxmlformats.org/presentationml/2006/main">
-  <p:cSld>
-    <p:spTree>
-      <p:nvGrpSpPr>
-        <p:cNvPr id="1" name=""/>
-        <p:cNvGrpSpPr/>
-        <p:nvPr/>
-      </p:nvGrpSpPr>
-      <p:grpSpPr>
-        <a:xfrm>
-          <a:off x="0" y="0"/>
-          <a:ext cx="0" cy="0"/>
-          <a:chOff x="0" y="0"/>
-          <a:chExt cx="0" cy="0"/>
-        </a:xfrm>
-      </p:grpSpPr>
-      <p:sp>
-        <p:nvSpPr>
-          <p:cNvPr id="6" name="Title 1"/>
-          <p:cNvSpPr>
-            <a:spLocks noGrp="1"/>
-          </p:cNvSpPr>
-          <p:nvPr>
-            <p:ph type="title"/>
-          </p:nvPr>
-        </p:nvSpPr>
-        <p:spPr>
-          <a:xfrm>
-            <a:off x="381000" y="604157"/>
-            <a:ext cx="7045036" cy="813480"/>
-          </a:xfrm>
-        </p:spPr>
-        <p:txBody>
-          <a:bodyPr/>
-          <a:lstStyle/>
-          <a:p>
-            <a:pPr algn="l"/>
-            <a:r>
-              <a:rPr lang="en-US" sz="3300" b="1" dirty="0">
-                <a:solidFill>
-                  <a:srgbClr val="13294B"/>
-                </a:solidFill>
-                <a:latin typeface="Helvetica" pitchFamily="2" charset="0"/>
-              </a:rPr>
-              <a:t>C</a:t>
-            </a:r>
-            <a:r>
-              <a:rPr lang="en-US" sz="2800" b="1" dirty="0">
-                <a:solidFill>
-                  <a:srgbClr val="13294B"/>
-                </a:solidFill>
-                <a:latin typeface="Helvetica" pitchFamily="2" charset="0"/>
-              </a:rPr>
-              <a:t>YCLUS</a:t>
-            </a:r>
-            <a:endParaRPr lang="en-US" sz="3200" b="1" dirty="0">
-              <a:solidFill>
-                <a:srgbClr val="13294B"/>
-              </a:solidFill>
-              <a:latin typeface="Helvetica" pitchFamily="2" charset="0"/>
-            </a:endParaRPr>
-          </a:p>
-        </p:txBody>
-      </p:sp>
-      <p:sp>
-        <p:nvSpPr>
-          <p:cNvPr id="7" name="Content Placeholder 2"/>
-          <p:cNvSpPr>
-            <a:spLocks noGrp="1"/>
-          </p:cNvSpPr>
-          <p:nvPr>
-            <p:ph idx="1"/>
-          </p:nvPr>
-        </p:nvSpPr>
-        <p:spPr>
-          <a:xfrm>
-            <a:off x="381000" y="1309500"/>
-            <a:ext cx="7045036" cy="4338781"/>
-          </a:xfrm>
-        </p:spPr>
-        <p:txBody>
-          <a:bodyPr/>
-          <a:lstStyle/>
-          <a:p>
-            <a:pPr>
-              <a:buFont typeface="Wingdings" pitchFamily="2" charset="2"/>
-              <a:buChar char="v"/>
-            </a:pPr>
-            <a:r>
-              <a:rPr lang="en-US" sz="2000" dirty="0">
-                <a:latin typeface="Helvetica" pitchFamily="2" charset="0"/>
-              </a:rPr>
-              <a:t>Agent-based framework [1]</a:t>
-            </a:r>
-          </a:p>
-          <a:p>
-            <a:pPr>
-              <a:buFont typeface="Wingdings" pitchFamily="2" charset="2"/>
-              <a:buChar char="v"/>
-            </a:pPr>
-            <a:r>
-              <a:rPr lang="en-US" sz="2000" dirty="0">
-                <a:latin typeface="Helvetica" pitchFamily="2" charset="0"/>
-              </a:rPr>
-              <a:t>Compatible with plug-in libraries </a:t>
-            </a:r>
-          </a:p>
-          <a:p>
-            <a:pPr>
-              <a:buFont typeface="Wingdings" pitchFamily="2" charset="2"/>
-              <a:buChar char="v"/>
-            </a:pPr>
-            <a:r>
-              <a:rPr lang="en-US" sz="2000" dirty="0">
-                <a:latin typeface="Helvetica" pitchFamily="2" charset="0"/>
-              </a:rPr>
-              <a:t>Gives users ability to customize agents</a:t>
-            </a:r>
-          </a:p>
-          <a:p>
-            <a:pPr>
-              <a:buFont typeface="Wingdings" pitchFamily="2" charset="2"/>
-              <a:buChar char="v"/>
-            </a:pPr>
-            <a:r>
-              <a:rPr lang="en-US" sz="2000" dirty="0">
-                <a:latin typeface="Helvetica" pitchFamily="2" charset="0"/>
-              </a:rPr>
-              <a:t>Agent types: facilities, institutions and regions </a:t>
-            </a:r>
-          </a:p>
-          <a:p>
-            <a:pPr>
-              <a:buFont typeface="Wingdings" pitchFamily="2" charset="2"/>
-              <a:buChar char="v"/>
-            </a:pPr>
-            <a:r>
-              <a:rPr lang="en-US" sz="2000" dirty="0">
-                <a:latin typeface="Helvetica" pitchFamily="2" charset="0"/>
-              </a:rPr>
-              <a:t>Discrete time steps </a:t>
-            </a:r>
-          </a:p>
-          <a:p>
-            <a:pPr>
-              <a:buFont typeface="Wingdings" pitchFamily="2" charset="2"/>
-              <a:buChar char="v"/>
-            </a:pPr>
-            <a:endParaRPr lang="en-US" sz="2000" dirty="0">
-              <a:latin typeface="Helvetica" pitchFamily="2" charset="0"/>
-            </a:endParaRPr>
-          </a:p>
-          <a:p>
-            <a:pPr>
-              <a:buFont typeface="Wingdings" pitchFamily="2" charset="2"/>
-              <a:buChar char="v"/>
-            </a:pPr>
-            <a:endParaRPr lang="en-US" sz="2000" dirty="0">
-              <a:latin typeface="Helvetica" pitchFamily="2" charset="0"/>
-            </a:endParaRPr>
-          </a:p>
-          <a:p>
-            <a:pPr>
-              <a:buFont typeface="Wingdings" pitchFamily="2" charset="2"/>
-              <a:buChar char="v"/>
-            </a:pPr>
-            <a:endParaRPr lang="en-US" sz="2000" dirty="0">
-              <a:latin typeface="Helvetica" pitchFamily="2" charset="0"/>
-            </a:endParaRPr>
-          </a:p>
-        </p:txBody>
-      </p:sp>
-      <p:sp>
-        <p:nvSpPr>
-          <p:cNvPr id="4" name="TextBox 3">
-            <a:extLst>
-              <a:ext uri="{FF2B5EF4-FFF2-40B4-BE49-F238E27FC236}">
-                <a16:creationId xmlns:a16="http://schemas.microsoft.com/office/drawing/2014/main" id="{FAFD1F58-23B3-4649-B923-7A8C29C68D54}"/>
+                <a16:creationId xmlns:a16="http://schemas.microsoft.com/office/drawing/2014/main" id="{8980CF41-7763-184E-A10B-F6D39FD8690B}"/>
               </a:ext>
             </a:extLst>
           </p:cNvPr>
@@ -12011,7 +13975,7 @@
         </p:nvSpPr>
         <p:spPr>
           <a:xfrm>
-            <a:off x="341861" y="265603"/>
+            <a:off x="253914" y="382553"/>
             <a:ext cx="1337441" cy="338554"/>
           </a:xfrm>
           <a:prstGeom prst="rect">
@@ -12030,342 +13994,17 @@
               <a:rPr lang="en-US" sz="1600" dirty="0">
                 <a:latin typeface="Helvetica" pitchFamily="2" charset="0"/>
               </a:rPr>
-              <a:t>Background</a:t>
-            </a:r>
-          </a:p>
-        </p:txBody>
-      </p:sp>
-      <p:pic>
-        <p:nvPicPr>
-          <p:cNvPr id="8" name="Picture 7">
-            <a:extLst>
-              <a:ext uri="{FF2B5EF4-FFF2-40B4-BE49-F238E27FC236}">
-                <a16:creationId xmlns:a16="http://schemas.microsoft.com/office/drawing/2014/main" id="{C6C4E3EF-4F24-464C-80FF-2878C8C462EF}"/>
-              </a:ext>
-            </a:extLst>
-          </p:cNvPr>
-          <p:cNvPicPr>
-            <a:picLocks noChangeAspect="1"/>
-          </p:cNvPicPr>
-          <p:nvPr/>
-        </p:nvPicPr>
-        <p:blipFill>
-          <a:blip r:embed="rId3"/>
-          <a:stretch>
-            <a:fillRect/>
-          </a:stretch>
-        </p:blipFill>
-        <p:spPr>
-          <a:xfrm>
-            <a:off x="4673320" y="444135"/>
-            <a:ext cx="2752716" cy="942711"/>
-          </a:xfrm>
-          <a:prstGeom prst="rect">
-            <a:avLst/>
-          </a:prstGeom>
-        </p:spPr>
-      </p:pic>
-      <p:pic>
-        <p:nvPicPr>
-          <p:cNvPr id="3" name="Picture 2">
-            <a:extLst>
-              <a:ext uri="{FF2B5EF4-FFF2-40B4-BE49-F238E27FC236}">
-                <a16:creationId xmlns:a16="http://schemas.microsoft.com/office/drawing/2014/main" id="{68306AFE-7EE9-5249-B435-4B0EAB60E375}"/>
-              </a:ext>
-            </a:extLst>
-          </p:cNvPr>
-          <p:cNvPicPr>
-            <a:picLocks noChangeAspect="1"/>
-          </p:cNvPicPr>
-          <p:nvPr/>
-        </p:nvPicPr>
-        <p:blipFill>
-          <a:blip r:embed="rId4"/>
-          <a:stretch>
-            <a:fillRect/>
-          </a:stretch>
-        </p:blipFill>
-        <p:spPr>
-          <a:xfrm>
-            <a:off x="2080871" y="3174594"/>
-            <a:ext cx="3907223" cy="3040530"/>
-          </a:xfrm>
-          <a:prstGeom prst="rect">
-            <a:avLst/>
-          </a:prstGeom>
-        </p:spPr>
-      </p:pic>
-      <p:sp>
-        <p:nvSpPr>
-          <p:cNvPr id="9" name="TextBox 8">
-            <a:extLst>
-              <a:ext uri="{FF2B5EF4-FFF2-40B4-BE49-F238E27FC236}">
-                <a16:creationId xmlns:a16="http://schemas.microsoft.com/office/drawing/2014/main" id="{4BC6E76E-E64E-7E4A-A277-E21BCABD4B11}"/>
-              </a:ext>
-            </a:extLst>
-          </p:cNvPr>
-          <p:cNvSpPr txBox="1"/>
-          <p:nvPr/>
-        </p:nvSpPr>
-        <p:spPr>
-          <a:xfrm>
-            <a:off x="2334885" y="6215124"/>
-            <a:ext cx="3399196" cy="276999"/>
-          </a:xfrm>
-          <a:prstGeom prst="rect">
-            <a:avLst/>
-          </a:prstGeom>
-          <a:noFill/>
-        </p:spPr>
-        <p:txBody>
-          <a:bodyPr wrap="square" rtlCol="0">
-            <a:spAutoFit/>
-          </a:bodyPr>
-          <a:lstStyle/>
-          <a:p>
-            <a:r>
-              <a:rPr lang="en-US" sz="1200" dirty="0">
-                <a:latin typeface="Helvetica" pitchFamily="2" charset="0"/>
-              </a:rPr>
-              <a:t>Figure 1: Cyclus has a modular architecture [1]</a:t>
-            </a:r>
-          </a:p>
-        </p:txBody>
-      </p:sp>
-    </p:spTree>
-    <p:extLst>
-      <p:ext uri="{BB962C8B-B14F-4D97-AF65-F5344CB8AC3E}">
-        <p14:creationId xmlns:p14="http://schemas.microsoft.com/office/powerpoint/2010/main" val="4119992080"/>
-      </p:ext>
-    </p:extLst>
-  </p:cSld>
-  <p:clrMapOvr>
-    <a:masterClrMapping/>
-  </p:clrMapOvr>
-</p:sld>
-</file>
-
-<file path=ppt/slides/slide4.xml><?xml version="1.0" encoding="utf-8"?>
-<p:sld xmlns:a="http://schemas.openxmlformats.org/drawingml/2006/main" xmlns:r="http://schemas.openxmlformats.org/officeDocument/2006/relationships" xmlns:p="http://schemas.openxmlformats.org/presentationml/2006/main">
-  <p:cSld>
-    <p:spTree>
-      <p:nvGrpSpPr>
-        <p:cNvPr id="1" name=""/>
-        <p:cNvGrpSpPr/>
-        <p:nvPr/>
-      </p:nvGrpSpPr>
-      <p:grpSpPr>
-        <a:xfrm>
-          <a:off x="0" y="0"/>
-          <a:ext cx="0" cy="0"/>
-          <a:chOff x="0" y="0"/>
-          <a:chExt cx="0" cy="0"/>
-        </a:xfrm>
-      </p:grpSpPr>
-      <p:sp>
-        <p:nvSpPr>
-          <p:cNvPr id="6" name="Title 1"/>
-          <p:cNvSpPr>
-            <a:spLocks noGrp="1"/>
-          </p:cNvSpPr>
-          <p:nvPr>
-            <p:ph type="title"/>
-          </p:nvPr>
-        </p:nvSpPr>
-        <p:spPr>
-          <a:xfrm>
-            <a:off x="381000" y="604157"/>
-            <a:ext cx="7045036" cy="813480"/>
-          </a:xfrm>
-        </p:spPr>
-        <p:txBody>
-          <a:bodyPr/>
-          <a:lstStyle/>
-          <a:p>
-            <a:pPr algn="l"/>
-            <a:r>
-              <a:rPr lang="en-US" sz="3200" b="1" dirty="0">
-                <a:solidFill>
-                  <a:srgbClr val="13294B"/>
-                </a:solidFill>
-                <a:latin typeface="Helvetica" pitchFamily="2" charset="0"/>
-              </a:rPr>
-              <a:t>Current fuel cycle simulators</a:t>
-            </a:r>
-          </a:p>
-        </p:txBody>
-      </p:sp>
-      <p:graphicFrame>
-        <p:nvGraphicFramePr>
-          <p:cNvPr id="3" name="Diagram 2">
-            <a:extLst>
-              <a:ext uri="{FF2B5EF4-FFF2-40B4-BE49-F238E27FC236}">
-                <a16:creationId xmlns:a16="http://schemas.microsoft.com/office/drawing/2014/main" id="{6E315507-0F2D-D443-BB5C-7ACB723A81FB}"/>
-              </a:ext>
-            </a:extLst>
-          </p:cNvPr>
-          <p:cNvGraphicFramePr/>
-          <p:nvPr>
-            <p:extLst/>
-          </p:nvPr>
-        </p:nvGraphicFramePr>
-        <p:xfrm>
-          <a:off x="1174603" y="4816657"/>
-          <a:ext cx="6096000" cy="1166586"/>
-        </p:xfrm>
-        <a:graphic>
-          <a:graphicData uri="http://schemas.openxmlformats.org/drawingml/2006/diagram">
-            <dgm:relIds xmlns:dgm="http://schemas.openxmlformats.org/drawingml/2006/diagram" xmlns:r="http://schemas.openxmlformats.org/officeDocument/2006/relationships" r:dm="rId3" r:lo="rId4" r:qs="rId5" r:cs="rId6"/>
-          </a:graphicData>
-        </a:graphic>
-      </p:graphicFrame>
-      <p:cxnSp>
-        <p:nvCxnSpPr>
-          <p:cNvPr id="5" name="Straight Arrow Connector 4">
-            <a:extLst>
-              <a:ext uri="{FF2B5EF4-FFF2-40B4-BE49-F238E27FC236}">
-                <a16:creationId xmlns:a16="http://schemas.microsoft.com/office/drawing/2014/main" id="{2013996F-559D-B442-9A09-762390378854}"/>
-              </a:ext>
-            </a:extLst>
-          </p:cNvPr>
-          <p:cNvCxnSpPr>
-            <a:cxnSpLocks/>
-          </p:cNvCxnSpPr>
-          <p:nvPr/>
-        </p:nvCxnSpPr>
-        <p:spPr>
-          <a:xfrm>
-            <a:off x="5089552" y="4684187"/>
-            <a:ext cx="0" cy="198120"/>
-          </a:xfrm>
-          <a:prstGeom prst="straightConnector1">
-            <a:avLst/>
-          </a:prstGeom>
-          <a:ln>
-            <a:tailEnd type="triangle"/>
-          </a:ln>
-        </p:spPr>
-        <p:style>
-          <a:lnRef idx="2">
-            <a:schemeClr val="accent1"/>
-          </a:lnRef>
-          <a:fillRef idx="0">
-            <a:schemeClr val="accent1"/>
-          </a:fillRef>
-          <a:effectRef idx="1">
-            <a:schemeClr val="accent1"/>
-          </a:effectRef>
-          <a:fontRef idx="minor">
-            <a:schemeClr val="tx1"/>
-          </a:fontRef>
-        </p:style>
-      </p:cxnSp>
-      <p:sp>
-        <p:nvSpPr>
-          <p:cNvPr id="33" name="TextBox 32">
-            <a:extLst>
-              <a:ext uri="{FF2B5EF4-FFF2-40B4-BE49-F238E27FC236}">
-                <a16:creationId xmlns:a16="http://schemas.microsoft.com/office/drawing/2014/main" id="{FF008981-60F5-264D-9B58-456D3B2A76C0}"/>
-              </a:ext>
-            </a:extLst>
-          </p:cNvPr>
-          <p:cNvSpPr txBox="1"/>
-          <p:nvPr/>
-        </p:nvSpPr>
-        <p:spPr>
-          <a:xfrm>
-            <a:off x="4089086" y="4160967"/>
-            <a:ext cx="1949891" cy="523220"/>
-          </a:xfrm>
-          <a:prstGeom prst="rect">
-            <a:avLst/>
-          </a:prstGeom>
-          <a:noFill/>
-        </p:spPr>
-        <p:txBody>
-          <a:bodyPr wrap="square" rtlCol="0">
-            <a:spAutoFit/>
-          </a:bodyPr>
-          <a:lstStyle/>
-          <a:p>
-            <a:pPr algn="ctr"/>
-            <a:r>
-              <a:rPr lang="en-US" sz="1400" dirty="0">
-                <a:latin typeface="Helvetica" pitchFamily="2" charset="0"/>
-              </a:rPr>
-              <a:t>Energy demand growth: 1% / year</a:t>
+              <a:t>Motivation</a:t>
             </a:r>
           </a:p>
         </p:txBody>
       </p:sp>
       <p:sp>
         <p:nvSpPr>
-          <p:cNvPr id="34" name="TextBox 33">
+          <p:cNvPr id="12" name="Frame 11">
             <a:extLst>
               <a:ext uri="{FF2B5EF4-FFF2-40B4-BE49-F238E27FC236}">
-                <a16:creationId xmlns:a16="http://schemas.microsoft.com/office/drawing/2014/main" id="{73BBB69D-5E5A-DC42-9780-2E2AA2E2A209}"/>
-              </a:ext>
-            </a:extLst>
-          </p:cNvPr>
-          <p:cNvSpPr txBox="1"/>
-          <p:nvPr/>
-        </p:nvSpPr>
-        <p:spPr>
-          <a:xfrm>
-            <a:off x="381000" y="294684"/>
-            <a:ext cx="1337441" cy="338554"/>
-          </a:xfrm>
-          <a:prstGeom prst="rect">
-            <a:avLst/>
-          </a:prstGeom>
-          <a:noFill/>
-        </p:spPr>
-        <p:txBody>
-          <a:bodyPr wrap="square" rtlCol="0">
-            <a:spAutoFit/>
-          </a:bodyPr>
-          <a:lstStyle/>
-          <a:p>
-            <a:pPr algn="ctr"/>
-            <a:r>
-              <a:rPr lang="en-US" sz="1600" dirty="0">
-                <a:latin typeface="Helvetica" pitchFamily="2" charset="0"/>
-              </a:rPr>
-              <a:t>Background</a:t>
-            </a:r>
-          </a:p>
-        </p:txBody>
-      </p:sp>
-      <p:graphicFrame>
-        <p:nvGraphicFramePr>
-          <p:cNvPr id="28" name="Diagram 27">
-            <a:extLst>
-              <a:ext uri="{FF2B5EF4-FFF2-40B4-BE49-F238E27FC236}">
-                <a16:creationId xmlns:a16="http://schemas.microsoft.com/office/drawing/2014/main" id="{E54FC53C-D0DE-5946-B92B-AF4F0287F571}"/>
-              </a:ext>
-            </a:extLst>
-          </p:cNvPr>
-          <p:cNvGraphicFramePr/>
-          <p:nvPr>
-            <p:extLst/>
-          </p:nvPr>
-        </p:nvGraphicFramePr>
-        <p:xfrm>
-          <a:off x="1174603" y="1839846"/>
-          <a:ext cx="6096000" cy="1166586"/>
-        </p:xfrm>
-        <a:graphic>
-          <a:graphicData uri="http://schemas.openxmlformats.org/drawingml/2006/diagram">
-            <dgm:relIds xmlns:dgm="http://schemas.openxmlformats.org/drawingml/2006/diagram" xmlns:r="http://schemas.openxmlformats.org/officeDocument/2006/relationships" r:dm="rId8" r:lo="rId9" r:qs="rId10" r:cs="rId11"/>
-          </a:graphicData>
-        </a:graphic>
-      </p:graphicFrame>
-      <p:sp>
-        <p:nvSpPr>
-          <p:cNvPr id="32" name="Rectangle 31">
-            <a:extLst>
-              <a:ext uri="{FF2B5EF4-FFF2-40B4-BE49-F238E27FC236}">
-                <a16:creationId xmlns:a16="http://schemas.microsoft.com/office/drawing/2014/main" id="{674BE9D7-1F7A-7345-90B9-168FD44BC065}"/>
+                <a16:creationId xmlns:a16="http://schemas.microsoft.com/office/drawing/2014/main" id="{6FC61739-9A4B-554F-8DB4-439262B0E370}"/>
               </a:ext>
             </a:extLst>
           </p:cNvPr>
@@ -12374,188 +14013,52 @@
         </p:nvSpPr>
         <p:spPr>
           <a:xfrm>
-            <a:off x="3976246" y="1808760"/>
-            <a:ext cx="591829" cy="523220"/>
+            <a:off x="606083" y="1588848"/>
+            <a:ext cx="7045036" cy="1560752"/>
           </a:xfrm>
-          <a:prstGeom prst="rect">
-            <a:avLst/>
-          </a:prstGeom>
-        </p:spPr>
-        <p:txBody>
-          <a:bodyPr wrap="none">
-            <a:spAutoFit/>
-          </a:bodyPr>
-          <a:lstStyle/>
-          <a:p>
-            <a:r>
-              <a:rPr lang="en-US" sz="1400" b="1" dirty="0">
-                <a:latin typeface="Helvetica" pitchFamily="2" charset="0"/>
-              </a:rPr>
-              <a:t>x kg </a:t>
-            </a:r>
-          </a:p>
-          <a:p>
-            <a:r>
-              <a:rPr lang="en-US" sz="1400" b="1" dirty="0">
-                <a:latin typeface="Helvetica" pitchFamily="2" charset="0"/>
-              </a:rPr>
-              <a:t>fuel</a:t>
-            </a:r>
-          </a:p>
-        </p:txBody>
-      </p:sp>
-      <p:sp>
-        <p:nvSpPr>
-          <p:cNvPr id="2" name="TextBox 1">
-            <a:extLst>
-              <a:ext uri="{FF2B5EF4-FFF2-40B4-BE49-F238E27FC236}">
-                <a16:creationId xmlns:a16="http://schemas.microsoft.com/office/drawing/2014/main" id="{32C619DF-A9E5-D143-95C4-616BA2668A3A}"/>
-              </a:ext>
-            </a:extLst>
-          </p:cNvPr>
-          <p:cNvSpPr txBox="1"/>
-          <p:nvPr/>
-        </p:nvSpPr>
-        <p:spPr>
-          <a:xfrm>
-            <a:off x="2633630" y="3057493"/>
-            <a:ext cx="3194963" cy="276999"/>
-          </a:xfrm>
-          <a:prstGeom prst="rect">
-            <a:avLst/>
+          <a:prstGeom prst="frame">
+            <a:avLst>
+              <a:gd name="adj1" fmla="val 420"/>
+            </a:avLst>
           </a:prstGeom>
           <a:noFill/>
+          <a:ln>
+            <a:solidFill>
+              <a:srgbClr val="12294A"/>
+            </a:solidFill>
+          </a:ln>
         </p:spPr>
+        <p:style>
+          <a:lnRef idx="1">
+            <a:schemeClr val="accent1"/>
+          </a:lnRef>
+          <a:fillRef idx="3">
+            <a:schemeClr val="accent1"/>
+          </a:fillRef>
+          <a:effectRef idx="2">
+            <a:schemeClr val="accent1"/>
+          </a:effectRef>
+          <a:fontRef idx="minor">
+            <a:schemeClr val="lt1"/>
+          </a:fontRef>
+        </p:style>
         <p:txBody>
-          <a:bodyPr wrap="square" rtlCol="0">
-            <a:spAutoFit/>
-          </a:bodyPr>
+          <a:bodyPr rtlCol="0" anchor="ctr"/>
           <a:lstStyle/>
           <a:p>
-            <a:r>
-              <a:rPr lang="en-US" sz="1200" dirty="0">
-                <a:latin typeface="Helvetica" pitchFamily="2" charset="0"/>
-              </a:rPr>
-              <a:t>Figure 2: User defined Deployment Scheme </a:t>
-            </a:r>
-          </a:p>
-        </p:txBody>
-      </p:sp>
-      <p:sp>
-        <p:nvSpPr>
-          <p:cNvPr id="35" name="TextBox 34">
-            <a:extLst>
-              <a:ext uri="{FF2B5EF4-FFF2-40B4-BE49-F238E27FC236}">
-                <a16:creationId xmlns:a16="http://schemas.microsoft.com/office/drawing/2014/main" id="{8B89FBCF-D2AD-3C4F-A580-28EC41967257}"/>
-              </a:ext>
-            </a:extLst>
-          </p:cNvPr>
-          <p:cNvSpPr txBox="1"/>
-          <p:nvPr/>
-        </p:nvSpPr>
-        <p:spPr>
-          <a:xfrm>
-            <a:off x="2523005" y="6041774"/>
-            <a:ext cx="3399196" cy="276999"/>
-          </a:xfrm>
-          <a:prstGeom prst="rect">
-            <a:avLst/>
-          </a:prstGeom>
-          <a:noFill/>
-        </p:spPr>
-        <p:txBody>
-          <a:bodyPr wrap="square" rtlCol="0">
-            <a:spAutoFit/>
-          </a:bodyPr>
-          <a:lstStyle/>
-          <a:p>
-            <a:r>
-              <a:rPr lang="en-US" sz="1200" dirty="0">
-                <a:latin typeface="Helvetica" pitchFamily="2" charset="0"/>
-              </a:rPr>
-              <a:t>Figure 3: Demand Driven Deployment Scheme </a:t>
-            </a:r>
-          </a:p>
-        </p:txBody>
-      </p:sp>
-      <p:sp>
-        <p:nvSpPr>
-          <p:cNvPr id="4" name="TextBox 3">
-            <a:extLst>
-              <a:ext uri="{FF2B5EF4-FFF2-40B4-BE49-F238E27FC236}">
-                <a16:creationId xmlns:a16="http://schemas.microsoft.com/office/drawing/2014/main" id="{328513E3-3AE4-B542-889F-A6015C81BF45}"/>
-              </a:ext>
-            </a:extLst>
-          </p:cNvPr>
-          <p:cNvSpPr txBox="1"/>
-          <p:nvPr/>
-        </p:nvSpPr>
-        <p:spPr>
-          <a:xfrm>
-            <a:off x="659795" y="1390790"/>
-            <a:ext cx="6744146" cy="369332"/>
-          </a:xfrm>
-          <a:prstGeom prst="rect">
-            <a:avLst/>
-          </a:prstGeom>
-          <a:noFill/>
-        </p:spPr>
-        <p:txBody>
-          <a:bodyPr wrap="square" rtlCol="0">
-            <a:spAutoFit/>
-          </a:bodyPr>
-          <a:lstStyle/>
-          <a:p>
-            <a:r>
-              <a:rPr lang="en-US" dirty="0">
-                <a:latin typeface="Helvetica" pitchFamily="2" charset="0"/>
-              </a:rPr>
-              <a:t>Gap in capability: User must define when facilities are deployed</a:t>
-            </a:r>
-          </a:p>
-        </p:txBody>
-      </p:sp>
-      <p:sp>
-        <p:nvSpPr>
-          <p:cNvPr id="7" name="TextBox 6">
-            <a:extLst>
-              <a:ext uri="{FF2B5EF4-FFF2-40B4-BE49-F238E27FC236}">
-                <a16:creationId xmlns:a16="http://schemas.microsoft.com/office/drawing/2014/main" id="{886095D3-3A49-974A-92FC-100AA8F108F2}"/>
-              </a:ext>
-            </a:extLst>
-          </p:cNvPr>
-          <p:cNvSpPr txBox="1"/>
-          <p:nvPr/>
-        </p:nvSpPr>
-        <p:spPr>
-          <a:xfrm>
-            <a:off x="681890" y="3659165"/>
-            <a:ext cx="6744146" cy="646331"/>
-          </a:xfrm>
-          <a:prstGeom prst="rect">
-            <a:avLst/>
-          </a:prstGeom>
-          <a:noFill/>
-        </p:spPr>
-        <p:txBody>
-          <a:bodyPr wrap="square" rtlCol="0">
-            <a:spAutoFit/>
-          </a:bodyPr>
-          <a:lstStyle/>
-          <a:p>
-            <a:r>
-              <a:rPr lang="en-US" dirty="0">
-                <a:latin typeface="Helvetica" pitchFamily="2" charset="0"/>
-              </a:rPr>
-              <a:t>Bridging the gap: Developed demand-driven deployment capability in Cyclus, d3ploy. </a:t>
-            </a:r>
+            <a:pPr algn="ctr"/>
+            <a:endParaRPr lang="en-US">
+              <a:solidFill>
+                <a:schemeClr val="tx1"/>
+              </a:solidFill>
+            </a:endParaRPr>
           </a:p>
         </p:txBody>
       </p:sp>
     </p:spTree>
     <p:extLst>
       <p:ext uri="{BB962C8B-B14F-4D97-AF65-F5344CB8AC3E}">
-        <p14:creationId xmlns:p14="http://schemas.microsoft.com/office/powerpoint/2010/main" val="3488073337"/>
+        <p14:creationId xmlns:p14="http://schemas.microsoft.com/office/powerpoint/2010/main" val="3432085303"/>
       </p:ext>
     </p:extLst>
   </p:cSld>
@@ -12612,7 +14115,7 @@
                 <a:ea typeface="Georgia" charset="0"/>
                 <a:cs typeface="Georgia" charset="0"/>
               </a:rPr>
-              <a:t>D3ploy -- Input Options</a:t>
+              <a:t>D3ploy – Input Parameters</a:t>
             </a:r>
             <a:endParaRPr lang="en-US" sz="3200" dirty="0">
               <a:solidFill>
@@ -12699,10 +14202,10 @@
       </p:sp>
       <p:pic>
         <p:nvPicPr>
-          <p:cNvPr id="5" name="Picture 4">
+          <p:cNvPr id="7" name="Picture 6">
             <a:extLst>
               <a:ext uri="{FF2B5EF4-FFF2-40B4-BE49-F238E27FC236}">
-                <a16:creationId xmlns:a16="http://schemas.microsoft.com/office/drawing/2014/main" id="{28E5031B-892D-A742-9B56-3D98BC001E65}"/>
+                <a16:creationId xmlns:a16="http://schemas.microsoft.com/office/drawing/2014/main" id="{51D2A56B-642A-BC4C-874C-7EBD59FC0E1A}"/>
               </a:ext>
             </a:extLst>
           </p:cNvPr>
@@ -12719,8 +14222,8 @@
         </p:blipFill>
         <p:spPr>
           <a:xfrm>
-            <a:off x="1751262" y="1315386"/>
-            <a:ext cx="4744156" cy="4217028"/>
+            <a:off x="427640" y="1352550"/>
+            <a:ext cx="7391400" cy="4152900"/>
           </a:xfrm>
           <a:prstGeom prst="rect">
             <a:avLst/>
@@ -12812,7 +14315,7 @@
         </p:nvSpPr>
         <p:spPr>
           <a:xfrm>
-            <a:off x="6388519" y="3610116"/>
+            <a:off x="5351003" y="3853720"/>
             <a:ext cx="2075033" cy="276999"/>
           </a:xfrm>
           <a:prstGeom prst="rect">
@@ -12874,10 +14377,10 @@
       </p:sp>
       <p:pic>
         <p:nvPicPr>
-          <p:cNvPr id="11" name="Picture 10">
+          <p:cNvPr id="3" name="Picture 2">
             <a:extLst>
               <a:ext uri="{FF2B5EF4-FFF2-40B4-BE49-F238E27FC236}">
-                <a16:creationId xmlns:a16="http://schemas.microsoft.com/office/drawing/2014/main" id="{EF18C843-2B31-6E44-A095-ED280FD9C9DB}"/>
+                <a16:creationId xmlns:a16="http://schemas.microsoft.com/office/drawing/2014/main" id="{71589B45-C7B6-4841-B646-17D25DB4C828}"/>
               </a:ext>
             </a:extLst>
           </p:cNvPr>
@@ -12894,14 +14397,90 @@
         </p:blipFill>
         <p:spPr>
           <a:xfrm>
-            <a:off x="1898754" y="1266390"/>
-            <a:ext cx="4489765" cy="5477310"/>
+            <a:off x="784193" y="1513755"/>
+            <a:ext cx="4389676" cy="4956930"/>
           </a:xfrm>
           <a:prstGeom prst="rect">
             <a:avLst/>
           </a:prstGeom>
         </p:spPr>
       </p:pic>
+      <p:sp>
+        <p:nvSpPr>
+          <p:cNvPr id="4" name="TextBox 3">
+            <a:extLst>
+              <a:ext uri="{FF2B5EF4-FFF2-40B4-BE49-F238E27FC236}">
+                <a16:creationId xmlns:a16="http://schemas.microsoft.com/office/drawing/2014/main" id="{D27D7760-8520-EC45-9DA5-76F7B23D13A3}"/>
+              </a:ext>
+            </a:extLst>
+          </p:cNvPr>
+          <p:cNvSpPr txBox="1"/>
+          <p:nvPr/>
+        </p:nvSpPr>
+        <p:spPr>
+          <a:xfrm>
+            <a:off x="5351003" y="1854950"/>
+            <a:ext cx="2891958" cy="923330"/>
+          </a:xfrm>
+          <a:prstGeom prst="rect">
+            <a:avLst/>
+          </a:prstGeom>
+          <a:noFill/>
+        </p:spPr>
+        <p:txBody>
+          <a:bodyPr wrap="square" rtlCol="0">
+            <a:spAutoFit/>
+          </a:bodyPr>
+          <a:lstStyle/>
+          <a:p>
+            <a:r>
+              <a:rPr lang="en-US" dirty="0"/>
+              <a:t>D</a:t>
+            </a:r>
+            <a:r>
+              <a:rPr lang="en-US" baseline="-25000" dirty="0"/>
+              <a:t>p </a:t>
+            </a:r>
+            <a:r>
+              <a:rPr lang="en-US" dirty="0"/>
+              <a:t>: Predicted demand</a:t>
+            </a:r>
+          </a:p>
+          <a:p>
+            <a:r>
+              <a:rPr lang="en-US" dirty="0"/>
+              <a:t>S</a:t>
+            </a:r>
+            <a:r>
+              <a:rPr lang="en-US" baseline="-25000" dirty="0"/>
+              <a:t>p </a:t>
+            </a:r>
+            <a:r>
+              <a:rPr lang="en-US" dirty="0"/>
+              <a:t>: Predicted supply</a:t>
+            </a:r>
+          </a:p>
+          <a:p>
+            <a:r>
+              <a:rPr lang="en-US" dirty="0"/>
+              <a:t>U  = S</a:t>
+            </a:r>
+            <a:r>
+              <a:rPr lang="en-US" baseline="-25000" dirty="0"/>
+              <a:t>p </a:t>
+            </a:r>
+            <a:r>
+              <a:rPr lang="en-US" dirty="0"/>
+              <a:t>- D</a:t>
+            </a:r>
+            <a:r>
+              <a:rPr lang="en-US" baseline="-25000" dirty="0"/>
+              <a:t>p </a:t>
+            </a:r>
+            <a:endParaRPr lang="en-US" dirty="0"/>
+          </a:p>
+        </p:txBody>
+      </p:sp>
     </p:spTree>
     <p:extLst>
       <p:ext uri="{BB962C8B-B14F-4D97-AF65-F5344CB8AC3E}">
@@ -13213,7 +14792,7 @@
                 <a:ea typeface="Georgia" charset="0"/>
                 <a:cs typeface="Georgia" charset="0"/>
               </a:rPr>
-              <a:t>D3ploy -- Input Options</a:t>
+              <a:t>D3ploy – Simulation Description</a:t>
             </a:r>
             <a:endParaRPr lang="en-US" sz="3200" dirty="0">
               <a:solidFill>
@@ -13275,7 +14854,7 @@
         </p:nvSpPr>
         <p:spPr>
           <a:xfrm>
-            <a:off x="2397924" y="5440362"/>
+            <a:off x="2397924" y="5694362"/>
             <a:ext cx="3450831" cy="276999"/>
           </a:xfrm>
           <a:prstGeom prst="rect">
@@ -13293,17 +14872,17 @@
               <a:rPr lang="en-US" sz="1200" dirty="0">
                 <a:latin typeface="Helvetica" pitchFamily="2" charset="0"/>
               </a:rPr>
-              <a:t>Table 2: D3ploy Input Parameters with example</a:t>
+              <a:t>Table 2: D3ploy Simulation Description</a:t>
             </a:r>
           </a:p>
         </p:txBody>
       </p:sp>
       <p:pic>
         <p:nvPicPr>
-          <p:cNvPr id="7" name="Picture 6">
+          <p:cNvPr id="3" name="Picture 2">
             <a:extLst>
               <a:ext uri="{FF2B5EF4-FFF2-40B4-BE49-F238E27FC236}">
-                <a16:creationId xmlns:a16="http://schemas.microsoft.com/office/drawing/2014/main" id="{8B948224-1F27-004C-A96F-EBA5C1C9A32B}"/>
+                <a16:creationId xmlns:a16="http://schemas.microsoft.com/office/drawing/2014/main" id="{D1EC7044-6B4E-EB41-A0AC-FCF994B5D3F0}"/>
               </a:ext>
             </a:extLst>
           </p:cNvPr>
@@ -13320,8 +14899,8 @@
         </p:blipFill>
         <p:spPr>
           <a:xfrm>
-            <a:off x="624333" y="1417638"/>
-            <a:ext cx="6998014" cy="3868384"/>
+            <a:off x="381000" y="1301750"/>
+            <a:ext cx="7391400" cy="4254500"/>
           </a:xfrm>
           <a:prstGeom prst="rect">
             <a:avLst/>
@@ -13380,7 +14959,7 @@
           <a:p>
             <a:pPr algn="l"/>
             <a:r>
-              <a:rPr lang="en-US" sz="3200" b="1" dirty="0">
+              <a:rPr lang="en-US" sz="2400" b="1" dirty="0">
                 <a:solidFill>
                   <a:srgbClr val="13294B"/>
                 </a:solidFill>
@@ -13388,9 +14967,9 @@
                 <a:ea typeface="Georgia" charset="0"/>
                 <a:cs typeface="Georgia" charset="0"/>
               </a:rPr>
-              <a:t>Constant Power Demand</a:t>
-            </a:r>
-            <a:endParaRPr lang="en-US" sz="3200" dirty="0">
+              <a:t>Constant Power Demand: Reactor Deployment</a:t>
+            </a:r>
+            <a:endParaRPr lang="en-US" sz="2400" dirty="0">
               <a:solidFill>
                 <a:srgbClr val="13294B"/>
               </a:solidFill>
